--- a/lectures.pptx
+++ b/lectures.pptx
@@ -7,29 +7,32 @@
   <p:sldIdLst>
     <p:sldId id="256" r:id="rId2"/>
     <p:sldId id="257" r:id="rId3"/>
-    <p:sldId id="277" r:id="rId4"/>
-    <p:sldId id="278" r:id="rId5"/>
-    <p:sldId id="274" r:id="rId6"/>
-    <p:sldId id="275" r:id="rId7"/>
-    <p:sldId id="259" r:id="rId8"/>
-    <p:sldId id="263" r:id="rId9"/>
-    <p:sldId id="279" r:id="rId10"/>
-    <p:sldId id="266" r:id="rId11"/>
-    <p:sldId id="265" r:id="rId12"/>
-    <p:sldId id="260" r:id="rId13"/>
-    <p:sldId id="267" r:id="rId14"/>
-    <p:sldId id="268" r:id="rId15"/>
-    <p:sldId id="270" r:id="rId16"/>
-    <p:sldId id="273" r:id="rId17"/>
-    <p:sldId id="276" r:id="rId18"/>
-    <p:sldId id="280" r:id="rId19"/>
-    <p:sldId id="281" r:id="rId20"/>
-    <p:sldId id="282" r:id="rId21"/>
-    <p:sldId id="283" r:id="rId22"/>
-    <p:sldId id="285" r:id="rId23"/>
-    <p:sldId id="286" r:id="rId24"/>
-    <p:sldId id="284" r:id="rId25"/>
-    <p:sldId id="258" r:id="rId26"/>
+    <p:sldId id="289" r:id="rId4"/>
+    <p:sldId id="277" r:id="rId5"/>
+    <p:sldId id="278" r:id="rId6"/>
+    <p:sldId id="274" r:id="rId7"/>
+    <p:sldId id="275" r:id="rId8"/>
+    <p:sldId id="259" r:id="rId9"/>
+    <p:sldId id="263" r:id="rId10"/>
+    <p:sldId id="279" r:id="rId11"/>
+    <p:sldId id="266" r:id="rId12"/>
+    <p:sldId id="265" r:id="rId13"/>
+    <p:sldId id="260" r:id="rId14"/>
+    <p:sldId id="267" r:id="rId15"/>
+    <p:sldId id="268" r:id="rId16"/>
+    <p:sldId id="270" r:id="rId17"/>
+    <p:sldId id="273" r:id="rId18"/>
+    <p:sldId id="276" r:id="rId19"/>
+    <p:sldId id="280" r:id="rId20"/>
+    <p:sldId id="281" r:id="rId21"/>
+    <p:sldId id="282" r:id="rId22"/>
+    <p:sldId id="283" r:id="rId23"/>
+    <p:sldId id="285" r:id="rId24"/>
+    <p:sldId id="286" r:id="rId25"/>
+    <p:sldId id="284" r:id="rId26"/>
+    <p:sldId id="288" r:id="rId27"/>
+    <p:sldId id="287" r:id="rId28"/>
+    <p:sldId id="258" r:id="rId29"/>
   </p:sldIdLst>
   <p:sldSz cx="12192000" cy="6858000"/>
   <p:notesSz cx="6858000" cy="9144000"/>
@@ -283,7 +286,7 @@
           <a:p>
             <a:fld id="{8F3D9EDE-FDFF-1341-BE21-1778BA43CC8F}" type="datetimeFigureOut">
               <a:rPr lang="en-US" smtClean="0"/>
-              <a:t>7/27/25</a:t>
+              <a:t>7/30/25</a:t>
             </a:fld>
             <a:endParaRPr lang="en-US"/>
           </a:p>
@@ -481,7 +484,7 @@
           <a:p>
             <a:fld id="{8F3D9EDE-FDFF-1341-BE21-1778BA43CC8F}" type="datetimeFigureOut">
               <a:rPr lang="en-US" smtClean="0"/>
-              <a:t>7/27/25</a:t>
+              <a:t>7/30/25</a:t>
             </a:fld>
             <a:endParaRPr lang="en-US"/>
           </a:p>
@@ -689,7 +692,7 @@
           <a:p>
             <a:fld id="{8F3D9EDE-FDFF-1341-BE21-1778BA43CC8F}" type="datetimeFigureOut">
               <a:rPr lang="en-US" smtClean="0"/>
-              <a:t>7/27/25</a:t>
+              <a:t>7/30/25</a:t>
             </a:fld>
             <a:endParaRPr lang="en-US"/>
           </a:p>
@@ -887,7 +890,7 @@
           <a:p>
             <a:fld id="{8F3D9EDE-FDFF-1341-BE21-1778BA43CC8F}" type="datetimeFigureOut">
               <a:rPr lang="en-US" smtClean="0"/>
-              <a:t>7/27/25</a:t>
+              <a:t>7/30/25</a:t>
             </a:fld>
             <a:endParaRPr lang="en-US"/>
           </a:p>
@@ -1162,7 +1165,7 @@
           <a:p>
             <a:fld id="{8F3D9EDE-FDFF-1341-BE21-1778BA43CC8F}" type="datetimeFigureOut">
               <a:rPr lang="en-US" smtClean="0"/>
-              <a:t>7/27/25</a:t>
+              <a:t>7/30/25</a:t>
             </a:fld>
             <a:endParaRPr lang="en-US"/>
           </a:p>
@@ -1427,7 +1430,7 @@
           <a:p>
             <a:fld id="{8F3D9EDE-FDFF-1341-BE21-1778BA43CC8F}" type="datetimeFigureOut">
               <a:rPr lang="en-US" smtClean="0"/>
-              <a:t>7/27/25</a:t>
+              <a:t>7/30/25</a:t>
             </a:fld>
             <a:endParaRPr lang="en-US"/>
           </a:p>
@@ -1839,7 +1842,7 @@
           <a:p>
             <a:fld id="{8F3D9EDE-FDFF-1341-BE21-1778BA43CC8F}" type="datetimeFigureOut">
               <a:rPr lang="en-US" smtClean="0"/>
-              <a:t>7/27/25</a:t>
+              <a:t>7/30/25</a:t>
             </a:fld>
             <a:endParaRPr lang="en-US"/>
           </a:p>
@@ -1980,7 +1983,7 @@
           <a:p>
             <a:fld id="{8F3D9EDE-FDFF-1341-BE21-1778BA43CC8F}" type="datetimeFigureOut">
               <a:rPr lang="en-US" smtClean="0"/>
-              <a:t>7/27/25</a:t>
+              <a:t>7/30/25</a:t>
             </a:fld>
             <a:endParaRPr lang="en-US"/>
           </a:p>
@@ -2093,7 +2096,7 @@
           <a:p>
             <a:fld id="{8F3D9EDE-FDFF-1341-BE21-1778BA43CC8F}" type="datetimeFigureOut">
               <a:rPr lang="en-US" smtClean="0"/>
-              <a:t>7/27/25</a:t>
+              <a:t>7/30/25</a:t>
             </a:fld>
             <a:endParaRPr lang="en-US"/>
           </a:p>
@@ -2404,7 +2407,7 @@
           <a:p>
             <a:fld id="{8F3D9EDE-FDFF-1341-BE21-1778BA43CC8F}" type="datetimeFigureOut">
               <a:rPr lang="en-US" smtClean="0"/>
-              <a:t>7/27/25</a:t>
+              <a:t>7/30/25</a:t>
             </a:fld>
             <a:endParaRPr lang="en-US"/>
           </a:p>
@@ -2692,7 +2695,7 @@
           <a:p>
             <a:fld id="{8F3D9EDE-FDFF-1341-BE21-1778BA43CC8F}" type="datetimeFigureOut">
               <a:rPr lang="en-US" smtClean="0"/>
-              <a:t>7/27/25</a:t>
+              <a:t>7/30/25</a:t>
             </a:fld>
             <a:endParaRPr lang="en-US"/>
           </a:p>
@@ -2963,7 +2966,7 @@
           <a:p>
             <a:fld id="{8F3D9EDE-FDFF-1341-BE21-1778BA43CC8F}" type="datetimeFigureOut">
               <a:rPr lang="en-US" smtClean="0"/>
-              <a:t>7/27/25</a:t>
+              <a:t>7/30/25</a:t>
             </a:fld>
             <a:endParaRPr lang="en-US"/>
           </a:p>
@@ -3403,13 +3406,8 @@
           <a:p>
             <a:r>
               <a:rPr lang="en-US" dirty="0"/>
-              <a:t>Bridge for </a:t>
-            </a:r>
-            <a:r>
-              <a:rPr lang="en-US" dirty="0" err="1"/>
-              <a:t>Beignners</a:t>
-            </a:r>
-            <a:endParaRPr lang="en-US" dirty="0"/>
+              <a:t>Bridge for Beginners</a:t>
+            </a:r>
           </a:p>
         </p:txBody>
       </p:sp>
@@ -3436,7 +3434,7 @@
           <a:p>
             <a:r>
               <a:rPr lang="en-US" dirty="0"/>
-              <a:t>Sin-Yaw Wang</a:t>
+              <a:t>Sin-Yaw Wang for SSC</a:t>
             </a:r>
           </a:p>
         </p:txBody>
@@ -3476,7 +3474,7 @@
           <p:cNvPr id="2" name="Title 1">
             <a:extLst>
               <a:ext uri="{FF2B5EF4-FFF2-40B4-BE49-F238E27FC236}">
-                <a16:creationId xmlns:a16="http://schemas.microsoft.com/office/drawing/2014/main" id="{3468BC93-B4D0-F6C3-6F82-C49A5ED181C9}"/>
+                <a16:creationId xmlns:a16="http://schemas.microsoft.com/office/drawing/2014/main" id="{B6AAC253-DBB8-DB0C-EFC3-CC89F509C755}"/>
               </a:ext>
             </a:extLst>
           </p:cNvPr>
@@ -3494,63 +3492,590 @@
           <a:p>
             <a:r>
               <a:rPr lang="en-US" dirty="0"/>
-              <a:t>Slam/Grand Slam Bonuses</a:t>
+              <a:t>Examples</a:t>
             </a:r>
           </a:p>
         </p:txBody>
       </p:sp>
-      <p:sp>
-        <p:nvSpPr>
-          <p:cNvPr id="3" name="Content Placeholder 2">
-            <a:extLst>
-              <a:ext uri="{FF2B5EF4-FFF2-40B4-BE49-F238E27FC236}">
-                <a16:creationId xmlns:a16="http://schemas.microsoft.com/office/drawing/2014/main" id="{DCC99491-784D-FEBB-A09F-376B16D42F60}"/>
-              </a:ext>
-            </a:extLst>
-          </p:cNvPr>
-          <p:cNvSpPr>
-            <a:spLocks noGrp="1"/>
-          </p:cNvSpPr>
+      <p:graphicFrame>
+        <p:nvGraphicFramePr>
+          <p:cNvPr id="4" name="Table 3">
+            <a:extLst>
+              <a:ext uri="{FF2B5EF4-FFF2-40B4-BE49-F238E27FC236}">
+                <a16:creationId xmlns:a16="http://schemas.microsoft.com/office/drawing/2014/main" id="{6B3BFAB0-8B4D-BDEE-A1A9-087A15162065}"/>
+              </a:ext>
+            </a:extLst>
+          </p:cNvPr>
+          <p:cNvGraphicFramePr>
+            <a:graphicFrameLocks noGrp="1"/>
+          </p:cNvGraphicFramePr>
           <p:nvPr>
-            <p:ph idx="1"/>
+            <p:extLst>
+              <p:ext uri="{D42A27DB-BD31-4B8C-83A1-F6EECF244321}">
+                <p14:modId xmlns:p14="http://schemas.microsoft.com/office/powerpoint/2010/main" val="3917344620"/>
+              </p:ext>
+            </p:extLst>
           </p:nvPr>
-        </p:nvSpPr>
-        <p:spPr/>
-        <p:txBody>
-          <a:bodyPr/>
-          <a:lstStyle/>
-          <a:p>
-            <a:r>
-              <a:rPr lang="en-US" dirty="0"/>
-              <a:t>Slam: bid and made a contract at 6 level (need 12 tricks)</a:t>
-            </a:r>
-          </a:p>
-          <a:p>
-            <a:pPr lvl="1"/>
-            <a:r>
-              <a:rPr lang="en-US" dirty="0"/>
-              <a:t>500/750 by vulnerability, in addition to game bonuses</a:t>
-            </a:r>
-          </a:p>
-          <a:p>
-            <a:r>
-              <a:rPr lang="en-US" dirty="0"/>
-              <a:t>Grand Slam: bid and made at 7 level (need 13 tricks)</a:t>
-            </a:r>
-          </a:p>
-          <a:p>
-            <a:pPr lvl="1"/>
-            <a:r>
-              <a:rPr lang="en-US" dirty="0"/>
-              <a:t>1000/1500 by vulnerability, in addition the game</a:t>
-            </a:r>
-          </a:p>
-        </p:txBody>
-      </p:sp>
+        </p:nvGraphicFramePr>
+        <p:xfrm>
+          <a:off x="838199" y="1810299"/>
+          <a:ext cx="9095510" cy="4230283"/>
+        </p:xfrm>
+        <a:graphic>
+          <a:graphicData uri="http://schemas.openxmlformats.org/drawingml/2006/table">
+            <a:tbl>
+              <a:tblPr firstRow="1" bandRow="1">
+                <a:tableStyleId>{5C22544A-7EE6-4342-B048-85BDC9FD1C3A}</a:tableStyleId>
+              </a:tblPr>
+              <a:tblGrid>
+                <a:gridCol w="1306726">
+                  <a:extLst>
+                    <a:ext uri="{9D8B030D-6E8A-4147-A177-3AD203B41FA5}">
+                      <a16:colId xmlns:a16="http://schemas.microsoft.com/office/drawing/2014/main" val="4178760446"/>
+                    </a:ext>
+                  </a:extLst>
+                </a:gridCol>
+                <a:gridCol w="1947196">
+                  <a:extLst>
+                    <a:ext uri="{9D8B030D-6E8A-4147-A177-3AD203B41FA5}">
+                      <a16:colId xmlns:a16="http://schemas.microsoft.com/office/drawing/2014/main" val="1744565940"/>
+                    </a:ext>
+                  </a:extLst>
+                </a:gridCol>
+                <a:gridCol w="1947196">
+                  <a:extLst>
+                    <a:ext uri="{9D8B030D-6E8A-4147-A177-3AD203B41FA5}">
+                      <a16:colId xmlns:a16="http://schemas.microsoft.com/office/drawing/2014/main" val="130454964"/>
+                    </a:ext>
+                  </a:extLst>
+                </a:gridCol>
+                <a:gridCol w="1947196">
+                  <a:extLst>
+                    <a:ext uri="{9D8B030D-6E8A-4147-A177-3AD203B41FA5}">
+                      <a16:colId xmlns:a16="http://schemas.microsoft.com/office/drawing/2014/main" val="2418796973"/>
+                    </a:ext>
+                  </a:extLst>
+                </a:gridCol>
+                <a:gridCol w="1947196">
+                  <a:extLst>
+                    <a:ext uri="{9D8B030D-6E8A-4147-A177-3AD203B41FA5}">
+                      <a16:colId xmlns:a16="http://schemas.microsoft.com/office/drawing/2014/main" val="1307085336"/>
+                    </a:ext>
+                  </a:extLst>
+                </a:gridCol>
+              </a:tblGrid>
+              <a:tr h="958837">
+                <a:tc>
+                  <a:txBody>
+                    <a:bodyPr/>
+                    <a:lstStyle/>
+                    <a:p>
+                      <a:r>
+                        <a:rPr lang="en-US" dirty="0"/>
+                        <a:t>Example</a:t>
+                      </a:r>
+                    </a:p>
+                  </a:txBody>
+                  <a:tcPr/>
+                </a:tc>
+                <a:tc>
+                  <a:txBody>
+                    <a:bodyPr/>
+                    <a:lstStyle/>
+                    <a:p>
+                      <a:r>
+                        <a:rPr lang="en-US" dirty="0"/>
+                        <a:t>Contract Score</a:t>
+                      </a:r>
+                    </a:p>
+                  </a:txBody>
+                  <a:tcPr/>
+                </a:tc>
+                <a:tc>
+                  <a:txBody>
+                    <a:bodyPr/>
+                    <a:lstStyle/>
+                    <a:p>
+                      <a:r>
+                        <a:rPr lang="en-US" dirty="0"/>
+                        <a:t>Overtrick</a:t>
+                      </a:r>
+                    </a:p>
+                  </a:txBody>
+                  <a:tcPr/>
+                </a:tc>
+                <a:tc>
+                  <a:txBody>
+                    <a:bodyPr/>
+                    <a:lstStyle/>
+                    <a:p>
+                      <a:r>
+                        <a:rPr lang="en-US" dirty="0"/>
+                        <a:t>Bonus</a:t>
+                      </a:r>
+                    </a:p>
+                  </a:txBody>
+                  <a:tcPr/>
+                </a:tc>
+                <a:tc>
+                  <a:txBody>
+                    <a:bodyPr/>
+                    <a:lstStyle/>
+                    <a:p>
+                      <a:r>
+                        <a:rPr lang="en-US" dirty="0"/>
+                        <a:t>Total</a:t>
+                      </a:r>
+                    </a:p>
+                  </a:txBody>
+                  <a:tcPr/>
+                </a:tc>
+                <a:extLst>
+                  <a:ext uri="{0D108BD9-81ED-4DB2-BD59-A6C34878D82A}">
+                    <a16:rowId xmlns:a16="http://schemas.microsoft.com/office/drawing/2014/main" val="2704325849"/>
+                  </a:ext>
+                </a:extLst>
+              </a:tr>
+              <a:tr h="545241">
+                <a:tc>
+                  <a:txBody>
+                    <a:bodyPr/>
+                    <a:lstStyle/>
+                    <a:p>
+                      <a:r>
+                        <a:rPr lang="en-US" dirty="0"/>
+                        <a:t>2D+0</a:t>
+                      </a:r>
+                    </a:p>
+                  </a:txBody>
+                  <a:tcPr/>
+                </a:tc>
+                <a:tc>
+                  <a:txBody>
+                    <a:bodyPr/>
+                    <a:lstStyle/>
+                    <a:p>
+                      <a:r>
+                        <a:rPr lang="en-US" dirty="0"/>
+                        <a:t>40</a:t>
+                      </a:r>
+                    </a:p>
+                  </a:txBody>
+                  <a:tcPr/>
+                </a:tc>
+                <a:tc>
+                  <a:txBody>
+                    <a:bodyPr/>
+                    <a:lstStyle/>
+                    <a:p>
+                      <a:r>
+                        <a:rPr lang="en-US" dirty="0"/>
+                        <a:t>0</a:t>
+                      </a:r>
+                    </a:p>
+                  </a:txBody>
+                  <a:tcPr/>
+                </a:tc>
+                <a:tc>
+                  <a:txBody>
+                    <a:bodyPr/>
+                    <a:lstStyle/>
+                    <a:p>
+                      <a:r>
+                        <a:rPr lang="en-US" dirty="0"/>
+                        <a:t>50</a:t>
+                      </a:r>
+                    </a:p>
+                  </a:txBody>
+                  <a:tcPr/>
+                </a:tc>
+                <a:tc>
+                  <a:txBody>
+                    <a:bodyPr/>
+                    <a:lstStyle/>
+                    <a:p>
+                      <a:r>
+                        <a:rPr lang="en-US" dirty="0"/>
+                        <a:t>90</a:t>
+                      </a:r>
+                    </a:p>
+                  </a:txBody>
+                  <a:tcPr/>
+                </a:tc>
+                <a:extLst>
+                  <a:ext uri="{0D108BD9-81ED-4DB2-BD59-A6C34878D82A}">
+                    <a16:rowId xmlns:a16="http://schemas.microsoft.com/office/drawing/2014/main" val="927546614"/>
+                  </a:ext>
+                </a:extLst>
+              </a:tr>
+              <a:tr h="545241">
+                <a:tc>
+                  <a:txBody>
+                    <a:bodyPr/>
+                    <a:lstStyle/>
+                    <a:p>
+                      <a:r>
+                        <a:rPr lang="en-US" dirty="0"/>
+                        <a:t>1NT</a:t>
+                      </a:r>
+                    </a:p>
+                  </a:txBody>
+                  <a:tcPr/>
+                </a:tc>
+                <a:tc>
+                  <a:txBody>
+                    <a:bodyPr/>
+                    <a:lstStyle/>
+                    <a:p>
+                      <a:r>
+                        <a:rPr lang="en-US" dirty="0"/>
+                        <a:t>40</a:t>
+                      </a:r>
+                    </a:p>
+                  </a:txBody>
+                  <a:tcPr/>
+                </a:tc>
+                <a:tc>
+                  <a:txBody>
+                    <a:bodyPr/>
+                    <a:lstStyle/>
+                    <a:p>
+                      <a:r>
+                        <a:rPr lang="en-US" dirty="0"/>
+                        <a:t>0</a:t>
+                      </a:r>
+                    </a:p>
+                  </a:txBody>
+                  <a:tcPr/>
+                </a:tc>
+                <a:tc>
+                  <a:txBody>
+                    <a:bodyPr/>
+                    <a:lstStyle/>
+                    <a:p>
+                      <a:r>
+                        <a:rPr lang="en-US" dirty="0"/>
+                        <a:t>50</a:t>
+                      </a:r>
+                    </a:p>
+                  </a:txBody>
+                  <a:tcPr/>
+                </a:tc>
+                <a:tc>
+                  <a:txBody>
+                    <a:bodyPr/>
+                    <a:lstStyle/>
+                    <a:p>
+                      <a:r>
+                        <a:rPr lang="en-US" dirty="0"/>
+                        <a:t>90</a:t>
+                      </a:r>
+                    </a:p>
+                  </a:txBody>
+                  <a:tcPr/>
+                </a:tc>
+                <a:extLst>
+                  <a:ext uri="{0D108BD9-81ED-4DB2-BD59-A6C34878D82A}">
+                    <a16:rowId xmlns:a16="http://schemas.microsoft.com/office/drawing/2014/main" val="2082163618"/>
+                  </a:ext>
+                </a:extLst>
+              </a:tr>
+              <a:tr h="545241">
+                <a:tc>
+                  <a:txBody>
+                    <a:bodyPr/>
+                    <a:lstStyle/>
+                    <a:p>
+                      <a:r>
+                        <a:rPr lang="en-US" dirty="0"/>
+                        <a:t>3S</a:t>
+                      </a:r>
+                    </a:p>
+                  </a:txBody>
+                  <a:tcPr/>
+                </a:tc>
+                <a:tc>
+                  <a:txBody>
+                    <a:bodyPr/>
+                    <a:lstStyle/>
+                    <a:p>
+                      <a:r>
+                        <a:rPr lang="en-US" dirty="0"/>
+                        <a:t>90</a:t>
+                      </a:r>
+                    </a:p>
+                  </a:txBody>
+                  <a:tcPr/>
+                </a:tc>
+                <a:tc>
+                  <a:txBody>
+                    <a:bodyPr/>
+                    <a:lstStyle/>
+                    <a:p>
+                      <a:r>
+                        <a:rPr lang="en-US" dirty="0"/>
+                        <a:t>0</a:t>
+                      </a:r>
+                    </a:p>
+                  </a:txBody>
+                  <a:tcPr/>
+                </a:tc>
+                <a:tc>
+                  <a:txBody>
+                    <a:bodyPr/>
+                    <a:lstStyle/>
+                    <a:p>
+                      <a:r>
+                        <a:rPr lang="en-US" dirty="0"/>
+                        <a:t>50</a:t>
+                      </a:r>
+                    </a:p>
+                  </a:txBody>
+                  <a:tcPr/>
+                </a:tc>
+                <a:tc>
+                  <a:txBody>
+                    <a:bodyPr/>
+                    <a:lstStyle/>
+                    <a:p>
+                      <a:r>
+                        <a:rPr lang="en-US" dirty="0"/>
+                        <a:t>140</a:t>
+                      </a:r>
+                    </a:p>
+                  </a:txBody>
+                  <a:tcPr/>
+                </a:tc>
+                <a:extLst>
+                  <a:ext uri="{0D108BD9-81ED-4DB2-BD59-A6C34878D82A}">
+                    <a16:rowId xmlns:a16="http://schemas.microsoft.com/office/drawing/2014/main" val="3522478268"/>
+                  </a:ext>
+                </a:extLst>
+              </a:tr>
+              <a:tr h="545241">
+                <a:tc>
+                  <a:txBody>
+                    <a:bodyPr/>
+                    <a:lstStyle/>
+                    <a:p>
+                      <a:r>
+                        <a:rPr lang="en-US" dirty="0"/>
+                        <a:t>5D</a:t>
+                      </a:r>
+                    </a:p>
+                  </a:txBody>
+                  <a:tcPr/>
+                </a:tc>
+                <a:tc>
+                  <a:txBody>
+                    <a:bodyPr/>
+                    <a:lstStyle/>
+                    <a:p>
+                      <a:r>
+                        <a:rPr lang="en-US" dirty="0"/>
+                        <a:t>100</a:t>
+                      </a:r>
+                    </a:p>
+                  </a:txBody>
+                  <a:tcPr/>
+                </a:tc>
+                <a:tc>
+                  <a:txBody>
+                    <a:bodyPr/>
+                    <a:lstStyle/>
+                    <a:p>
+                      <a:r>
+                        <a:rPr lang="en-US" dirty="0"/>
+                        <a:t>0</a:t>
+                      </a:r>
+                    </a:p>
+                  </a:txBody>
+                  <a:tcPr/>
+                </a:tc>
+                <a:tc>
+                  <a:txBody>
+                    <a:bodyPr/>
+                    <a:lstStyle/>
+                    <a:p>
+                      <a:r>
+                        <a:rPr lang="en-US" dirty="0"/>
+                        <a:t>300/500</a:t>
+                      </a:r>
+                    </a:p>
+                  </a:txBody>
+                  <a:tcPr/>
+                </a:tc>
+                <a:tc>
+                  <a:txBody>
+                    <a:bodyPr/>
+                    <a:lstStyle/>
+                    <a:p>
+                      <a:r>
+                        <a:rPr lang="en-US" dirty="0"/>
+                        <a:t>400/600</a:t>
+                      </a:r>
+                    </a:p>
+                  </a:txBody>
+                  <a:tcPr/>
+                </a:tc>
+                <a:extLst>
+                  <a:ext uri="{0D108BD9-81ED-4DB2-BD59-A6C34878D82A}">
+                    <a16:rowId xmlns:a16="http://schemas.microsoft.com/office/drawing/2014/main" val="1036006223"/>
+                  </a:ext>
+                </a:extLst>
+              </a:tr>
+              <a:tr h="545241">
+                <a:tc>
+                  <a:txBody>
+                    <a:bodyPr/>
+                    <a:lstStyle/>
+                    <a:p>
+                      <a:r>
+                        <a:rPr lang="en-US" dirty="0"/>
+                        <a:t>3NT+2</a:t>
+                      </a:r>
+                    </a:p>
+                  </a:txBody>
+                  <a:tcPr/>
+                </a:tc>
+                <a:tc>
+                  <a:txBody>
+                    <a:bodyPr/>
+                    <a:lstStyle/>
+                    <a:p>
+                      <a:r>
+                        <a:rPr lang="en-US" dirty="0"/>
+                        <a:t>100</a:t>
+                      </a:r>
+                    </a:p>
+                  </a:txBody>
+                  <a:tcPr/>
+                </a:tc>
+                <a:tc>
+                  <a:txBody>
+                    <a:bodyPr/>
+                    <a:lstStyle/>
+                    <a:p>
+                      <a:r>
+                        <a:rPr lang="en-US" dirty="0"/>
+                        <a:t>60</a:t>
+                      </a:r>
+                    </a:p>
+                  </a:txBody>
+                  <a:tcPr/>
+                </a:tc>
+                <a:tc>
+                  <a:txBody>
+                    <a:bodyPr/>
+                    <a:lstStyle/>
+                    <a:p>
+                      <a:r>
+                        <a:rPr lang="en-US" dirty="0"/>
+                        <a:t>300/500</a:t>
+                      </a:r>
+                    </a:p>
+                  </a:txBody>
+                  <a:tcPr/>
+                </a:tc>
+                <a:tc>
+                  <a:txBody>
+                    <a:bodyPr/>
+                    <a:lstStyle/>
+                    <a:p>
+                      <a:r>
+                        <a:rPr lang="en-US" dirty="0"/>
+                        <a:t>460/660</a:t>
+                      </a:r>
+                    </a:p>
+                  </a:txBody>
+                  <a:tcPr/>
+                </a:tc>
+                <a:extLst>
+                  <a:ext uri="{0D108BD9-81ED-4DB2-BD59-A6C34878D82A}">
+                    <a16:rowId xmlns:a16="http://schemas.microsoft.com/office/drawing/2014/main" val="1349369722"/>
+                  </a:ext>
+                </a:extLst>
+              </a:tr>
+              <a:tr h="545241">
+                <a:tc>
+                  <a:txBody>
+                    <a:bodyPr/>
+                    <a:lstStyle/>
+                    <a:p>
+                      <a:r>
+                        <a:rPr lang="en-US" dirty="0"/>
+                        <a:t>2H+2</a:t>
+                      </a:r>
+                    </a:p>
+                  </a:txBody>
+                  <a:tcPr/>
+                </a:tc>
+                <a:tc>
+                  <a:txBody>
+                    <a:bodyPr/>
+                    <a:lstStyle/>
+                    <a:p>
+                      <a:r>
+                        <a:rPr lang="en-US" dirty="0"/>
+                        <a:t>60</a:t>
+                      </a:r>
+                    </a:p>
+                  </a:txBody>
+                  <a:tcPr/>
+                </a:tc>
+                <a:tc>
+                  <a:txBody>
+                    <a:bodyPr/>
+                    <a:lstStyle/>
+                    <a:p>
+                      <a:r>
+                        <a:rPr lang="en-US" dirty="0"/>
+                        <a:t>60</a:t>
+                      </a:r>
+                    </a:p>
+                  </a:txBody>
+                  <a:tcPr/>
+                </a:tc>
+                <a:tc>
+                  <a:txBody>
+                    <a:bodyPr/>
+                    <a:lstStyle/>
+                    <a:p>
+                      <a:r>
+                        <a:rPr lang="en-US" dirty="0"/>
+                        <a:t>50</a:t>
+                      </a:r>
+                    </a:p>
+                  </a:txBody>
+                  <a:tcPr/>
+                </a:tc>
+                <a:tc>
+                  <a:txBody>
+                    <a:bodyPr/>
+                    <a:lstStyle/>
+                    <a:p>
+                      <a:r>
+                        <a:rPr lang="en-US" dirty="0"/>
+                        <a:t>170</a:t>
+                      </a:r>
+                    </a:p>
+                  </a:txBody>
+                  <a:tcPr/>
+                </a:tc>
+                <a:extLst>
+                  <a:ext uri="{0D108BD9-81ED-4DB2-BD59-A6C34878D82A}">
+                    <a16:rowId xmlns:a16="http://schemas.microsoft.com/office/drawing/2014/main" val="200046473"/>
+                  </a:ext>
+                </a:extLst>
+              </a:tr>
+            </a:tbl>
+          </a:graphicData>
+        </a:graphic>
+      </p:graphicFrame>
     </p:spTree>
     <p:extLst>
       <p:ext uri="{BB962C8B-B14F-4D97-AF65-F5344CB8AC3E}">
-        <p14:creationId xmlns:p14="http://schemas.microsoft.com/office/powerpoint/2010/main" val="1914994529"/>
+        <p14:creationId xmlns:p14="http://schemas.microsoft.com/office/powerpoint/2010/main" val="3698080680"/>
       </p:ext>
     </p:extLst>
   </p:cSld>
@@ -3582,6 +4107,112 @@
           <p:cNvPr id="2" name="Title 1">
             <a:extLst>
               <a:ext uri="{FF2B5EF4-FFF2-40B4-BE49-F238E27FC236}">
+                <a16:creationId xmlns:a16="http://schemas.microsoft.com/office/drawing/2014/main" id="{3468BC93-B4D0-F6C3-6F82-C49A5ED181C9}"/>
+              </a:ext>
+            </a:extLst>
+          </p:cNvPr>
+          <p:cNvSpPr>
+            <a:spLocks noGrp="1"/>
+          </p:cNvSpPr>
+          <p:nvPr>
+            <p:ph type="title"/>
+          </p:nvPr>
+        </p:nvSpPr>
+        <p:spPr/>
+        <p:txBody>
+          <a:bodyPr/>
+          <a:lstStyle/>
+          <a:p>
+            <a:r>
+              <a:rPr lang="en-US" dirty="0"/>
+              <a:t>Slam/Grand Slam Bonuses</a:t>
+            </a:r>
+          </a:p>
+        </p:txBody>
+      </p:sp>
+      <p:sp>
+        <p:nvSpPr>
+          <p:cNvPr id="3" name="Content Placeholder 2">
+            <a:extLst>
+              <a:ext uri="{FF2B5EF4-FFF2-40B4-BE49-F238E27FC236}">
+                <a16:creationId xmlns:a16="http://schemas.microsoft.com/office/drawing/2014/main" id="{DCC99491-784D-FEBB-A09F-376B16D42F60}"/>
+              </a:ext>
+            </a:extLst>
+          </p:cNvPr>
+          <p:cNvSpPr>
+            <a:spLocks noGrp="1"/>
+          </p:cNvSpPr>
+          <p:nvPr>
+            <p:ph idx="1"/>
+          </p:nvPr>
+        </p:nvSpPr>
+        <p:spPr/>
+        <p:txBody>
+          <a:bodyPr/>
+          <a:lstStyle/>
+          <a:p>
+            <a:r>
+              <a:rPr lang="en-US" dirty="0"/>
+              <a:t>Slam: bid and made a contract at 6 level (need 12 tricks)</a:t>
+            </a:r>
+          </a:p>
+          <a:p>
+            <a:pPr lvl="1"/>
+            <a:r>
+              <a:rPr lang="en-US" dirty="0"/>
+              <a:t>500/750 by vulnerability, in addition to game bonuses</a:t>
+            </a:r>
+          </a:p>
+          <a:p>
+            <a:r>
+              <a:rPr lang="en-US" dirty="0"/>
+              <a:t>Grand Slam: bid and made at 7 level (need 13 tricks)</a:t>
+            </a:r>
+          </a:p>
+          <a:p>
+            <a:pPr lvl="1"/>
+            <a:r>
+              <a:rPr lang="en-US" dirty="0"/>
+              <a:t>1000/1500 by vulnerability, in addition the game</a:t>
+            </a:r>
+          </a:p>
+        </p:txBody>
+      </p:sp>
+    </p:spTree>
+    <p:extLst>
+      <p:ext uri="{BB962C8B-B14F-4D97-AF65-F5344CB8AC3E}">
+        <p14:creationId xmlns:p14="http://schemas.microsoft.com/office/powerpoint/2010/main" val="1914994529"/>
+      </p:ext>
+    </p:extLst>
+  </p:cSld>
+  <p:clrMapOvr>
+    <a:masterClrMapping/>
+  </p:clrMapOvr>
+</p:sld>
+</file>
+
+<file path=ppt/slides/slide12.xml><?xml version="1.0" encoding="utf-8"?>
+<p:sld xmlns:a="http://schemas.openxmlformats.org/drawingml/2006/main" xmlns:r="http://schemas.openxmlformats.org/officeDocument/2006/relationships" xmlns:p="http://schemas.openxmlformats.org/presentationml/2006/main">
+  <p:cSld>
+    <p:spTree>
+      <p:nvGrpSpPr>
+        <p:cNvPr id="1" name=""/>
+        <p:cNvGrpSpPr/>
+        <p:nvPr/>
+      </p:nvGrpSpPr>
+      <p:grpSpPr>
+        <a:xfrm>
+          <a:off x="0" y="0"/>
+          <a:ext cx="0" cy="0"/>
+          <a:chOff x="0" y="0"/>
+          <a:chExt cx="0" cy="0"/>
+        </a:xfrm>
+      </p:grpSpPr>
+      <p:sp>
+        <p:nvSpPr>
+          <p:cNvPr id="2" name="Title 1">
+            <a:extLst>
+              <a:ext uri="{FF2B5EF4-FFF2-40B4-BE49-F238E27FC236}">
                 <a16:creationId xmlns:a16="http://schemas.microsoft.com/office/drawing/2014/main" id="{839F6AC2-3FC6-BB8A-8F9B-A3DCD8A78D05}"/>
               </a:ext>
             </a:extLst>
@@ -3682,7 +4313,7 @@
 </p:sld>
 </file>
 
-<file path=ppt/slides/slide12.xml><?xml version="1.0" encoding="utf-8"?>
+<file path=ppt/slides/slide13.xml><?xml version="1.0" encoding="utf-8"?>
 <p:sld xmlns:a="http://schemas.openxmlformats.org/drawingml/2006/main" xmlns:r="http://schemas.openxmlformats.org/officeDocument/2006/relationships" xmlns:p="http://schemas.openxmlformats.org/presentationml/2006/main">
   <p:cSld>
     <p:spTree>
@@ -4931,7 +5562,7 @@
 </p:sld>
 </file>
 
-<file path=ppt/slides/slide13.xml><?xml version="1.0" encoding="utf-8"?>
+<file path=ppt/slides/slide14.xml><?xml version="1.0" encoding="utf-8"?>
 <p:sld xmlns:a="http://schemas.openxmlformats.org/drawingml/2006/main" xmlns:r="http://schemas.openxmlformats.org/officeDocument/2006/relationships" xmlns:p="http://schemas.openxmlformats.org/presentationml/2006/main">
   <p:cSld>
     <p:spTree>
@@ -5812,204 +6443,6 @@
 </p:sld>
 </file>
 
-<file path=ppt/slides/slide14.xml><?xml version="1.0" encoding="utf-8"?>
-<p:sld xmlns:a="http://schemas.openxmlformats.org/drawingml/2006/main" xmlns:r="http://schemas.openxmlformats.org/officeDocument/2006/relationships" xmlns:p="http://schemas.openxmlformats.org/presentationml/2006/main">
-  <p:cSld>
-    <p:spTree>
-      <p:nvGrpSpPr>
-        <p:cNvPr id="1" name=""/>
-        <p:cNvGrpSpPr/>
-        <p:nvPr/>
-      </p:nvGrpSpPr>
-      <p:grpSpPr>
-        <a:xfrm>
-          <a:off x="0" y="0"/>
-          <a:ext cx="0" cy="0"/>
-          <a:chOff x="0" y="0"/>
-          <a:chExt cx="0" cy="0"/>
-        </a:xfrm>
-      </p:grpSpPr>
-      <p:sp>
-        <p:nvSpPr>
-          <p:cNvPr id="2" name="Title 1">
-            <a:extLst>
-              <a:ext uri="{FF2B5EF4-FFF2-40B4-BE49-F238E27FC236}">
-                <a16:creationId xmlns:a16="http://schemas.microsoft.com/office/drawing/2014/main" id="{98829A36-C3A1-99D7-4855-3ABEA626AE59}"/>
-              </a:ext>
-            </a:extLst>
-          </p:cNvPr>
-          <p:cNvSpPr>
-            <a:spLocks noGrp="1"/>
-          </p:cNvSpPr>
-          <p:nvPr>
-            <p:ph type="title"/>
-          </p:nvPr>
-        </p:nvSpPr>
-        <p:spPr/>
-        <p:txBody>
-          <a:bodyPr/>
-          <a:lstStyle/>
-          <a:p>
-            <a:r>
-              <a:rPr lang="en-US" dirty="0"/>
-              <a:t>What Happens in a Tournament?</a:t>
-            </a:r>
-          </a:p>
-        </p:txBody>
-      </p:sp>
-      <p:sp>
-        <p:nvSpPr>
-          <p:cNvPr id="3" name="Content Placeholder 2">
-            <a:extLst>
-              <a:ext uri="{FF2B5EF4-FFF2-40B4-BE49-F238E27FC236}">
-                <a16:creationId xmlns:a16="http://schemas.microsoft.com/office/drawing/2014/main" id="{D49E195D-A608-ACE8-AC62-5B91CD557D0C}"/>
-              </a:ext>
-            </a:extLst>
-          </p:cNvPr>
-          <p:cNvSpPr>
-            <a:spLocks noGrp="1"/>
-          </p:cNvSpPr>
-          <p:nvPr>
-            <p:ph idx="1"/>
-          </p:nvPr>
-        </p:nvSpPr>
-        <p:spPr>
-          <a:xfrm>
-            <a:off x="838200" y="1854201"/>
-            <a:ext cx="10515600" cy="4351338"/>
-          </a:xfrm>
-        </p:spPr>
-        <p:txBody>
-          <a:bodyPr>
-            <a:normAutofit fontScale="85000" lnSpcReduction="20000"/>
-          </a:bodyPr>
-          <a:lstStyle/>
-          <a:p>
-            <a:r>
-              <a:rPr lang="en-US" dirty="0"/>
-              <a:t>Team Tournament:</a:t>
-            </a:r>
-          </a:p>
-          <a:p>
-            <a:pPr lvl="1"/>
-            <a:r>
-              <a:rPr lang="en-US" dirty="0"/>
-              <a:t>4-player from a team to play another team</a:t>
-            </a:r>
-          </a:p>
-          <a:p>
-            <a:pPr lvl="1"/>
-            <a:r>
-              <a:rPr lang="en-US" dirty="0"/>
-              <a:t>Both tables play the same boards</a:t>
-            </a:r>
-          </a:p>
-          <a:p>
-            <a:pPr lvl="1"/>
-            <a:r>
-              <a:rPr lang="en-US" dirty="0"/>
-              <a:t>Score difference convert to “IMP” (International Match Point)</a:t>
-            </a:r>
-          </a:p>
-          <a:p>
-            <a:pPr lvl="1"/>
-            <a:r>
-              <a:rPr lang="en-US" dirty="0"/>
-              <a:t>Team with more IMP wins</a:t>
-            </a:r>
-          </a:p>
-          <a:p>
-            <a:r>
-              <a:rPr lang="en-US" dirty="0"/>
-              <a:t>Pair Tournament:</a:t>
-            </a:r>
-          </a:p>
-          <a:p>
-            <a:pPr lvl="1"/>
-            <a:r>
-              <a:rPr lang="en-US" dirty="0"/>
-              <a:t>Two players, as a pair, play against other pairs</a:t>
-            </a:r>
-          </a:p>
-          <a:p>
-            <a:pPr lvl="2"/>
-            <a:r>
-              <a:rPr lang="en-US" dirty="0"/>
-              <a:t>Single winner (Howell) v. multiple winners (Mitchell) tournaments</a:t>
-            </a:r>
-          </a:p>
-          <a:p>
-            <a:pPr lvl="1"/>
-            <a:r>
-              <a:rPr lang="en-US" dirty="0"/>
-              <a:t>Pairs play the same boards against different opponents</a:t>
-            </a:r>
-          </a:p>
-          <a:p>
-            <a:pPr lvl="1"/>
-            <a:r>
-              <a:rPr lang="en-US" dirty="0"/>
-              <a:t>MP (Match Point) Tournaments:</a:t>
-            </a:r>
-          </a:p>
-          <a:p>
-            <a:pPr lvl="2"/>
-            <a:r>
-              <a:rPr lang="en-US" dirty="0"/>
-              <a:t>Rank each pair’s score, convert </a:t>
-            </a:r>
-            <a:r>
-              <a:rPr lang="en-US" dirty="0" err="1"/>
-              <a:t>rankngs</a:t>
-            </a:r>
-            <a:r>
-              <a:rPr lang="en-US" dirty="0"/>
-              <a:t> to %</a:t>
-            </a:r>
-          </a:p>
-          <a:p>
-            <a:pPr lvl="2"/>
-            <a:r>
-              <a:rPr lang="en-US" dirty="0"/>
-              <a:t>Pair with the highest average % wins</a:t>
-            </a:r>
-          </a:p>
-          <a:p>
-            <a:pPr lvl="1"/>
-            <a:r>
-              <a:rPr lang="en-US" dirty="0"/>
-              <a:t>IMP Tournaments:</a:t>
-            </a:r>
-          </a:p>
-          <a:p>
-            <a:pPr lvl="2"/>
-            <a:r>
-              <a:rPr lang="en-US" dirty="0"/>
-              <a:t>For each board, Pair-wise convert score differences to IMPs, obtain average</a:t>
-            </a:r>
-          </a:p>
-          <a:p>
-            <a:pPr lvl="2"/>
-            <a:r>
-              <a:rPr lang="en-US" dirty="0"/>
-              <a:t>Pair with the highest accumulated IMPs wins</a:t>
-            </a:r>
-          </a:p>
-        </p:txBody>
-      </p:sp>
-    </p:spTree>
-    <p:extLst>
-      <p:ext uri="{BB962C8B-B14F-4D97-AF65-F5344CB8AC3E}">
-        <p14:creationId xmlns:p14="http://schemas.microsoft.com/office/powerpoint/2010/main" val="2207978350"/>
-      </p:ext>
-    </p:extLst>
-  </p:cSld>
-  <p:clrMapOvr>
-    <a:masterClrMapping/>
-  </p:clrMapOvr>
-</p:sld>
-</file>
-
 <file path=ppt/slides/slide15.xml><?xml version="1.0" encoding="utf-8"?>
 <p:sld xmlns:a="http://schemas.openxmlformats.org/drawingml/2006/main" xmlns:r="http://schemas.openxmlformats.org/officeDocument/2006/relationships" xmlns:p="http://schemas.openxmlformats.org/presentationml/2006/main">
   <p:cSld>
@@ -6032,7 +6465,7 @@
           <p:cNvPr id="2" name="Title 1">
             <a:extLst>
               <a:ext uri="{FF2B5EF4-FFF2-40B4-BE49-F238E27FC236}">
-                <a16:creationId xmlns:a16="http://schemas.microsoft.com/office/drawing/2014/main" id="{43C9BD83-8252-CE98-681F-C1F4464020B2}"/>
+                <a16:creationId xmlns:a16="http://schemas.microsoft.com/office/drawing/2014/main" id="{98829A36-C3A1-99D7-4855-3ABEA626AE59}"/>
               </a:ext>
             </a:extLst>
           </p:cNvPr>
@@ -6050,7 +6483,7 @@
           <a:p>
             <a:r>
               <a:rPr lang="en-US" dirty="0"/>
-              <a:t>Scoring Summary</a:t>
+              <a:t>What Happens in a Tournament?</a:t>
             </a:r>
           </a:p>
         </p:txBody>
@@ -6060,7 +6493,7 @@
           <p:cNvPr id="3" name="Content Placeholder 2">
             <a:extLst>
               <a:ext uri="{FF2B5EF4-FFF2-40B4-BE49-F238E27FC236}">
-                <a16:creationId xmlns:a16="http://schemas.microsoft.com/office/drawing/2014/main" id="{A672E8F8-BDD6-48EE-288B-6B99FEF6EAB5}"/>
+                <a16:creationId xmlns:a16="http://schemas.microsoft.com/office/drawing/2014/main" id="{D49E195D-A608-ACE8-AC62-5B91CD557D0C}"/>
               </a:ext>
             </a:extLst>
           </p:cNvPr>
@@ -6073,36 +6506,124 @@
         </p:nvSpPr>
         <p:spPr>
           <a:xfrm>
-            <a:off x="838200" y="1825625"/>
-            <a:ext cx="9192491" cy="4351338"/>
+            <a:off x="838200" y="1854201"/>
+            <a:ext cx="10515600" cy="4351338"/>
           </a:xfrm>
         </p:spPr>
         <p:txBody>
-          <a:bodyPr/>
+          <a:bodyPr>
+            <a:normAutofit fontScale="85000" lnSpcReduction="20000"/>
+          </a:bodyPr>
           <a:lstStyle/>
           <a:p>
             <a:r>
               <a:rPr lang="en-US" dirty="0"/>
-              <a:t>Goal is to outscore the competitors, not the opponents</a:t>
+              <a:t>Team Tournament:</a:t>
             </a:r>
           </a:p>
           <a:p>
             <a:pPr lvl="1"/>
             <a:r>
               <a:rPr lang="en-US" dirty="0"/>
-              <a:t>Sometimes with negative points</a:t>
-            </a:r>
-          </a:p>
-          <a:p>
-            <a:r>
-              <a:rPr lang="en-US" dirty="0"/>
-              <a:t>Don’t miss game/slam</a:t>
-            </a:r>
-          </a:p>
-          <a:p>
-            <a:r>
-              <a:rPr lang="en-US" dirty="0"/>
-              <a:t>Partials frequently are deciders</a:t>
+              <a:t>4-player from a team to play another team</a:t>
+            </a:r>
+          </a:p>
+          <a:p>
+            <a:pPr lvl="1"/>
+            <a:r>
+              <a:rPr lang="en-US" dirty="0"/>
+              <a:t>Both tables play the same boards</a:t>
+            </a:r>
+          </a:p>
+          <a:p>
+            <a:pPr lvl="1"/>
+            <a:r>
+              <a:rPr lang="en-US" dirty="0"/>
+              <a:t>Score difference convert to “IMP” (International Match Point)</a:t>
+            </a:r>
+          </a:p>
+          <a:p>
+            <a:pPr lvl="1"/>
+            <a:r>
+              <a:rPr lang="en-US" dirty="0"/>
+              <a:t>Team with more IMP wins</a:t>
+            </a:r>
+          </a:p>
+          <a:p>
+            <a:r>
+              <a:rPr lang="en-US" dirty="0"/>
+              <a:t>Pair Tournament:</a:t>
+            </a:r>
+          </a:p>
+          <a:p>
+            <a:pPr lvl="1"/>
+            <a:r>
+              <a:rPr lang="en-US" dirty="0"/>
+              <a:t>Two players, as a pair, play against other pairs</a:t>
+            </a:r>
+          </a:p>
+          <a:p>
+            <a:pPr lvl="2"/>
+            <a:r>
+              <a:rPr lang="en-US" dirty="0"/>
+              <a:t>Single winner (Howell) v. multiple winners (Mitchell) tournaments</a:t>
+            </a:r>
+          </a:p>
+          <a:p>
+            <a:pPr lvl="1"/>
+            <a:r>
+              <a:rPr lang="en-US" dirty="0"/>
+              <a:t>Pairs play the same boards against different opponents</a:t>
+            </a:r>
+          </a:p>
+          <a:p>
+            <a:pPr lvl="1"/>
+            <a:r>
+              <a:rPr lang="en-US" dirty="0"/>
+              <a:t>MP (Match Point) Tournaments:</a:t>
+            </a:r>
+          </a:p>
+          <a:p>
+            <a:pPr lvl="2"/>
+            <a:r>
+              <a:rPr lang="en-US" dirty="0"/>
+              <a:t>Rank each pair’s score, convert </a:t>
+            </a:r>
+            <a:r>
+              <a:rPr lang="en-US" dirty="0" err="1"/>
+              <a:t>rankngs</a:t>
+            </a:r>
+            <a:r>
+              <a:rPr lang="en-US" dirty="0"/>
+              <a:t> to %</a:t>
+            </a:r>
+          </a:p>
+          <a:p>
+            <a:pPr lvl="2"/>
+            <a:r>
+              <a:rPr lang="en-US" dirty="0"/>
+              <a:t>Pair with the highest average % wins</a:t>
+            </a:r>
+          </a:p>
+          <a:p>
+            <a:pPr lvl="1"/>
+            <a:r>
+              <a:rPr lang="en-US" dirty="0"/>
+              <a:t>IMP Tournaments:</a:t>
+            </a:r>
+          </a:p>
+          <a:p>
+            <a:pPr lvl="2"/>
+            <a:r>
+              <a:rPr lang="en-US" dirty="0"/>
+              <a:t>For each board, Pair-wise convert score differences to IMPs, obtain average</a:t>
+            </a:r>
+          </a:p>
+          <a:p>
+            <a:pPr lvl="2"/>
+            <a:r>
+              <a:rPr lang="en-US" dirty="0"/>
+              <a:t>Pair with the highest accumulated IMPs wins</a:t>
             </a:r>
           </a:p>
         </p:txBody>
@@ -6110,7 +6631,7 @@
     </p:spTree>
     <p:extLst>
       <p:ext uri="{BB962C8B-B14F-4D97-AF65-F5344CB8AC3E}">
-        <p14:creationId xmlns:p14="http://schemas.microsoft.com/office/powerpoint/2010/main" val="3152056824"/>
+        <p14:creationId xmlns:p14="http://schemas.microsoft.com/office/powerpoint/2010/main" val="2207978350"/>
       </p:ext>
     </p:extLst>
   </p:cSld>
@@ -6142,7 +6663,7 @@
           <p:cNvPr id="2" name="Title 1">
             <a:extLst>
               <a:ext uri="{FF2B5EF4-FFF2-40B4-BE49-F238E27FC236}">
-                <a16:creationId xmlns:a16="http://schemas.microsoft.com/office/drawing/2014/main" id="{B08A2913-1E7D-49E7-9D52-8DE618890733}"/>
+                <a16:creationId xmlns:a16="http://schemas.microsoft.com/office/drawing/2014/main" id="{43C9BD83-8252-CE98-681F-C1F4464020B2}"/>
               </a:ext>
             </a:extLst>
           </p:cNvPr>
@@ -6160,7 +6681,7 @@
           <a:p>
             <a:r>
               <a:rPr lang="en-US" dirty="0"/>
-              <a:t>“Natural” is a set of logic, not a system</a:t>
+              <a:t>Scoring Summary</a:t>
             </a:r>
           </a:p>
         </p:txBody>
@@ -6170,7 +6691,7 @@
           <p:cNvPr id="3" name="Content Placeholder 2">
             <a:extLst>
               <a:ext uri="{FF2B5EF4-FFF2-40B4-BE49-F238E27FC236}">
-                <a16:creationId xmlns:a16="http://schemas.microsoft.com/office/drawing/2014/main" id="{C636648D-6756-902C-5865-F27FE17AA538}"/>
+                <a16:creationId xmlns:a16="http://schemas.microsoft.com/office/drawing/2014/main" id="{A672E8F8-BDD6-48EE-288B-6B99FEF6EAB5}"/>
               </a:ext>
             </a:extLst>
           </p:cNvPr>
@@ -6184,76 +6705,35 @@
         <p:spPr>
           <a:xfrm>
             <a:off x="838200" y="1825625"/>
-            <a:ext cx="10009909" cy="4351338"/>
+            <a:ext cx="9192491" cy="4351338"/>
           </a:xfrm>
         </p:spPr>
         <p:txBody>
-          <a:bodyPr>
-            <a:normAutofit/>
-          </a:bodyPr>
+          <a:bodyPr/>
           <a:lstStyle/>
           <a:p>
             <a:r>
               <a:rPr lang="en-US" dirty="0"/>
-              <a:t>Suit bid: strength or length</a:t>
-            </a:r>
-          </a:p>
-          <a:p>
-            <a:r>
-              <a:rPr lang="en-US" dirty="0"/>
-              <a:t>Jump to show power, usually forcing</a:t>
-            </a:r>
-          </a:p>
-          <a:p>
-            <a:r>
-              <a:rPr lang="en-US" dirty="0"/>
-              <a:t>New Suit: 2</a:t>
-            </a:r>
-            <a:r>
-              <a:rPr lang="en-US" baseline="30000" dirty="0"/>
-              <a:t>nd</a:t>
-            </a:r>
-            <a:r>
-              <a:rPr lang="en-US" dirty="0"/>
-              <a:t> best suit</a:t>
-            </a:r>
-          </a:p>
-          <a:p>
-            <a:r>
-              <a:rPr lang="en-US" dirty="0"/>
-              <a:t>Opener bid higher suit first</a:t>
+              <a:t>Goal is to outscore the competitors, not the opponents</a:t>
             </a:r>
           </a:p>
           <a:p>
             <a:pPr lvl="1"/>
             <a:r>
               <a:rPr lang="en-US" dirty="0"/>
-              <a:t>Reverse: partner need to choose at 3 level</a:t>
-            </a:r>
-          </a:p>
-          <a:p>
-            <a:r>
-              <a:rPr lang="en-US" dirty="0"/>
-              <a:t>Responder “climb the ladder”</a:t>
-            </a:r>
-          </a:p>
-          <a:p>
-            <a:r>
-              <a:rPr lang="en-US" dirty="0"/>
-              <a:t>Weak: retreat to same suit or NT</a:t>
-            </a:r>
-          </a:p>
-          <a:p>
-            <a:r>
-              <a:rPr lang="en-US" dirty="0"/>
-              <a:t>Once trump agreed</a:t>
-            </a:r>
-          </a:p>
-          <a:p>
-            <a:pPr lvl="1"/>
-            <a:r>
-              <a:rPr lang="en-US" dirty="0"/>
-              <a:t>New suits are about control</a:t>
+              <a:t>Sometimes with negative points</a:t>
+            </a:r>
+          </a:p>
+          <a:p>
+            <a:r>
+              <a:rPr lang="en-US" dirty="0"/>
+              <a:t>Don’t miss game/slam</a:t>
+            </a:r>
+          </a:p>
+          <a:p>
+            <a:r>
+              <a:rPr lang="en-US" dirty="0"/>
+              <a:t>Partials frequently are deciders</a:t>
             </a:r>
           </a:p>
         </p:txBody>
@@ -6261,7 +6741,7 @@
     </p:spTree>
     <p:extLst>
       <p:ext uri="{BB962C8B-B14F-4D97-AF65-F5344CB8AC3E}">
-        <p14:creationId xmlns:p14="http://schemas.microsoft.com/office/powerpoint/2010/main" val="3446700826"/>
+        <p14:creationId xmlns:p14="http://schemas.microsoft.com/office/powerpoint/2010/main" val="3152056824"/>
       </p:ext>
     </p:extLst>
   </p:cSld>
@@ -6293,6 +6773,157 @@
           <p:cNvPr id="2" name="Title 1">
             <a:extLst>
               <a:ext uri="{FF2B5EF4-FFF2-40B4-BE49-F238E27FC236}">
+                <a16:creationId xmlns:a16="http://schemas.microsoft.com/office/drawing/2014/main" id="{B08A2913-1E7D-49E7-9D52-8DE618890733}"/>
+              </a:ext>
+            </a:extLst>
+          </p:cNvPr>
+          <p:cNvSpPr>
+            <a:spLocks noGrp="1"/>
+          </p:cNvSpPr>
+          <p:nvPr>
+            <p:ph type="title"/>
+          </p:nvPr>
+        </p:nvSpPr>
+        <p:spPr/>
+        <p:txBody>
+          <a:bodyPr/>
+          <a:lstStyle/>
+          <a:p>
+            <a:r>
+              <a:rPr lang="en-US" dirty="0"/>
+              <a:t>“Natural” is a set of logic, not a system</a:t>
+            </a:r>
+          </a:p>
+        </p:txBody>
+      </p:sp>
+      <p:sp>
+        <p:nvSpPr>
+          <p:cNvPr id="3" name="Content Placeholder 2">
+            <a:extLst>
+              <a:ext uri="{FF2B5EF4-FFF2-40B4-BE49-F238E27FC236}">
+                <a16:creationId xmlns:a16="http://schemas.microsoft.com/office/drawing/2014/main" id="{C636648D-6756-902C-5865-F27FE17AA538}"/>
+              </a:ext>
+            </a:extLst>
+          </p:cNvPr>
+          <p:cNvSpPr>
+            <a:spLocks noGrp="1"/>
+          </p:cNvSpPr>
+          <p:nvPr>
+            <p:ph idx="1"/>
+          </p:nvPr>
+        </p:nvSpPr>
+        <p:spPr>
+          <a:xfrm>
+            <a:off x="838200" y="1825625"/>
+            <a:ext cx="10009909" cy="4351338"/>
+          </a:xfrm>
+        </p:spPr>
+        <p:txBody>
+          <a:bodyPr>
+            <a:normAutofit/>
+          </a:bodyPr>
+          <a:lstStyle/>
+          <a:p>
+            <a:r>
+              <a:rPr lang="en-US" dirty="0"/>
+              <a:t>Suit bid: strength or length</a:t>
+            </a:r>
+          </a:p>
+          <a:p>
+            <a:r>
+              <a:rPr lang="en-US" dirty="0"/>
+              <a:t>Jump to show power, usually forcing</a:t>
+            </a:r>
+          </a:p>
+          <a:p>
+            <a:r>
+              <a:rPr lang="en-US" dirty="0"/>
+              <a:t>New Suit: 2</a:t>
+            </a:r>
+            <a:r>
+              <a:rPr lang="en-US" baseline="30000" dirty="0"/>
+              <a:t>nd</a:t>
+            </a:r>
+            <a:r>
+              <a:rPr lang="en-US" dirty="0"/>
+              <a:t> best suit</a:t>
+            </a:r>
+          </a:p>
+          <a:p>
+            <a:r>
+              <a:rPr lang="en-US" dirty="0"/>
+              <a:t>Opener bid higher suit first</a:t>
+            </a:r>
+          </a:p>
+          <a:p>
+            <a:pPr lvl="1"/>
+            <a:r>
+              <a:rPr lang="en-US" dirty="0"/>
+              <a:t>Reverse: partner need to choose at 3 level</a:t>
+            </a:r>
+          </a:p>
+          <a:p>
+            <a:r>
+              <a:rPr lang="en-US" dirty="0"/>
+              <a:t>Responder “climb the ladder”</a:t>
+            </a:r>
+          </a:p>
+          <a:p>
+            <a:r>
+              <a:rPr lang="en-US" dirty="0"/>
+              <a:t>Weak: retreat to same suit or NT</a:t>
+            </a:r>
+          </a:p>
+          <a:p>
+            <a:r>
+              <a:rPr lang="en-US" dirty="0"/>
+              <a:t>Once trump agreed</a:t>
+            </a:r>
+          </a:p>
+          <a:p>
+            <a:pPr lvl="1"/>
+            <a:r>
+              <a:rPr lang="en-US" dirty="0"/>
+              <a:t>New suits are about control</a:t>
+            </a:r>
+          </a:p>
+        </p:txBody>
+      </p:sp>
+    </p:spTree>
+    <p:extLst>
+      <p:ext uri="{BB962C8B-B14F-4D97-AF65-F5344CB8AC3E}">
+        <p14:creationId xmlns:p14="http://schemas.microsoft.com/office/powerpoint/2010/main" val="3446700826"/>
+      </p:ext>
+    </p:extLst>
+  </p:cSld>
+  <p:clrMapOvr>
+    <a:masterClrMapping/>
+  </p:clrMapOvr>
+</p:sld>
+</file>
+
+<file path=ppt/slides/slide18.xml><?xml version="1.0" encoding="utf-8"?>
+<p:sld xmlns:a="http://schemas.openxmlformats.org/drawingml/2006/main" xmlns:r="http://schemas.openxmlformats.org/officeDocument/2006/relationships" xmlns:p="http://schemas.openxmlformats.org/presentationml/2006/main">
+  <p:cSld>
+    <p:spTree>
+      <p:nvGrpSpPr>
+        <p:cNvPr id="1" name=""/>
+        <p:cNvGrpSpPr/>
+        <p:nvPr/>
+      </p:nvGrpSpPr>
+      <p:grpSpPr>
+        <a:xfrm>
+          <a:off x="0" y="0"/>
+          <a:ext cx="0" cy="0"/>
+          <a:chOff x="0" y="0"/>
+          <a:chExt cx="0" cy="0"/>
+        </a:xfrm>
+      </p:grpSpPr>
+      <p:sp>
+        <p:nvSpPr>
+          <p:cNvPr id="2" name="Title 1">
+            <a:extLst>
+              <a:ext uri="{FF2B5EF4-FFF2-40B4-BE49-F238E27FC236}">
                 <a16:creationId xmlns:a16="http://schemas.microsoft.com/office/drawing/2014/main" id="{C29D4DC7-758E-FDEF-C982-11858125400A}"/>
               </a:ext>
             </a:extLst>
@@ -6415,6 +7046,25 @@
               <a:rPr lang="en-US" dirty="0"/>
               <a:t>6 or more cards. Prefer two of Ace, King, or Queen</a:t>
             </a:r>
+          </a:p>
+          <a:p>
+            <a:pPr marL="514350" indent="-514350">
+              <a:buFont typeface="+mj-lt"/>
+              <a:buAutoNum type="arabicPeriod"/>
+            </a:pPr>
+            <a:r>
+              <a:rPr lang="en-US" dirty="0"/>
+              <a:t>Rule of &lt;</a:t>
+            </a:r>
+            <a:r>
+              <a:rPr lang="en-US"/>
+              <a:t>some number</a:t>
+            </a:r>
+            <a:r>
+              <a:rPr lang="en-US" dirty="0"/>
+              <a:t>&gt;</a:t>
+            </a:r>
+            <a:endParaRPr lang="en-US"/>
           </a:p>
         </p:txBody>
       </p:sp>
@@ -6431,7 +7081,7 @@
 </p:sld>
 </file>
 
-<file path=ppt/slides/slide18.xml><?xml version="1.0" encoding="utf-8"?>
+<file path=ppt/slides/slide19.xml><?xml version="1.0" encoding="utf-8"?>
 <p:sld xmlns:a="http://schemas.openxmlformats.org/drawingml/2006/main" xmlns:r="http://schemas.openxmlformats.org/officeDocument/2006/relationships" xmlns:p="http://schemas.openxmlformats.org/presentationml/2006/main">
   <p:cSld>
     <p:spTree>
@@ -6787,7 +7437,132 @@
 </p:sld>
 </file>
 
-<file path=ppt/slides/slide19.xml><?xml version="1.0" encoding="utf-8"?>
+<file path=ppt/slides/slide2.xml><?xml version="1.0" encoding="utf-8"?>
+<p:sld xmlns:a="http://schemas.openxmlformats.org/drawingml/2006/main" xmlns:r="http://schemas.openxmlformats.org/officeDocument/2006/relationships" xmlns:p="http://schemas.openxmlformats.org/presentationml/2006/main">
+  <p:cSld>
+    <p:spTree>
+      <p:nvGrpSpPr>
+        <p:cNvPr id="1" name=""/>
+        <p:cNvGrpSpPr/>
+        <p:nvPr/>
+      </p:nvGrpSpPr>
+      <p:grpSpPr>
+        <a:xfrm>
+          <a:off x="0" y="0"/>
+          <a:ext cx="0" cy="0"/>
+          <a:chOff x="0" y="0"/>
+          <a:chExt cx="0" cy="0"/>
+        </a:xfrm>
+      </p:grpSpPr>
+      <p:sp>
+        <p:nvSpPr>
+          <p:cNvPr id="2" name="Title 1">
+            <a:extLst>
+              <a:ext uri="{FF2B5EF4-FFF2-40B4-BE49-F238E27FC236}">
+                <a16:creationId xmlns:a16="http://schemas.microsoft.com/office/drawing/2014/main" id="{17E56C5C-E454-997C-46FA-06976D45742E}"/>
+              </a:ext>
+            </a:extLst>
+          </p:cNvPr>
+          <p:cNvSpPr>
+            <a:spLocks noGrp="1"/>
+          </p:cNvSpPr>
+          <p:nvPr>
+            <p:ph type="title"/>
+          </p:nvPr>
+        </p:nvSpPr>
+        <p:spPr/>
+        <p:txBody>
+          <a:bodyPr/>
+          <a:lstStyle/>
+          <a:p>
+            <a:r>
+              <a:rPr lang="en-US" dirty="0"/>
+              <a:t>Syllabus</a:t>
+            </a:r>
+          </a:p>
+        </p:txBody>
+      </p:sp>
+      <p:sp>
+        <p:nvSpPr>
+          <p:cNvPr id="3" name="Content Placeholder 2">
+            <a:extLst>
+              <a:ext uri="{FF2B5EF4-FFF2-40B4-BE49-F238E27FC236}">
+                <a16:creationId xmlns:a16="http://schemas.microsoft.com/office/drawing/2014/main" id="{9840AA7B-24C6-0DE5-F267-19C6E8873BB3}"/>
+              </a:ext>
+            </a:extLst>
+          </p:cNvPr>
+          <p:cNvSpPr>
+            <a:spLocks noGrp="1"/>
+          </p:cNvSpPr>
+          <p:nvPr>
+            <p:ph idx="1"/>
+          </p:nvPr>
+        </p:nvSpPr>
+        <p:spPr>
+          <a:xfrm>
+            <a:off x="838200" y="1838877"/>
+            <a:ext cx="10515600" cy="4351338"/>
+          </a:xfrm>
+        </p:spPr>
+        <p:txBody>
+          <a:bodyPr/>
+          <a:lstStyle/>
+          <a:p>
+            <a:r>
+              <a:rPr lang="en-US"/>
+              <a:t>Introduction</a:t>
+            </a:r>
+          </a:p>
+          <a:p>
+            <a:r>
+              <a:rPr lang="en-US"/>
+              <a:t>Hand </a:t>
+            </a:r>
+            <a:r>
+              <a:rPr lang="en-US" dirty="0"/>
+              <a:t>Evaluation</a:t>
+            </a:r>
+          </a:p>
+          <a:p>
+            <a:r>
+              <a:rPr lang="en-US" dirty="0"/>
+              <a:t>Scoring Overview</a:t>
+            </a:r>
+          </a:p>
+          <a:p>
+            <a:r>
+              <a:rPr lang="en-US" dirty="0"/>
+              <a:t>Basic “Suit Play”</a:t>
+            </a:r>
+          </a:p>
+          <a:p>
+            <a:r>
+              <a:rPr lang="en-US" dirty="0"/>
+              <a:t>”Natural” concepts</a:t>
+            </a:r>
+          </a:p>
+          <a:p>
+            <a:r>
+              <a:rPr lang="en-US" dirty="0"/>
+              <a:t>SAYC (Standard American Yellow Card)</a:t>
+            </a:r>
+          </a:p>
+        </p:txBody>
+      </p:sp>
+    </p:spTree>
+    <p:extLst>
+      <p:ext uri="{BB962C8B-B14F-4D97-AF65-F5344CB8AC3E}">
+        <p14:creationId xmlns:p14="http://schemas.microsoft.com/office/powerpoint/2010/main" val="2900992513"/>
+      </p:ext>
+    </p:extLst>
+  </p:cSld>
+  <p:clrMapOvr>
+    <a:masterClrMapping/>
+  </p:clrMapOvr>
+</p:sld>
+</file>
+
+<file path=ppt/slides/slide20.xml><?xml version="1.0" encoding="utf-8"?>
 <p:sld xmlns:a="http://schemas.openxmlformats.org/drawingml/2006/main" xmlns:r="http://schemas.openxmlformats.org/officeDocument/2006/relationships" xmlns:p="http://schemas.openxmlformats.org/presentationml/2006/main">
   <p:cSld>
     <p:spTree>
@@ -7231,7 +8006,7 @@
 </p:sld>
 </file>
 
-<file path=ppt/slides/slide2.xml><?xml version="1.0" encoding="utf-8"?>
+<file path=ppt/slides/slide21.xml><?xml version="1.0" encoding="utf-8"?>
 <p:sld xmlns:a="http://schemas.openxmlformats.org/drawingml/2006/main" xmlns:r="http://schemas.openxmlformats.org/officeDocument/2006/relationships" xmlns:p="http://schemas.openxmlformats.org/presentationml/2006/main">
   <p:cSld>
     <p:spTree>
@@ -7253,140 +8028,6 @@
           <p:cNvPr id="2" name="Title 1">
             <a:extLst>
               <a:ext uri="{FF2B5EF4-FFF2-40B4-BE49-F238E27FC236}">
-                <a16:creationId xmlns:a16="http://schemas.microsoft.com/office/drawing/2014/main" id="{17E56C5C-E454-997C-46FA-06976D45742E}"/>
-              </a:ext>
-            </a:extLst>
-          </p:cNvPr>
-          <p:cNvSpPr>
-            <a:spLocks noGrp="1"/>
-          </p:cNvSpPr>
-          <p:nvPr>
-            <p:ph type="title"/>
-          </p:nvPr>
-        </p:nvSpPr>
-        <p:spPr/>
-        <p:txBody>
-          <a:bodyPr/>
-          <a:lstStyle/>
-          <a:p>
-            <a:r>
-              <a:rPr lang="en-US" dirty="0"/>
-              <a:t>Syllabus</a:t>
-            </a:r>
-          </a:p>
-        </p:txBody>
-      </p:sp>
-      <p:sp>
-        <p:nvSpPr>
-          <p:cNvPr id="3" name="Content Placeholder 2">
-            <a:extLst>
-              <a:ext uri="{FF2B5EF4-FFF2-40B4-BE49-F238E27FC236}">
-                <a16:creationId xmlns:a16="http://schemas.microsoft.com/office/drawing/2014/main" id="{9840AA7B-24C6-0DE5-F267-19C6E8873BB3}"/>
-              </a:ext>
-            </a:extLst>
-          </p:cNvPr>
-          <p:cNvSpPr>
-            <a:spLocks noGrp="1"/>
-          </p:cNvSpPr>
-          <p:nvPr>
-            <p:ph idx="1"/>
-          </p:nvPr>
-        </p:nvSpPr>
-        <p:spPr/>
-        <p:txBody>
-          <a:bodyPr/>
-          <a:lstStyle/>
-          <a:p>
-            <a:r>
-              <a:rPr lang="en-US" dirty="0"/>
-              <a:t>Focus on bidding</a:t>
-            </a:r>
-          </a:p>
-          <a:p>
-            <a:pPr lvl="1"/>
-            <a:r>
-              <a:rPr lang="en-US" dirty="0"/>
-              <a:t>”Natural” bidding concepts</a:t>
-            </a:r>
-          </a:p>
-          <a:p>
-            <a:pPr lvl="1"/>
-            <a:r>
-              <a:rPr lang="en-US" dirty="0"/>
-              <a:t>SAYC (Standard American Yellow Card)</a:t>
-            </a:r>
-          </a:p>
-          <a:p>
-            <a:r>
-              <a:rPr lang="en-US" dirty="0"/>
-              <a:t>Bridge Base Online (BBO)</a:t>
-            </a:r>
-          </a:p>
-          <a:p>
-            <a:pPr lvl="1"/>
-            <a:r>
-              <a:rPr lang="en-US" dirty="0"/>
-              <a:t>Mini-Play</a:t>
-            </a:r>
-          </a:p>
-          <a:p>
-            <a:pPr lvl="1"/>
-            <a:r>
-              <a:rPr lang="en-US" dirty="0"/>
-              <a:t>Practice Tables</a:t>
-            </a:r>
-          </a:p>
-          <a:p>
-            <a:pPr lvl="1"/>
-            <a:r>
-              <a:rPr lang="en-US" dirty="0"/>
-              <a:t>Casual Tables</a:t>
-            </a:r>
-          </a:p>
-          <a:p>
-            <a:pPr lvl="1"/>
-            <a:r>
-              <a:rPr lang="en-US" dirty="0"/>
-              <a:t>Tournaments</a:t>
-            </a:r>
-          </a:p>
-        </p:txBody>
-      </p:sp>
-    </p:spTree>
-    <p:extLst>
-      <p:ext uri="{BB962C8B-B14F-4D97-AF65-F5344CB8AC3E}">
-        <p14:creationId xmlns:p14="http://schemas.microsoft.com/office/powerpoint/2010/main" val="2900992513"/>
-      </p:ext>
-    </p:extLst>
-  </p:cSld>
-  <p:clrMapOvr>
-    <a:masterClrMapping/>
-  </p:clrMapOvr>
-</p:sld>
-</file>
-
-<file path=ppt/slides/slide20.xml><?xml version="1.0" encoding="utf-8"?>
-<p:sld xmlns:a="http://schemas.openxmlformats.org/drawingml/2006/main" xmlns:r="http://schemas.openxmlformats.org/officeDocument/2006/relationships" xmlns:p="http://schemas.openxmlformats.org/presentationml/2006/main">
-  <p:cSld>
-    <p:spTree>
-      <p:nvGrpSpPr>
-        <p:cNvPr id="1" name=""/>
-        <p:cNvGrpSpPr/>
-        <p:nvPr/>
-      </p:nvGrpSpPr>
-      <p:grpSpPr>
-        <a:xfrm>
-          <a:off x="0" y="0"/>
-          <a:ext cx="0" cy="0"/>
-          <a:chOff x="0" y="0"/>
-          <a:chExt cx="0" cy="0"/>
-        </a:xfrm>
-      </p:grpSpPr>
-      <p:sp>
-        <p:nvSpPr>
-          <p:cNvPr id="2" name="Title 1">
-            <a:extLst>
-              <a:ext uri="{FF2B5EF4-FFF2-40B4-BE49-F238E27FC236}">
                 <a16:creationId xmlns:a16="http://schemas.microsoft.com/office/drawing/2014/main" id="{9A59E561-88BB-D12B-7A24-3791D76D4BCF}"/>
               </a:ext>
             </a:extLst>
@@ -7528,7 +8169,7 @@
 </p:sld>
 </file>
 
-<file path=ppt/slides/slide21.xml><?xml version="1.0" encoding="utf-8"?>
+<file path=ppt/slides/slide22.xml><?xml version="1.0" encoding="utf-8"?>
 <p:sld xmlns:a="http://schemas.openxmlformats.org/drawingml/2006/main" xmlns:r="http://schemas.openxmlformats.org/officeDocument/2006/relationships" xmlns:p="http://schemas.openxmlformats.org/presentationml/2006/main">
   <p:cSld>
     <p:spTree>
@@ -7786,189 +8427,6 @@
 </p:sld>
 </file>
 
-<file path=ppt/slides/slide22.xml><?xml version="1.0" encoding="utf-8"?>
-<p:sld xmlns:a="http://schemas.openxmlformats.org/drawingml/2006/main" xmlns:r="http://schemas.openxmlformats.org/officeDocument/2006/relationships" xmlns:p="http://schemas.openxmlformats.org/presentationml/2006/main">
-  <p:cSld>
-    <p:spTree>
-      <p:nvGrpSpPr>
-        <p:cNvPr id="1" name=""/>
-        <p:cNvGrpSpPr/>
-        <p:nvPr/>
-      </p:nvGrpSpPr>
-      <p:grpSpPr>
-        <a:xfrm>
-          <a:off x="0" y="0"/>
-          <a:ext cx="0" cy="0"/>
-          <a:chOff x="0" y="0"/>
-          <a:chExt cx="0" cy="0"/>
-        </a:xfrm>
-      </p:grpSpPr>
-      <p:sp>
-        <p:nvSpPr>
-          <p:cNvPr id="2" name="Title 1">
-            <a:extLst>
-              <a:ext uri="{FF2B5EF4-FFF2-40B4-BE49-F238E27FC236}">
-                <a16:creationId xmlns:a16="http://schemas.microsoft.com/office/drawing/2014/main" id="{2A8DB69B-936C-7FFE-71C6-5583D39DB93F}"/>
-              </a:ext>
-            </a:extLst>
-          </p:cNvPr>
-          <p:cNvSpPr>
-            <a:spLocks noGrp="1"/>
-          </p:cNvSpPr>
-          <p:nvPr>
-            <p:ph type="title"/>
-          </p:nvPr>
-        </p:nvSpPr>
-        <p:spPr/>
-        <p:txBody>
-          <a:bodyPr/>
-          <a:lstStyle/>
-          <a:p>
-            <a:r>
-              <a:rPr lang="en-US" dirty="0"/>
-              <a:t>Suit Contract Slam Exploration</a:t>
-            </a:r>
-          </a:p>
-        </p:txBody>
-      </p:sp>
-      <p:sp>
-        <p:nvSpPr>
-          <p:cNvPr id="3" name="Content Placeholder 2">
-            <a:extLst>
-              <a:ext uri="{FF2B5EF4-FFF2-40B4-BE49-F238E27FC236}">
-                <a16:creationId xmlns:a16="http://schemas.microsoft.com/office/drawing/2014/main" id="{54014FFC-52D8-7430-8331-94A4B0A82A5F}"/>
-              </a:ext>
-            </a:extLst>
-          </p:cNvPr>
-          <p:cNvSpPr>
-            <a:spLocks noGrp="1"/>
-          </p:cNvSpPr>
-          <p:nvPr>
-            <p:ph idx="1"/>
-          </p:nvPr>
-        </p:nvSpPr>
-        <p:spPr>
-          <a:xfrm>
-            <a:off x="838200" y="1812373"/>
-            <a:ext cx="10515600" cy="4351338"/>
-          </a:xfrm>
-        </p:spPr>
-        <p:txBody>
-          <a:bodyPr>
-            <a:normAutofit fontScale="92500" lnSpcReduction="20000"/>
-          </a:bodyPr>
-          <a:lstStyle/>
-          <a:p>
-            <a:r>
-              <a:rPr lang="en-US" dirty="0"/>
-              <a:t>Straight Blackwood</a:t>
-            </a:r>
-          </a:p>
-          <a:p>
-            <a:pPr lvl="1"/>
-            <a:r>
-              <a:rPr lang="en-US" dirty="0"/>
-              <a:t>Jump to 4NT after (implicit) trump agreement</a:t>
-            </a:r>
-          </a:p>
-          <a:p>
-            <a:pPr lvl="2"/>
-            <a:r>
-              <a:rPr lang="en-US" dirty="0"/>
-              <a:t>0 or 4 Aces: 5C</a:t>
-            </a:r>
-          </a:p>
-          <a:p>
-            <a:pPr lvl="2"/>
-            <a:r>
-              <a:rPr lang="en-US" dirty="0"/>
-              <a:t>1 Ace: 5D, 2 Aces: 5H, 3 Aces: 5S</a:t>
-            </a:r>
-          </a:p>
-          <a:p>
-            <a:pPr lvl="1"/>
-            <a:r>
-              <a:rPr lang="en-US" dirty="0"/>
-              <a:t>5NT for King ask</a:t>
-            </a:r>
-          </a:p>
-          <a:p>
-            <a:r>
-              <a:rPr lang="en-US" dirty="0"/>
-              <a:t>Roman Key Card Blackwood (RKCB)</a:t>
-            </a:r>
-          </a:p>
-          <a:p>
-            <a:pPr lvl="1"/>
-            <a:r>
-              <a:rPr lang="en-US" dirty="0"/>
-              <a:t>Jump to 4NT after (implicit) trump agreement</a:t>
-            </a:r>
-          </a:p>
-          <a:p>
-            <a:pPr lvl="1"/>
-            <a:r>
-              <a:rPr lang="en-US" dirty="0"/>
-              <a:t>Key Card = Aces or Trump King</a:t>
-            </a:r>
-          </a:p>
-          <a:p>
-            <a:pPr lvl="1"/>
-            <a:r>
-              <a:rPr lang="en-US" dirty="0"/>
-              <a:t>1430 variation (popular)</a:t>
-            </a:r>
-          </a:p>
-          <a:p>
-            <a:pPr lvl="2"/>
-            <a:r>
-              <a:rPr lang="en-US" dirty="0"/>
-              <a:t>5C: 1 or 4 key cards, 5D: 0 or 3</a:t>
-            </a:r>
-          </a:p>
-          <a:p>
-            <a:pPr lvl="2"/>
-            <a:r>
-              <a:rPr lang="en-US" dirty="0"/>
-              <a:t>5H: 2 without Trump Q, 5S: 2 With trump Queen</a:t>
-            </a:r>
-          </a:p>
-          <a:p>
-            <a:pPr lvl="1"/>
-            <a:r>
-              <a:rPr lang="en-US" dirty="0"/>
-              <a:t>0314 variation (more compatible with straight BW)</a:t>
-            </a:r>
-          </a:p>
-          <a:p>
-            <a:pPr lvl="2"/>
-            <a:r>
-              <a:rPr lang="en-US" dirty="0"/>
-              <a:t>5C: 1 or 4 key cards, 5D: 0 or 3</a:t>
-            </a:r>
-          </a:p>
-          <a:p>
-            <a:pPr lvl="1"/>
-            <a:r>
-              <a:rPr lang="en-US" dirty="0"/>
-              <a:t>5NT for “other” Kings (reply as straight BW)</a:t>
-            </a:r>
-          </a:p>
-        </p:txBody>
-      </p:sp>
-    </p:spTree>
-    <p:extLst>
-      <p:ext uri="{BB962C8B-B14F-4D97-AF65-F5344CB8AC3E}">
-        <p14:creationId xmlns:p14="http://schemas.microsoft.com/office/powerpoint/2010/main" val="2600973845"/>
-      </p:ext>
-    </p:extLst>
-  </p:cSld>
-  <p:clrMapOvr>
-    <a:masterClrMapping/>
-  </p:clrMapOvr>
-</p:sld>
-</file>
-
 <file path=ppt/slides/slide23.xml><?xml version="1.0" encoding="utf-8"?>
 <p:sld xmlns:a="http://schemas.openxmlformats.org/drawingml/2006/main" xmlns:r="http://schemas.openxmlformats.org/officeDocument/2006/relationships" xmlns:p="http://schemas.openxmlformats.org/presentationml/2006/main">
   <p:cSld>
@@ -7991,7 +8449,7 @@
           <p:cNvPr id="2" name="Title 1">
             <a:extLst>
               <a:ext uri="{FF2B5EF4-FFF2-40B4-BE49-F238E27FC236}">
-                <a16:creationId xmlns:a16="http://schemas.microsoft.com/office/drawing/2014/main" id="{4171DFAE-6A96-7B1F-9203-15E759AF677D}"/>
+                <a16:creationId xmlns:a16="http://schemas.microsoft.com/office/drawing/2014/main" id="{2A8DB69B-936C-7FFE-71C6-5583D39DB93F}"/>
               </a:ext>
             </a:extLst>
           </p:cNvPr>
@@ -8009,7 +8467,7 @@
           <a:p>
             <a:r>
               <a:rPr lang="en-US" dirty="0"/>
-              <a:t>Gerber</a:t>
+              <a:t>Suit Contract Slam Exploration</a:t>
             </a:r>
           </a:p>
         </p:txBody>
@@ -8019,7 +8477,7 @@
           <p:cNvPr id="3" name="Content Placeholder 2">
             <a:extLst>
               <a:ext uri="{FF2B5EF4-FFF2-40B4-BE49-F238E27FC236}">
-                <a16:creationId xmlns:a16="http://schemas.microsoft.com/office/drawing/2014/main" id="{A768414E-5FB9-EEDF-6F09-3382CFFF0FB8}"/>
+                <a16:creationId xmlns:a16="http://schemas.microsoft.com/office/drawing/2014/main" id="{54014FFC-52D8-7430-8331-94A4B0A82A5F}"/>
               </a:ext>
             </a:extLst>
           </p:cNvPr>
@@ -8030,53 +8488,119 @@
             <p:ph idx="1"/>
           </p:nvPr>
         </p:nvSpPr>
-        <p:spPr/>
+        <p:spPr>
+          <a:xfrm>
+            <a:off x="838200" y="1812373"/>
+            <a:ext cx="10515600" cy="4351338"/>
+          </a:xfrm>
+        </p:spPr>
         <p:txBody>
-          <a:bodyPr/>
+          <a:bodyPr>
+            <a:normAutofit fontScale="92500" lnSpcReduction="20000"/>
+          </a:bodyPr>
           <a:lstStyle/>
           <a:p>
             <a:r>
               <a:rPr lang="en-US" dirty="0"/>
-              <a:t>Ace ask for NT contracts</a:t>
+              <a:t>Straight Blackwood</a:t>
             </a:r>
           </a:p>
           <a:p>
             <a:pPr lvl="1"/>
             <a:r>
               <a:rPr lang="en-US" dirty="0"/>
-              <a:t>Jump to 4C</a:t>
+              <a:t>Jump to 4NT after (implicit) trump agreement</a:t>
             </a:r>
           </a:p>
           <a:p>
             <a:pPr lvl="2"/>
             <a:r>
               <a:rPr lang="en-US" dirty="0"/>
-              <a:t>4D: 0 or 4</a:t>
+              <a:t>0 or 4 Aces: 5C</a:t>
             </a:r>
           </a:p>
           <a:p>
             <a:pPr lvl="2"/>
             <a:r>
               <a:rPr lang="en-US" dirty="0"/>
-              <a:t>4H: 1 Ace, 4S: 2 Aces, 4NT: 3 Aces</a:t>
+              <a:t>1 Ace: 5D, 2 Aces: 5H, 3 Aces: 5S</a:t>
             </a:r>
           </a:p>
           <a:p>
             <a:pPr lvl="1"/>
             <a:r>
               <a:rPr lang="en-US" dirty="0"/>
-              <a:t>5C for King ask</a:t>
-            </a:r>
-          </a:p>
-          <a:p>
-            <a:endParaRPr lang="en-US" dirty="0"/>
+              <a:t>5NT for King ask</a:t>
+            </a:r>
+          </a:p>
+          <a:p>
+            <a:r>
+              <a:rPr lang="en-US" dirty="0"/>
+              <a:t>Roman Key Card Blackwood (RKCB)</a:t>
+            </a:r>
+          </a:p>
+          <a:p>
+            <a:pPr lvl="1"/>
+            <a:r>
+              <a:rPr lang="en-US" dirty="0"/>
+              <a:t>Jump to 4NT after (implicit) trump agreement</a:t>
+            </a:r>
+          </a:p>
+          <a:p>
+            <a:pPr lvl="1"/>
+            <a:r>
+              <a:rPr lang="en-US" dirty="0"/>
+              <a:t>Key Card = Aces or Trump King</a:t>
+            </a:r>
+          </a:p>
+          <a:p>
+            <a:pPr lvl="1"/>
+            <a:r>
+              <a:rPr lang="en-US" dirty="0"/>
+              <a:t>1430 variation (popular)</a:t>
+            </a:r>
+          </a:p>
+          <a:p>
+            <a:pPr lvl="2"/>
+            <a:r>
+              <a:rPr lang="en-US" dirty="0"/>
+              <a:t>5C: 1 or 4 key cards, 5D: 0 or 3</a:t>
+            </a:r>
+          </a:p>
+          <a:p>
+            <a:pPr lvl="2"/>
+            <a:r>
+              <a:rPr lang="en-US" dirty="0"/>
+              <a:t>5H: 2 without Trump Q, 5S: 2 With trump Queen</a:t>
+            </a:r>
+          </a:p>
+          <a:p>
+            <a:pPr lvl="1"/>
+            <a:r>
+              <a:rPr lang="en-US" dirty="0"/>
+              <a:t>0314 variation (more compatible with straight BW)</a:t>
+            </a:r>
+          </a:p>
+          <a:p>
+            <a:pPr lvl="2"/>
+            <a:r>
+              <a:rPr lang="en-US" dirty="0"/>
+              <a:t>5C: 1 or 4 key cards, 5D: 0 or 3</a:t>
+            </a:r>
+          </a:p>
+          <a:p>
+            <a:pPr lvl="1"/>
+            <a:r>
+              <a:rPr lang="en-US" dirty="0"/>
+              <a:t>5NT for “other” Kings (reply as straight BW)</a:t>
+            </a:r>
           </a:p>
         </p:txBody>
       </p:sp>
     </p:spTree>
     <p:extLst>
       <p:ext uri="{BB962C8B-B14F-4D97-AF65-F5344CB8AC3E}">
-        <p14:creationId xmlns:p14="http://schemas.microsoft.com/office/powerpoint/2010/main" val="916103920"/>
+        <p14:creationId xmlns:p14="http://schemas.microsoft.com/office/powerpoint/2010/main" val="2600973845"/>
       </p:ext>
     </p:extLst>
   </p:cSld>
@@ -8108,6 +8632,123 @@
           <p:cNvPr id="2" name="Title 1">
             <a:extLst>
               <a:ext uri="{FF2B5EF4-FFF2-40B4-BE49-F238E27FC236}">
+                <a16:creationId xmlns:a16="http://schemas.microsoft.com/office/drawing/2014/main" id="{4171DFAE-6A96-7B1F-9203-15E759AF677D}"/>
+              </a:ext>
+            </a:extLst>
+          </p:cNvPr>
+          <p:cNvSpPr>
+            <a:spLocks noGrp="1"/>
+          </p:cNvSpPr>
+          <p:nvPr>
+            <p:ph type="title"/>
+          </p:nvPr>
+        </p:nvSpPr>
+        <p:spPr/>
+        <p:txBody>
+          <a:bodyPr/>
+          <a:lstStyle/>
+          <a:p>
+            <a:r>
+              <a:rPr lang="en-US" dirty="0"/>
+              <a:t>Gerber</a:t>
+            </a:r>
+          </a:p>
+        </p:txBody>
+      </p:sp>
+      <p:sp>
+        <p:nvSpPr>
+          <p:cNvPr id="3" name="Content Placeholder 2">
+            <a:extLst>
+              <a:ext uri="{FF2B5EF4-FFF2-40B4-BE49-F238E27FC236}">
+                <a16:creationId xmlns:a16="http://schemas.microsoft.com/office/drawing/2014/main" id="{A768414E-5FB9-EEDF-6F09-3382CFFF0FB8}"/>
+              </a:ext>
+            </a:extLst>
+          </p:cNvPr>
+          <p:cNvSpPr>
+            <a:spLocks noGrp="1"/>
+          </p:cNvSpPr>
+          <p:nvPr>
+            <p:ph idx="1"/>
+          </p:nvPr>
+        </p:nvSpPr>
+        <p:spPr/>
+        <p:txBody>
+          <a:bodyPr/>
+          <a:lstStyle/>
+          <a:p>
+            <a:r>
+              <a:rPr lang="en-US" dirty="0"/>
+              <a:t>Ace ask for NT contracts</a:t>
+            </a:r>
+          </a:p>
+          <a:p>
+            <a:pPr lvl="1"/>
+            <a:r>
+              <a:rPr lang="en-US" dirty="0"/>
+              <a:t>Jump to 4C</a:t>
+            </a:r>
+          </a:p>
+          <a:p>
+            <a:pPr lvl="2"/>
+            <a:r>
+              <a:rPr lang="en-US" dirty="0"/>
+              <a:t>4D: 0 or 4</a:t>
+            </a:r>
+          </a:p>
+          <a:p>
+            <a:pPr lvl="2"/>
+            <a:r>
+              <a:rPr lang="en-US" dirty="0"/>
+              <a:t>4H: 1 Ace, 4S: 2 Aces, 4NT: 3 Aces</a:t>
+            </a:r>
+          </a:p>
+          <a:p>
+            <a:pPr lvl="1"/>
+            <a:r>
+              <a:rPr lang="en-US" dirty="0"/>
+              <a:t>5C for King ask</a:t>
+            </a:r>
+          </a:p>
+          <a:p>
+            <a:endParaRPr lang="en-US" dirty="0"/>
+          </a:p>
+        </p:txBody>
+      </p:sp>
+    </p:spTree>
+    <p:extLst>
+      <p:ext uri="{BB962C8B-B14F-4D97-AF65-F5344CB8AC3E}">
+        <p14:creationId xmlns:p14="http://schemas.microsoft.com/office/powerpoint/2010/main" val="916103920"/>
+      </p:ext>
+    </p:extLst>
+  </p:cSld>
+  <p:clrMapOvr>
+    <a:masterClrMapping/>
+  </p:clrMapOvr>
+</p:sld>
+</file>
+
+<file path=ppt/slides/slide25.xml><?xml version="1.0" encoding="utf-8"?>
+<p:sld xmlns:a="http://schemas.openxmlformats.org/drawingml/2006/main" xmlns:r="http://schemas.openxmlformats.org/officeDocument/2006/relationships" xmlns:p="http://schemas.openxmlformats.org/presentationml/2006/main">
+  <p:cSld>
+    <p:spTree>
+      <p:nvGrpSpPr>
+        <p:cNvPr id="1" name=""/>
+        <p:cNvGrpSpPr/>
+        <p:nvPr/>
+      </p:nvGrpSpPr>
+      <p:grpSpPr>
+        <a:xfrm>
+          <a:off x="0" y="0"/>
+          <a:ext cx="0" cy="0"/>
+          <a:chOff x="0" y="0"/>
+          <a:chExt cx="0" cy="0"/>
+        </a:xfrm>
+      </p:grpSpPr>
+      <p:sp>
+        <p:nvSpPr>
+          <p:cNvPr id="2" name="Title 1">
+            <a:extLst>
+              <a:ext uri="{FF2B5EF4-FFF2-40B4-BE49-F238E27FC236}">
                 <a16:creationId xmlns:a16="http://schemas.microsoft.com/office/drawing/2014/main" id="{067BD735-6E6B-A5D8-05F5-DB4A486F6F92}"/>
               </a:ext>
             </a:extLst>
@@ -8130,296 +8771,135 @@
               <a:rPr lang="en-US" dirty="0"/>
               <a:t>Responses to NT</a:t>
             </a:r>
-            <a:br>
-              <a:rPr lang="en-US" dirty="0"/>
-            </a:br>
-            <a:r>
-              <a:rPr lang="en-US" sz="2700" dirty="0"/>
-              <a:t>Lots of Conventions, Well Developed Sequences</a:t>
-            </a:r>
+            <a:endParaRPr lang="en-US" sz="2700" dirty="0"/>
           </a:p>
         </p:txBody>
       </p:sp>
-      <p:graphicFrame>
-        <p:nvGraphicFramePr>
-          <p:cNvPr id="4" name="Content Placeholder 3">
-            <a:extLst>
-              <a:ext uri="{FF2B5EF4-FFF2-40B4-BE49-F238E27FC236}">
-                <a16:creationId xmlns:a16="http://schemas.microsoft.com/office/drawing/2014/main" id="{6BFC9500-D1FC-472B-AD59-8DD7987F6348}"/>
-              </a:ext>
-            </a:extLst>
-          </p:cNvPr>
-          <p:cNvGraphicFramePr>
-            <a:graphicFrameLocks noGrp="1"/>
-          </p:cNvGraphicFramePr>
+      <p:sp>
+        <p:nvSpPr>
+          <p:cNvPr id="5" name="Content Placeholder 4">
+            <a:extLst>
+              <a:ext uri="{FF2B5EF4-FFF2-40B4-BE49-F238E27FC236}">
+                <a16:creationId xmlns:a16="http://schemas.microsoft.com/office/drawing/2014/main" id="{C89039F4-64C5-1DE9-DFC5-C41D31E73648}"/>
+              </a:ext>
+            </a:extLst>
+          </p:cNvPr>
+          <p:cNvSpPr>
+            <a:spLocks noGrp="1"/>
+          </p:cNvSpPr>
           <p:nvPr>
             <p:ph idx="1"/>
-            <p:extLst>
-              <p:ext uri="{D42A27DB-BD31-4B8C-83A1-F6EECF244321}">
-                <p14:modId xmlns:p14="http://schemas.microsoft.com/office/powerpoint/2010/main" val="3319372659"/>
-              </p:ext>
-            </p:extLst>
           </p:nvPr>
-        </p:nvGraphicFramePr>
-        <p:xfrm>
-          <a:off x="838200" y="2850302"/>
-          <a:ext cx="8438322" cy="2225040"/>
-        </p:xfrm>
-        <a:graphic>
-          <a:graphicData uri="http://schemas.openxmlformats.org/drawingml/2006/table">
-            <a:tbl>
-              <a:tblPr bandRow="1">
-                <a:tableStyleId>{5C22544A-7EE6-4342-B048-85BDC9FD1C3A}</a:tableStyleId>
-              </a:tblPr>
-              <a:tblGrid>
-                <a:gridCol w="3557078">
-                  <a:extLst>
-                    <a:ext uri="{9D8B030D-6E8A-4147-A177-3AD203B41FA5}">
-                      <a16:colId xmlns:a16="http://schemas.microsoft.com/office/drawing/2014/main" val="4226318191"/>
-                    </a:ext>
-                  </a:extLst>
-                </a:gridCol>
-                <a:gridCol w="4881244">
-                  <a:extLst>
-                    <a:ext uri="{9D8B030D-6E8A-4147-A177-3AD203B41FA5}">
-                      <a16:colId xmlns:a16="http://schemas.microsoft.com/office/drawing/2014/main" val="4189367376"/>
-                    </a:ext>
-                  </a:extLst>
-                </a:gridCol>
-              </a:tblGrid>
-              <a:tr h="370840">
-                <a:tc>
-                  <a:txBody>
-                    <a:bodyPr/>
-                    <a:lstStyle/>
-                    <a:p>
-                      <a:r>
-                        <a:rPr lang="en-US" dirty="0"/>
-                        <a:t>Have one 4-card Major</a:t>
-                      </a:r>
-                    </a:p>
-                  </a:txBody>
-                  <a:tcPr/>
-                </a:tc>
-                <a:tc>
-                  <a:txBody>
-                    <a:bodyPr/>
-                    <a:lstStyle/>
-                    <a:p>
-                      <a:r>
-                        <a:rPr lang="en-US" dirty="0"/>
-                        <a:t>Stayman</a:t>
-                      </a:r>
-                    </a:p>
-                  </a:txBody>
-                  <a:tcPr/>
-                </a:tc>
-                <a:extLst>
-                  <a:ext uri="{0D108BD9-81ED-4DB2-BD59-A6C34878D82A}">
-                    <a16:rowId xmlns:a16="http://schemas.microsoft.com/office/drawing/2014/main" val="1295774588"/>
-                  </a:ext>
-                </a:extLst>
-              </a:tr>
-              <a:tr h="370840">
-                <a:tc>
-                  <a:txBody>
-                    <a:bodyPr/>
-                    <a:lstStyle/>
-                    <a:p>
-                      <a:r>
-                        <a:rPr lang="en-US" dirty="0"/>
-                        <a:t>Have a 5+ Major</a:t>
-                      </a:r>
-                    </a:p>
-                  </a:txBody>
-                  <a:tcPr/>
-                </a:tc>
-                <a:tc>
-                  <a:txBody>
-                    <a:bodyPr/>
-                    <a:lstStyle/>
-                    <a:p>
-                      <a:r>
-                        <a:rPr lang="en-US" dirty="0"/>
-                        <a:t>Jacoby Transfer</a:t>
-                      </a:r>
-                    </a:p>
-                  </a:txBody>
-                  <a:tcPr/>
-                </a:tc>
-                <a:extLst>
-                  <a:ext uri="{0D108BD9-81ED-4DB2-BD59-A6C34878D82A}">
-                    <a16:rowId xmlns:a16="http://schemas.microsoft.com/office/drawing/2014/main" val="3516934947"/>
-                  </a:ext>
-                </a:extLst>
-              </a:tr>
-              <a:tr h="370840">
-                <a:tc>
-                  <a:txBody>
-                    <a:bodyPr/>
-                    <a:lstStyle/>
-                    <a:p>
-                      <a:r>
-                        <a:rPr lang="en-US" dirty="0"/>
-                        <a:t>Have a 6+ Major and 10 TP</a:t>
-                      </a:r>
-                    </a:p>
-                  </a:txBody>
-                  <a:tcPr/>
-                </a:tc>
-                <a:tc>
-                  <a:txBody>
-                    <a:bodyPr/>
-                    <a:lstStyle/>
-                    <a:p>
-                      <a:r>
-                        <a:rPr lang="en-US" dirty="0"/>
-                        <a:t>Texas Transfer</a:t>
-                      </a:r>
-                    </a:p>
-                  </a:txBody>
-                  <a:tcPr/>
-                </a:tc>
-                <a:extLst>
-                  <a:ext uri="{0D108BD9-81ED-4DB2-BD59-A6C34878D82A}">
-                    <a16:rowId xmlns:a16="http://schemas.microsoft.com/office/drawing/2014/main" val="2832628703"/>
-                  </a:ext>
-                </a:extLst>
-              </a:tr>
-              <a:tr h="370840">
-                <a:tc>
-                  <a:txBody>
-                    <a:bodyPr/>
-                    <a:lstStyle/>
-                    <a:p>
-                      <a:r>
-                        <a:rPr lang="en-US" dirty="0"/>
-                        <a:t>Have 10 HCP</a:t>
-                      </a:r>
-                    </a:p>
-                  </a:txBody>
-                  <a:tcPr/>
-                </a:tc>
-                <a:tc>
-                  <a:txBody>
-                    <a:bodyPr/>
-                    <a:lstStyle/>
-                    <a:p>
-                      <a:r>
-                        <a:rPr lang="en-US" dirty="0"/>
-                        <a:t>Invitation to 3NT</a:t>
-                      </a:r>
-                    </a:p>
-                  </a:txBody>
-                  <a:tcPr/>
-                </a:tc>
-                <a:extLst>
-                  <a:ext uri="{0D108BD9-81ED-4DB2-BD59-A6C34878D82A}">
-                    <a16:rowId xmlns:a16="http://schemas.microsoft.com/office/drawing/2014/main" val="4165522636"/>
-                  </a:ext>
-                </a:extLst>
-              </a:tr>
-              <a:tr h="370840">
-                <a:tc>
-                  <a:txBody>
-                    <a:bodyPr/>
-                    <a:lstStyle/>
-                    <a:p>
-                      <a:r>
-                        <a:rPr lang="en-US" dirty="0"/>
-                        <a:t>Slam interest</a:t>
-                      </a:r>
-                    </a:p>
-                  </a:txBody>
-                  <a:tcPr/>
-                </a:tc>
-                <a:tc>
-                  <a:txBody>
-                    <a:bodyPr/>
-                    <a:lstStyle/>
-                    <a:p>
-                      <a:r>
-                        <a:rPr lang="en-US" dirty="0"/>
-                        <a:t>Gerber, Quantitative Invite, Jump new suit</a:t>
-                      </a:r>
-                    </a:p>
-                  </a:txBody>
-                  <a:tcPr/>
-                </a:tc>
-                <a:extLst>
-                  <a:ext uri="{0D108BD9-81ED-4DB2-BD59-A6C34878D82A}">
-                    <a16:rowId xmlns:a16="http://schemas.microsoft.com/office/drawing/2014/main" val="101549460"/>
-                  </a:ext>
-                </a:extLst>
-              </a:tr>
-              <a:tr h="370840">
-                <a:tc>
-                  <a:txBody>
-                    <a:bodyPr/>
-                    <a:lstStyle/>
-                    <a:p>
-                      <a:r>
-                        <a:rPr lang="en-US" dirty="0"/>
-                        <a:t>Explore minor contract</a:t>
-                      </a:r>
-                    </a:p>
-                  </a:txBody>
-                  <a:tcPr/>
-                </a:tc>
-                <a:tc>
-                  <a:txBody>
-                    <a:bodyPr/>
-                    <a:lstStyle/>
-                    <a:p>
-                      <a:r>
-                        <a:rPr lang="en-US" dirty="0"/>
-                        <a:t>Minor transfer</a:t>
-                      </a:r>
-                    </a:p>
-                  </a:txBody>
-                  <a:tcPr/>
-                </a:tc>
-                <a:extLst>
-                  <a:ext uri="{0D108BD9-81ED-4DB2-BD59-A6C34878D82A}">
-                    <a16:rowId xmlns:a16="http://schemas.microsoft.com/office/drawing/2014/main" val="4078650680"/>
-                  </a:ext>
-                </a:extLst>
-              </a:tr>
-            </a:tbl>
-          </a:graphicData>
-        </a:graphic>
-      </p:graphicFrame>
-      <p:sp>
-        <p:nvSpPr>
-          <p:cNvPr id="6" name="TextBox 5">
-            <a:extLst>
-              <a:ext uri="{FF2B5EF4-FFF2-40B4-BE49-F238E27FC236}">
-                <a16:creationId xmlns:a16="http://schemas.microsoft.com/office/drawing/2014/main" id="{3EA9DA03-1CB3-D8E3-F6EC-C46BEE03045F}"/>
-              </a:ext>
-            </a:extLst>
-          </p:cNvPr>
-          <p:cNvSpPr txBox="1"/>
-          <p:nvPr/>
         </p:nvSpPr>
         <p:spPr>
           <a:xfrm>
-            <a:off x="745435" y="2154514"/>
-            <a:ext cx="6967330" cy="523220"/>
+            <a:off x="851452" y="1812373"/>
+            <a:ext cx="10515600" cy="4351338"/>
           </a:xfrm>
-          <a:prstGeom prst="rect">
-            <a:avLst/>
-          </a:prstGeom>
-          <a:noFill/>
         </p:spPr>
         <p:txBody>
-          <a:bodyPr wrap="square" rtlCol="0">
-            <a:spAutoFit/>
+          <a:bodyPr>
+            <a:normAutofit fontScale="70000" lnSpcReduction="20000"/>
           </a:bodyPr>
           <a:lstStyle/>
           <a:p>
             <a:r>
-              <a:rPr lang="en-US" sz="2800" dirty="0"/>
-              <a:t>It’s better for the stronger hand to declare.</a:t>
+              <a:rPr lang="en-US" dirty="0"/>
+              <a:t>It better for stronger hand not to reveal.</a:t>
+            </a:r>
+          </a:p>
+          <a:p>
+            <a:pPr lvl="1"/>
+            <a:r>
+              <a:rPr lang="en-US" dirty="0"/>
+              <a:t>Making the opener the declarer</a:t>
+            </a:r>
+          </a:p>
+          <a:p>
+            <a:pPr lvl="1"/>
+            <a:r>
+              <a:rPr lang="en-US" dirty="0"/>
+              <a:t>Many well-known conventions to help</a:t>
+            </a:r>
+          </a:p>
+          <a:p>
+            <a:r>
+              <a:rPr lang="en-US" dirty="0"/>
+              <a:t>Slam exploration</a:t>
+            </a:r>
+          </a:p>
+          <a:p>
+            <a:pPr lvl="1"/>
+            <a:r>
+              <a:rPr lang="en-US" dirty="0"/>
+              <a:t>Gerber instead of Blackwood (RKCB requires trump suit agreement first)</a:t>
+            </a:r>
+          </a:p>
+          <a:p>
+            <a:pPr lvl="1"/>
+            <a:r>
+              <a:rPr lang="en-US" dirty="0"/>
+              <a:t>Quantitative Invite</a:t>
+            </a:r>
+          </a:p>
+          <a:p>
+            <a:r>
+              <a:rPr lang="en-US" dirty="0"/>
+              <a:t>Stayman</a:t>
+            </a:r>
+          </a:p>
+          <a:p>
+            <a:pPr lvl="1"/>
+            <a:r>
+              <a:rPr lang="en-US" dirty="0"/>
+              <a:t>Seek 4-4 Major</a:t>
+            </a:r>
+          </a:p>
+          <a:p>
+            <a:pPr lvl="1"/>
+            <a:r>
+              <a:rPr lang="en-US" dirty="0"/>
+              <a:t>Use Smolen to seek 5-3 Major</a:t>
+            </a:r>
+          </a:p>
+          <a:p>
+            <a:pPr lvl="1"/>
+            <a:r>
+              <a:rPr lang="en-US" dirty="0"/>
+              <a:t>Revert to NT</a:t>
+            </a:r>
+          </a:p>
+          <a:p>
+            <a:r>
+              <a:rPr lang="en-US" dirty="0"/>
+              <a:t>Jacoby Transfers</a:t>
+            </a:r>
+          </a:p>
+          <a:p>
+            <a:pPr lvl="1"/>
+            <a:r>
+              <a:rPr lang="en-US" dirty="0"/>
+              <a:t>Make opener to bid your (one) long major suit</a:t>
+            </a:r>
+          </a:p>
+          <a:p>
+            <a:r>
+              <a:rPr lang="en-US" dirty="0"/>
+              <a:t>Minor?</a:t>
+            </a:r>
+          </a:p>
+          <a:p>
+            <a:pPr lvl="1"/>
+            <a:r>
+              <a:rPr lang="en-US" dirty="0"/>
+              <a:t>SAYC has no standard way</a:t>
+            </a:r>
+          </a:p>
+          <a:p>
+            <a:pPr lvl="1"/>
+            <a:r>
+              <a:rPr lang="en-US" dirty="0"/>
+              <a:t>Minor transfer and/or Minor Stayman</a:t>
             </a:r>
           </a:p>
         </p:txBody>
@@ -8437,7 +8917,739 @@
 </p:sld>
 </file>
 
-<file path=ppt/slides/slide25.xml><?xml version="1.0" encoding="utf-8"?>
+<file path=ppt/slides/slide26.xml><?xml version="1.0" encoding="utf-8"?>
+<p:sld xmlns:a="http://schemas.openxmlformats.org/drawingml/2006/main" xmlns:r="http://schemas.openxmlformats.org/officeDocument/2006/relationships" xmlns:p="http://schemas.openxmlformats.org/presentationml/2006/main">
+  <p:cSld>
+    <p:spTree>
+      <p:nvGrpSpPr>
+        <p:cNvPr id="1" name=""/>
+        <p:cNvGrpSpPr/>
+        <p:nvPr/>
+      </p:nvGrpSpPr>
+      <p:grpSpPr>
+        <a:xfrm>
+          <a:off x="0" y="0"/>
+          <a:ext cx="0" cy="0"/>
+          <a:chOff x="0" y="0"/>
+          <a:chExt cx="0" cy="0"/>
+        </a:xfrm>
+      </p:grpSpPr>
+      <p:sp>
+        <p:nvSpPr>
+          <p:cNvPr id="2" name="Title 1">
+            <a:extLst>
+              <a:ext uri="{FF2B5EF4-FFF2-40B4-BE49-F238E27FC236}">
+                <a16:creationId xmlns:a16="http://schemas.microsoft.com/office/drawing/2014/main" id="{71737C9D-F41B-B1A6-4F3A-830531CAB86A}"/>
+              </a:ext>
+            </a:extLst>
+          </p:cNvPr>
+          <p:cNvSpPr>
+            <a:spLocks noGrp="1"/>
+          </p:cNvSpPr>
+          <p:nvPr>
+            <p:ph type="title"/>
+          </p:nvPr>
+        </p:nvSpPr>
+        <p:spPr/>
+        <p:txBody>
+          <a:bodyPr/>
+          <a:lstStyle/>
+          <a:p>
+            <a:r>
+              <a:rPr lang="en-US" dirty="0"/>
+              <a:t>NT Response Selections</a:t>
+            </a:r>
+          </a:p>
+        </p:txBody>
+      </p:sp>
+      <p:graphicFrame>
+        <p:nvGraphicFramePr>
+          <p:cNvPr id="4" name="Content Placeholder 3">
+            <a:extLst>
+              <a:ext uri="{FF2B5EF4-FFF2-40B4-BE49-F238E27FC236}">
+                <a16:creationId xmlns:a16="http://schemas.microsoft.com/office/drawing/2014/main" id="{B1F3C7A3-E7A0-A2DC-D0FE-DA0E084D111B}"/>
+              </a:ext>
+            </a:extLst>
+          </p:cNvPr>
+          <p:cNvGraphicFramePr>
+            <a:graphicFrameLocks noGrp="1"/>
+          </p:cNvGraphicFramePr>
+          <p:nvPr>
+            <p:ph idx="1"/>
+            <p:extLst>
+              <p:ext uri="{D42A27DB-BD31-4B8C-83A1-F6EECF244321}">
+                <p14:modId xmlns:p14="http://schemas.microsoft.com/office/powerpoint/2010/main" val="2068072156"/>
+              </p:ext>
+            </p:extLst>
+          </p:nvPr>
+        </p:nvGraphicFramePr>
+        <p:xfrm>
+          <a:off x="838200" y="1825625"/>
+          <a:ext cx="10515600" cy="2225040"/>
+        </p:xfrm>
+        <a:graphic>
+          <a:graphicData uri="http://schemas.openxmlformats.org/drawingml/2006/table">
+            <a:tbl>
+              <a:tblPr firstRow="1" bandRow="1">
+                <a:tableStyleId>{5C22544A-7EE6-4342-B048-85BDC9FD1C3A}</a:tableStyleId>
+              </a:tblPr>
+              <a:tblGrid>
+                <a:gridCol w="3866322">
+                  <a:extLst>
+                    <a:ext uri="{9D8B030D-6E8A-4147-A177-3AD203B41FA5}">
+                      <a16:colId xmlns:a16="http://schemas.microsoft.com/office/drawing/2014/main" val="3340967524"/>
+                    </a:ext>
+                  </a:extLst>
+                </a:gridCol>
+                <a:gridCol w="6649278">
+                  <a:extLst>
+                    <a:ext uri="{9D8B030D-6E8A-4147-A177-3AD203B41FA5}">
+                      <a16:colId xmlns:a16="http://schemas.microsoft.com/office/drawing/2014/main" val="1297529067"/>
+                    </a:ext>
+                  </a:extLst>
+                </a:gridCol>
+              </a:tblGrid>
+              <a:tr h="370840">
+                <a:tc>
+                  <a:txBody>
+                    <a:bodyPr/>
+                    <a:lstStyle/>
+                    <a:p>
+                      <a:r>
+                        <a:rPr lang="en-US" dirty="0"/>
+                        <a:t>If you have ..</a:t>
+                      </a:r>
+                    </a:p>
+                  </a:txBody>
+                  <a:tcPr/>
+                </a:tc>
+                <a:tc>
+                  <a:txBody>
+                    <a:bodyPr/>
+                    <a:lstStyle/>
+                    <a:p>
+                      <a:r>
+                        <a:rPr lang="en-US" dirty="0"/>
+                        <a:t>Do this</a:t>
+                      </a:r>
+                    </a:p>
+                  </a:txBody>
+                  <a:tcPr/>
+                </a:tc>
+                <a:extLst>
+                  <a:ext uri="{0D108BD9-81ED-4DB2-BD59-A6C34878D82A}">
+                    <a16:rowId xmlns:a16="http://schemas.microsoft.com/office/drawing/2014/main" val="2819280072"/>
+                  </a:ext>
+                </a:extLst>
+              </a:tr>
+              <a:tr h="370840">
+                <a:tc>
+                  <a:txBody>
+                    <a:bodyPr/>
+                    <a:lstStyle/>
+                    <a:p>
+                      <a:r>
+                        <a:rPr lang="en-US" dirty="0"/>
+                        <a:t>Lots of HCP</a:t>
+                      </a:r>
+                    </a:p>
+                  </a:txBody>
+                  <a:tcPr/>
+                </a:tc>
+                <a:tc>
+                  <a:txBody>
+                    <a:bodyPr/>
+                    <a:lstStyle/>
+                    <a:p>
+                      <a:r>
+                        <a:rPr lang="en-US" dirty="0"/>
+                        <a:t>Slam exploration: Gerber 4C</a:t>
+                      </a:r>
+                    </a:p>
+                  </a:txBody>
+                  <a:tcPr/>
+                </a:tc>
+                <a:extLst>
+                  <a:ext uri="{0D108BD9-81ED-4DB2-BD59-A6C34878D82A}">
+                    <a16:rowId xmlns:a16="http://schemas.microsoft.com/office/drawing/2014/main" val="2646376887"/>
+                  </a:ext>
+                </a:extLst>
+              </a:tr>
+              <a:tr h="370840">
+                <a:tc>
+                  <a:txBody>
+                    <a:bodyPr/>
+                    <a:lstStyle/>
+                    <a:p>
+                      <a:r>
+                        <a:rPr lang="en-US" dirty="0"/>
+                        <a:t>One or two 4+ Major</a:t>
+                      </a:r>
+                    </a:p>
+                  </a:txBody>
+                  <a:tcPr/>
+                </a:tc>
+                <a:tc>
+                  <a:txBody>
+                    <a:bodyPr/>
+                    <a:lstStyle/>
+                    <a:p>
+                      <a:r>
+                        <a:rPr lang="en-US" dirty="0"/>
+                        <a:t>Stayman 2C, Jacoby Transfer 2D/2H</a:t>
+                      </a:r>
+                    </a:p>
+                  </a:txBody>
+                  <a:tcPr/>
+                </a:tc>
+                <a:extLst>
+                  <a:ext uri="{0D108BD9-81ED-4DB2-BD59-A6C34878D82A}">
+                    <a16:rowId xmlns:a16="http://schemas.microsoft.com/office/drawing/2014/main" val="947779850"/>
+                  </a:ext>
+                </a:extLst>
+              </a:tr>
+              <a:tr h="370840">
+                <a:tc>
+                  <a:txBody>
+                    <a:bodyPr/>
+                    <a:lstStyle/>
+                    <a:p>
+                      <a:r>
+                        <a:rPr lang="en-US" dirty="0"/>
+                        <a:t>One or two 6+ Major</a:t>
+                      </a:r>
+                    </a:p>
+                  </a:txBody>
+                  <a:tcPr/>
+                </a:tc>
+                <a:tc>
+                  <a:txBody>
+                    <a:bodyPr/>
+                    <a:lstStyle/>
+                    <a:p>
+                      <a:r>
+                        <a:rPr lang="en-US" dirty="0"/>
+                        <a:t>Texas Transfer 4D/4H</a:t>
+                      </a:r>
+                    </a:p>
+                  </a:txBody>
+                  <a:tcPr/>
+                </a:tc>
+                <a:extLst>
+                  <a:ext uri="{0D108BD9-81ED-4DB2-BD59-A6C34878D82A}">
+                    <a16:rowId xmlns:a16="http://schemas.microsoft.com/office/drawing/2014/main" val="3075929262"/>
+                  </a:ext>
+                </a:extLst>
+              </a:tr>
+              <a:tr h="370840">
+                <a:tc>
+                  <a:txBody>
+                    <a:bodyPr/>
+                    <a:lstStyle/>
+                    <a:p>
+                      <a:r>
+                        <a:rPr lang="en-US" dirty="0"/>
+                        <a:t>Long minor with honors</a:t>
+                      </a:r>
+                    </a:p>
+                  </a:txBody>
+                  <a:tcPr/>
+                </a:tc>
+                <a:tc>
+                  <a:txBody>
+                    <a:bodyPr/>
+                    <a:lstStyle/>
+                    <a:p>
+                      <a:r>
+                        <a:rPr lang="en-US" dirty="0"/>
+                        <a:t>3NT?</a:t>
+                      </a:r>
+                    </a:p>
+                  </a:txBody>
+                  <a:tcPr/>
+                </a:tc>
+                <a:extLst>
+                  <a:ext uri="{0D108BD9-81ED-4DB2-BD59-A6C34878D82A}">
+                    <a16:rowId xmlns:a16="http://schemas.microsoft.com/office/drawing/2014/main" val="1621680741"/>
+                  </a:ext>
+                </a:extLst>
+              </a:tr>
+              <a:tr h="370840">
+                <a:tc>
+                  <a:txBody>
+                    <a:bodyPr/>
+                    <a:lstStyle/>
+                    <a:p>
+                      <a:r>
+                        <a:rPr lang="en-US" dirty="0"/>
+                        <a:t>Otherwise</a:t>
+                      </a:r>
+                    </a:p>
+                  </a:txBody>
+                  <a:tcPr/>
+                </a:tc>
+                <a:tc>
+                  <a:txBody>
+                    <a:bodyPr/>
+                    <a:lstStyle/>
+                    <a:p>
+                      <a:r>
+                        <a:rPr lang="en-US" dirty="0"/>
+                        <a:t>Minor transfer or minor Stayman</a:t>
+                      </a:r>
+                    </a:p>
+                  </a:txBody>
+                  <a:tcPr/>
+                </a:tc>
+                <a:extLst>
+                  <a:ext uri="{0D108BD9-81ED-4DB2-BD59-A6C34878D82A}">
+                    <a16:rowId xmlns:a16="http://schemas.microsoft.com/office/drawing/2014/main" val="3169927387"/>
+                  </a:ext>
+                </a:extLst>
+              </a:tr>
+            </a:tbl>
+          </a:graphicData>
+        </a:graphic>
+      </p:graphicFrame>
+      <p:sp>
+        <p:nvSpPr>
+          <p:cNvPr id="5" name="TextBox 4">
+            <a:extLst>
+              <a:ext uri="{FF2B5EF4-FFF2-40B4-BE49-F238E27FC236}">
+                <a16:creationId xmlns:a16="http://schemas.microsoft.com/office/drawing/2014/main" id="{D89911F9-F375-FA4E-4EDC-7ABA7C791F8F}"/>
+              </a:ext>
+            </a:extLst>
+          </p:cNvPr>
+          <p:cNvSpPr txBox="1"/>
+          <p:nvPr/>
+        </p:nvSpPr>
+        <p:spPr>
+          <a:xfrm>
+            <a:off x="838200" y="4439478"/>
+            <a:ext cx="5115339" cy="369332"/>
+          </a:xfrm>
+          <a:prstGeom prst="rect">
+            <a:avLst/>
+          </a:prstGeom>
+          <a:noFill/>
+        </p:spPr>
+        <p:txBody>
+          <a:bodyPr wrap="square" rtlCol="0">
+            <a:spAutoFit/>
+          </a:bodyPr>
+          <a:lstStyle/>
+          <a:p>
+            <a:r>
+              <a:rPr lang="en-US" dirty="0"/>
+              <a:t>Strength requirements based on bridge logic.</a:t>
+            </a:r>
+          </a:p>
+        </p:txBody>
+      </p:sp>
+    </p:spTree>
+    <p:extLst>
+      <p:ext uri="{BB962C8B-B14F-4D97-AF65-F5344CB8AC3E}">
+        <p14:creationId xmlns:p14="http://schemas.microsoft.com/office/powerpoint/2010/main" val="1193445626"/>
+      </p:ext>
+    </p:extLst>
+  </p:cSld>
+  <p:clrMapOvr>
+    <a:masterClrMapping/>
+  </p:clrMapOvr>
+</p:sld>
+</file>
+
+<file path=ppt/slides/slide27.xml><?xml version="1.0" encoding="utf-8"?>
+<p:sld xmlns:a="http://schemas.openxmlformats.org/drawingml/2006/main" xmlns:r="http://schemas.openxmlformats.org/officeDocument/2006/relationships" xmlns:p="http://schemas.openxmlformats.org/presentationml/2006/main">
+  <p:cSld>
+    <p:spTree>
+      <p:nvGrpSpPr>
+        <p:cNvPr id="1" name="">
+          <a:extLst>
+            <a:ext uri="{FF2B5EF4-FFF2-40B4-BE49-F238E27FC236}">
+              <a16:creationId xmlns:a16="http://schemas.microsoft.com/office/drawing/2014/main" id="{0D48DA9F-17EF-6948-98BC-18DD1B576216}"/>
+            </a:ext>
+          </a:extLst>
+        </p:cNvPr>
+        <p:cNvGrpSpPr/>
+        <p:nvPr/>
+      </p:nvGrpSpPr>
+      <p:grpSpPr>
+        <a:xfrm>
+          <a:off x="0" y="0"/>
+          <a:ext cx="0" cy="0"/>
+          <a:chOff x="0" y="0"/>
+          <a:chExt cx="0" cy="0"/>
+        </a:xfrm>
+      </p:grpSpPr>
+      <p:sp>
+        <p:nvSpPr>
+          <p:cNvPr id="2" name="Title 1">
+            <a:extLst>
+              <a:ext uri="{FF2B5EF4-FFF2-40B4-BE49-F238E27FC236}">
+                <a16:creationId xmlns:a16="http://schemas.microsoft.com/office/drawing/2014/main" id="{079792FC-33F1-95AC-3B95-CA6C51BFE3C7}"/>
+              </a:ext>
+            </a:extLst>
+          </p:cNvPr>
+          <p:cNvSpPr>
+            <a:spLocks noGrp="1"/>
+          </p:cNvSpPr>
+          <p:nvPr>
+            <p:ph type="title"/>
+          </p:nvPr>
+        </p:nvSpPr>
+        <p:spPr/>
+        <p:txBody>
+          <a:bodyPr>
+            <a:normAutofit/>
+          </a:bodyPr>
+          <a:lstStyle/>
+          <a:p>
+            <a:r>
+              <a:rPr lang="en-US" dirty="0"/>
+              <a:t>NT Response Conventions</a:t>
+            </a:r>
+            <a:endParaRPr lang="en-US" sz="2700" dirty="0"/>
+          </a:p>
+        </p:txBody>
+      </p:sp>
+      <p:graphicFrame>
+        <p:nvGraphicFramePr>
+          <p:cNvPr id="4" name="Content Placeholder 3">
+            <a:extLst>
+              <a:ext uri="{FF2B5EF4-FFF2-40B4-BE49-F238E27FC236}">
+                <a16:creationId xmlns:a16="http://schemas.microsoft.com/office/drawing/2014/main" id="{151F9586-8EA8-F3B8-9220-077E33DD8CC2}"/>
+              </a:ext>
+            </a:extLst>
+          </p:cNvPr>
+          <p:cNvGraphicFramePr>
+            <a:graphicFrameLocks noGrp="1"/>
+          </p:cNvGraphicFramePr>
+          <p:nvPr>
+            <p:ph idx="1"/>
+            <p:extLst>
+              <p:ext uri="{D42A27DB-BD31-4B8C-83A1-F6EECF244321}">
+                <p14:modId xmlns:p14="http://schemas.microsoft.com/office/powerpoint/2010/main" val="179074842"/>
+              </p:ext>
+            </p:extLst>
+          </p:nvPr>
+        </p:nvGraphicFramePr>
+        <p:xfrm>
+          <a:off x="957470" y="1945640"/>
+          <a:ext cx="8438322" cy="2966720"/>
+        </p:xfrm>
+        <a:graphic>
+          <a:graphicData uri="http://schemas.openxmlformats.org/drawingml/2006/table">
+            <a:tbl>
+              <a:tblPr firstRow="1" bandRow="1">
+                <a:tableStyleId>{5C22544A-7EE6-4342-B048-85BDC9FD1C3A}</a:tableStyleId>
+              </a:tblPr>
+              <a:tblGrid>
+                <a:gridCol w="2898913">
+                  <a:extLst>
+                    <a:ext uri="{9D8B030D-6E8A-4147-A177-3AD203B41FA5}">
+                      <a16:colId xmlns:a16="http://schemas.microsoft.com/office/drawing/2014/main" val="4226318191"/>
+                    </a:ext>
+                  </a:extLst>
+                </a:gridCol>
+                <a:gridCol w="5539409">
+                  <a:extLst>
+                    <a:ext uri="{9D8B030D-6E8A-4147-A177-3AD203B41FA5}">
+                      <a16:colId xmlns:a16="http://schemas.microsoft.com/office/drawing/2014/main" val="4189367376"/>
+                    </a:ext>
+                  </a:extLst>
+                </a:gridCol>
+              </a:tblGrid>
+              <a:tr h="370840">
+                <a:tc>
+                  <a:txBody>
+                    <a:bodyPr/>
+                    <a:lstStyle/>
+                    <a:p>
+                      <a:r>
+                        <a:rPr lang="en-US" dirty="0"/>
+                        <a:t>Situation</a:t>
+                      </a:r>
+                    </a:p>
+                  </a:txBody>
+                  <a:tcPr/>
+                </a:tc>
+                <a:tc>
+                  <a:txBody>
+                    <a:bodyPr/>
+                    <a:lstStyle/>
+                    <a:p>
+                      <a:r>
+                        <a:rPr lang="en-US" dirty="0"/>
+                        <a:t>Use this convention</a:t>
+                      </a:r>
+                    </a:p>
+                  </a:txBody>
+                  <a:tcPr/>
+                </a:tc>
+                <a:extLst>
+                  <a:ext uri="{0D108BD9-81ED-4DB2-BD59-A6C34878D82A}">
+                    <a16:rowId xmlns:a16="http://schemas.microsoft.com/office/drawing/2014/main" val="3482771378"/>
+                  </a:ext>
+                </a:extLst>
+              </a:tr>
+              <a:tr h="370840">
+                <a:tc>
+                  <a:txBody>
+                    <a:bodyPr/>
+                    <a:lstStyle/>
+                    <a:p>
+                      <a:r>
+                        <a:rPr lang="en-US" dirty="0"/>
+                        <a:t>Have one 4-card Major</a:t>
+                      </a:r>
+                    </a:p>
+                  </a:txBody>
+                  <a:tcPr/>
+                </a:tc>
+                <a:tc>
+                  <a:txBody>
+                    <a:bodyPr/>
+                    <a:lstStyle/>
+                    <a:p>
+                      <a:r>
+                        <a:rPr lang="en-US" dirty="0"/>
+                        <a:t>Stayman</a:t>
+                      </a:r>
+                    </a:p>
+                  </a:txBody>
+                  <a:tcPr/>
+                </a:tc>
+                <a:extLst>
+                  <a:ext uri="{0D108BD9-81ED-4DB2-BD59-A6C34878D82A}">
+                    <a16:rowId xmlns:a16="http://schemas.microsoft.com/office/drawing/2014/main" val="1295774588"/>
+                  </a:ext>
+                </a:extLst>
+              </a:tr>
+              <a:tr h="370840">
+                <a:tc>
+                  <a:txBody>
+                    <a:bodyPr/>
+                    <a:lstStyle/>
+                    <a:p>
+                      <a:r>
+                        <a:rPr lang="en-US" dirty="0"/>
+                        <a:t>Have 5-4 Majors</a:t>
+                      </a:r>
+                    </a:p>
+                  </a:txBody>
+                  <a:tcPr/>
+                </a:tc>
+                <a:tc>
+                  <a:txBody>
+                    <a:bodyPr/>
+                    <a:lstStyle/>
+                    <a:p>
+                      <a:r>
+                        <a:rPr lang="en-US" dirty="0"/>
+                        <a:t>Stayman followed by Smolen</a:t>
+                      </a:r>
+                    </a:p>
+                  </a:txBody>
+                  <a:tcPr/>
+                </a:tc>
+                <a:extLst>
+                  <a:ext uri="{0D108BD9-81ED-4DB2-BD59-A6C34878D82A}">
+                    <a16:rowId xmlns:a16="http://schemas.microsoft.com/office/drawing/2014/main" val="2385606863"/>
+                  </a:ext>
+                </a:extLst>
+              </a:tr>
+              <a:tr h="370840">
+                <a:tc>
+                  <a:txBody>
+                    <a:bodyPr/>
+                    <a:lstStyle/>
+                    <a:p>
+                      <a:r>
+                        <a:rPr lang="en-US" dirty="0"/>
+                        <a:t>Have a 5+ Major</a:t>
+                      </a:r>
+                    </a:p>
+                  </a:txBody>
+                  <a:tcPr/>
+                </a:tc>
+                <a:tc>
+                  <a:txBody>
+                    <a:bodyPr/>
+                    <a:lstStyle/>
+                    <a:p>
+                      <a:r>
+                        <a:rPr lang="en-US" dirty="0"/>
+                        <a:t>Jacoby Transfer</a:t>
+                      </a:r>
+                    </a:p>
+                  </a:txBody>
+                  <a:tcPr/>
+                </a:tc>
+                <a:extLst>
+                  <a:ext uri="{0D108BD9-81ED-4DB2-BD59-A6C34878D82A}">
+                    <a16:rowId xmlns:a16="http://schemas.microsoft.com/office/drawing/2014/main" val="3516934947"/>
+                  </a:ext>
+                </a:extLst>
+              </a:tr>
+              <a:tr h="370840">
+                <a:tc>
+                  <a:txBody>
+                    <a:bodyPr/>
+                    <a:lstStyle/>
+                    <a:p>
+                      <a:r>
+                        <a:rPr lang="en-US" dirty="0"/>
+                        <a:t>Have a 6+ Major and 10 TP</a:t>
+                      </a:r>
+                    </a:p>
+                  </a:txBody>
+                  <a:tcPr/>
+                </a:tc>
+                <a:tc>
+                  <a:txBody>
+                    <a:bodyPr/>
+                    <a:lstStyle/>
+                    <a:p>
+                      <a:r>
+                        <a:rPr lang="en-US" dirty="0"/>
+                        <a:t>Texas Transfer</a:t>
+                      </a:r>
+                    </a:p>
+                  </a:txBody>
+                  <a:tcPr/>
+                </a:tc>
+                <a:extLst>
+                  <a:ext uri="{0D108BD9-81ED-4DB2-BD59-A6C34878D82A}">
+                    <a16:rowId xmlns:a16="http://schemas.microsoft.com/office/drawing/2014/main" val="2832628703"/>
+                  </a:ext>
+                </a:extLst>
+              </a:tr>
+              <a:tr h="370840">
+                <a:tc>
+                  <a:txBody>
+                    <a:bodyPr/>
+                    <a:lstStyle/>
+                    <a:p>
+                      <a:r>
+                        <a:rPr lang="en-US" dirty="0"/>
+                        <a:t>Have 10 HCP</a:t>
+                      </a:r>
+                    </a:p>
+                  </a:txBody>
+                  <a:tcPr/>
+                </a:tc>
+                <a:tc>
+                  <a:txBody>
+                    <a:bodyPr/>
+                    <a:lstStyle/>
+                    <a:p>
+                      <a:r>
+                        <a:rPr lang="en-US" dirty="0"/>
+                        <a:t>Invitation to 3NT (may not be possible)</a:t>
+                      </a:r>
+                    </a:p>
+                  </a:txBody>
+                  <a:tcPr/>
+                </a:tc>
+                <a:extLst>
+                  <a:ext uri="{0D108BD9-81ED-4DB2-BD59-A6C34878D82A}">
+                    <a16:rowId xmlns:a16="http://schemas.microsoft.com/office/drawing/2014/main" val="4165522636"/>
+                  </a:ext>
+                </a:extLst>
+              </a:tr>
+              <a:tr h="370840">
+                <a:tc>
+                  <a:txBody>
+                    <a:bodyPr/>
+                    <a:lstStyle/>
+                    <a:p>
+                      <a:r>
+                        <a:rPr lang="en-US" dirty="0"/>
+                        <a:t>Slam interest</a:t>
+                      </a:r>
+                    </a:p>
+                  </a:txBody>
+                  <a:tcPr/>
+                </a:tc>
+                <a:tc>
+                  <a:txBody>
+                    <a:bodyPr/>
+                    <a:lstStyle/>
+                    <a:p>
+                      <a:r>
+                        <a:rPr lang="en-US" dirty="0"/>
+                        <a:t>Gerber, Quantitative Invite, Jump new suit</a:t>
+                      </a:r>
+                    </a:p>
+                  </a:txBody>
+                  <a:tcPr/>
+                </a:tc>
+                <a:extLst>
+                  <a:ext uri="{0D108BD9-81ED-4DB2-BD59-A6C34878D82A}">
+                    <a16:rowId xmlns:a16="http://schemas.microsoft.com/office/drawing/2014/main" val="101549460"/>
+                  </a:ext>
+                </a:extLst>
+              </a:tr>
+              <a:tr h="370840">
+                <a:tc>
+                  <a:txBody>
+                    <a:bodyPr/>
+                    <a:lstStyle/>
+                    <a:p>
+                      <a:r>
+                        <a:rPr lang="en-US" dirty="0"/>
+                        <a:t>Explore minor contract</a:t>
+                      </a:r>
+                    </a:p>
+                  </a:txBody>
+                  <a:tcPr/>
+                </a:tc>
+                <a:tc>
+                  <a:txBody>
+                    <a:bodyPr/>
+                    <a:lstStyle/>
+                    <a:p>
+                      <a:r>
+                        <a:rPr lang="en-US" dirty="0">
+                          <a:solidFill>
+                            <a:srgbClr val="FF0000"/>
+                          </a:solidFill>
+                        </a:rPr>
+                        <a:t>With prior agreement, </a:t>
+                      </a:r>
+                      <a:r>
+                        <a:rPr lang="en-US" dirty="0"/>
+                        <a:t>Minor transfer/Minor Stayman</a:t>
+                      </a:r>
+                    </a:p>
+                  </a:txBody>
+                  <a:tcPr/>
+                </a:tc>
+                <a:extLst>
+                  <a:ext uri="{0D108BD9-81ED-4DB2-BD59-A6C34878D82A}">
+                    <a16:rowId xmlns:a16="http://schemas.microsoft.com/office/drawing/2014/main" val="4078650680"/>
+                  </a:ext>
+                </a:extLst>
+              </a:tr>
+            </a:tbl>
+          </a:graphicData>
+        </a:graphic>
+      </p:graphicFrame>
+    </p:spTree>
+    <p:extLst>
+      <p:ext uri="{BB962C8B-B14F-4D97-AF65-F5344CB8AC3E}">
+        <p14:creationId xmlns:p14="http://schemas.microsoft.com/office/powerpoint/2010/main" val="3589726813"/>
+      </p:ext>
+    </p:extLst>
+  </p:cSld>
+  <p:clrMapOvr>
+    <a:masterClrMapping/>
+  </p:clrMapOvr>
+</p:sld>
+</file>
+
+<file path=ppt/slides/slide28.xml><?xml version="1.0" encoding="utf-8"?>
 <p:sld xmlns:a="http://schemas.openxmlformats.org/drawingml/2006/main" xmlns:r="http://schemas.openxmlformats.org/officeDocument/2006/relationships" xmlns:p="http://schemas.openxmlformats.org/presentationml/2006/main">
   <p:cSld>
     <p:spTree>
@@ -8604,7 +9816,7 @@
           <p:cNvPr id="2" name="Title 1">
             <a:extLst>
               <a:ext uri="{FF2B5EF4-FFF2-40B4-BE49-F238E27FC236}">
-                <a16:creationId xmlns:a16="http://schemas.microsoft.com/office/drawing/2014/main" id="{B2514F8E-5416-2AD7-5D14-239626BBB4DB}"/>
+                <a16:creationId xmlns:a16="http://schemas.microsoft.com/office/drawing/2014/main" id="{68267A64-8532-5CD5-9194-D5FAA63B304C}"/>
               </a:ext>
             </a:extLst>
           </p:cNvPr>
@@ -8622,7 +9834,7 @@
           <a:p>
             <a:r>
               <a:rPr lang="en-US" dirty="0"/>
-              <a:t>Really Basic Stuffs</a:t>
+              <a:t>Introduction</a:t>
             </a:r>
           </a:p>
         </p:txBody>
@@ -8632,7 +9844,7 @@
           <p:cNvPr id="3" name="Content Placeholder 2">
             <a:extLst>
               <a:ext uri="{FF2B5EF4-FFF2-40B4-BE49-F238E27FC236}">
-                <a16:creationId xmlns:a16="http://schemas.microsoft.com/office/drawing/2014/main" id="{770344AB-58D6-3C1E-5712-70281C352980}"/>
+                <a16:creationId xmlns:a16="http://schemas.microsoft.com/office/drawing/2014/main" id="{C8386650-767D-6EC2-224E-0707FE34B3AB}"/>
               </a:ext>
             </a:extLst>
           </p:cNvPr>
@@ -8645,72 +9857,85 @@
         </p:nvSpPr>
         <p:spPr/>
         <p:txBody>
-          <a:bodyPr/>
+          <a:bodyPr>
+            <a:normAutofit/>
+          </a:bodyPr>
           <a:lstStyle/>
           <a:p>
             <a:r>
               <a:rPr lang="en-US" dirty="0"/>
-              <a:t>Bidding box, board, deck, traveler</a:t>
-            </a:r>
-          </a:p>
-          <a:p>
-            <a:r>
-              <a:rPr lang="en-US" dirty="0"/>
-              <a:t>Suits and ranking</a:t>
-            </a:r>
-          </a:p>
-          <a:p>
-            <a:r>
-              <a:rPr lang="en-US" dirty="0"/>
-              <a:t>Auction</a:t>
+              <a:t>Based on </a:t>
+            </a:r>
+            <a:r>
+              <a:rPr lang="en-US" i="1" dirty="0"/>
+              <a:t>Whist</a:t>
+            </a:r>
+          </a:p>
+          <a:p>
+            <a:r>
+              <a:rPr lang="en-US" dirty="0"/>
+              <a:t>Contract Bridge Scoring Rules by 1925</a:t>
+            </a:r>
+          </a:p>
+          <a:p>
+            <a:r>
+              <a:rPr lang="en-US" dirty="0"/>
+              <a:t>Reached peak population around 1940s</a:t>
+            </a:r>
+          </a:p>
+          <a:p>
+            <a:r>
+              <a:rPr lang="en-US" dirty="0"/>
+              <a:t>World Bridge Federation</a:t>
             </a:r>
           </a:p>
           <a:p>
             <a:pPr lvl="1"/>
             <a:r>
               <a:rPr lang="en-US" dirty="0"/>
-              <a:t>Bid and call</a:t>
+              <a:t>"The Laws of Duplicate Bridge 2017".</a:t>
             </a:r>
           </a:p>
           <a:p>
             <a:pPr lvl="1"/>
             <a:r>
               <a:rPr lang="en-US" dirty="0"/>
-              <a:t>Dealer, Declarer, Dummy, Defenders</a:t>
-            </a:r>
-          </a:p>
-          <a:p>
-            <a:r>
-              <a:rPr lang="en-US" dirty="0"/>
-              <a:t>Tricks and leads</a:t>
+              <a:t>ACBL, “</a:t>
+            </a:r>
+            <a:r>
+              <a:rPr lang="en-US" i="1" dirty="0"/>
+              <a:t>The Laws of Rubber Bridge”</a:t>
+            </a:r>
+            <a:endParaRPr lang="en-US" dirty="0"/>
+          </a:p>
+          <a:p>
+            <a:r>
+              <a:rPr lang="en-US" dirty="0"/>
+              <a:t>Rubber, Chicago-style, Duplicate</a:t>
+            </a:r>
+          </a:p>
+          <a:p>
+            <a:r>
+              <a:rPr lang="en-US" dirty="0"/>
+              <a:t>In-person and online games</a:t>
             </a:r>
           </a:p>
           <a:p>
             <a:pPr lvl="1"/>
             <a:r>
               <a:rPr lang="en-US" dirty="0"/>
-              <a:t>Open Lead</a:t>
-            </a:r>
-          </a:p>
-          <a:p>
-            <a:pPr lvl="1"/>
-            <a:r>
-              <a:rPr lang="en-US" dirty="0"/>
-              <a:t>Dummy’s works</a:t>
-            </a:r>
-          </a:p>
-          <a:p>
-            <a:r>
-              <a:rPr lang="en-US" dirty="0"/>
-              <a:t>Score and movement</a:t>
-            </a:r>
+              <a:t>Bridge Base Online (BBO)</a:t>
+            </a:r>
+          </a:p>
+          <a:p>
+            <a:endParaRPr lang="en-US" dirty="0"/>
           </a:p>
         </p:txBody>
       </p:sp>
     </p:spTree>
     <p:extLst>
       <p:ext uri="{BB962C8B-B14F-4D97-AF65-F5344CB8AC3E}">
-        <p14:creationId xmlns:p14="http://schemas.microsoft.com/office/powerpoint/2010/main" val="312936600"/>
+        <p14:creationId xmlns:p14="http://schemas.microsoft.com/office/powerpoint/2010/main" val="1069800546"/>
       </p:ext>
     </p:extLst>
   </p:cSld>
@@ -8742,7 +9967,7 @@
           <p:cNvPr id="2" name="Title 1">
             <a:extLst>
               <a:ext uri="{FF2B5EF4-FFF2-40B4-BE49-F238E27FC236}">
-                <a16:creationId xmlns:a16="http://schemas.microsoft.com/office/drawing/2014/main" id="{8121CBBA-3194-56A2-2B48-E0C6959EA820}"/>
+                <a16:creationId xmlns:a16="http://schemas.microsoft.com/office/drawing/2014/main" id="{B2514F8E-5416-2AD7-5D14-239626BBB4DB}"/>
               </a:ext>
             </a:extLst>
           </p:cNvPr>
@@ -8760,6 +9985,152 @@
           <a:p>
             <a:r>
               <a:rPr lang="en-US" dirty="0"/>
+              <a:t>Basic Terms</a:t>
+            </a:r>
+          </a:p>
+        </p:txBody>
+      </p:sp>
+      <p:sp>
+        <p:nvSpPr>
+          <p:cNvPr id="3" name="Content Placeholder 2">
+            <a:extLst>
+              <a:ext uri="{FF2B5EF4-FFF2-40B4-BE49-F238E27FC236}">
+                <a16:creationId xmlns:a16="http://schemas.microsoft.com/office/drawing/2014/main" id="{770344AB-58D6-3C1E-5712-70281C352980}"/>
+              </a:ext>
+            </a:extLst>
+          </p:cNvPr>
+          <p:cNvSpPr>
+            <a:spLocks noGrp="1"/>
+          </p:cNvSpPr>
+          <p:nvPr>
+            <p:ph idx="1"/>
+          </p:nvPr>
+        </p:nvSpPr>
+        <p:spPr/>
+        <p:txBody>
+          <a:bodyPr>
+            <a:normAutofit lnSpcReduction="10000"/>
+          </a:bodyPr>
+          <a:lstStyle/>
+          <a:p>
+            <a:r>
+              <a:rPr lang="en-US" dirty="0"/>
+              <a:t>Deck, suits and ranking</a:t>
+            </a:r>
+          </a:p>
+          <a:p>
+            <a:r>
+              <a:rPr lang="en-US" dirty="0"/>
+              <a:t>Bidding box, board, deck, traveler</a:t>
+            </a:r>
+          </a:p>
+          <a:p>
+            <a:r>
+              <a:rPr lang="en-US" dirty="0"/>
+              <a:t>Auction</a:t>
+            </a:r>
+          </a:p>
+          <a:p>
+            <a:pPr lvl="1"/>
+            <a:r>
+              <a:rPr lang="en-US" dirty="0"/>
+              <a:t> A language of small vocabulary</a:t>
+            </a:r>
+          </a:p>
+          <a:p>
+            <a:pPr lvl="2"/>
+            <a:r>
+              <a:rPr lang="en-US" dirty="0"/>
+              <a:t>As the only means for communication, nothing else</a:t>
+            </a:r>
+          </a:p>
+          <a:p>
+            <a:r>
+              <a:rPr lang="en-US" dirty="0"/>
+              <a:t>Dealer, Declarer, Dummy, Defenders</a:t>
+            </a:r>
+          </a:p>
+          <a:p>
+            <a:r>
+              <a:rPr lang="en-US" dirty="0"/>
+              <a:t>Tricks and leads</a:t>
+            </a:r>
+          </a:p>
+          <a:p>
+            <a:pPr lvl="1"/>
+            <a:r>
+              <a:rPr lang="en-US" dirty="0"/>
+              <a:t>Open Lead</a:t>
+            </a:r>
+          </a:p>
+          <a:p>
+            <a:pPr lvl="1"/>
+            <a:r>
+              <a:rPr lang="en-US" dirty="0"/>
+              <a:t>Dummy’s works</a:t>
+            </a:r>
+          </a:p>
+          <a:p>
+            <a:r>
+              <a:rPr lang="en-US" dirty="0"/>
+              <a:t>Score and movement</a:t>
+            </a:r>
+          </a:p>
+        </p:txBody>
+      </p:sp>
+    </p:spTree>
+    <p:extLst>
+      <p:ext uri="{BB962C8B-B14F-4D97-AF65-F5344CB8AC3E}">
+        <p14:creationId xmlns:p14="http://schemas.microsoft.com/office/powerpoint/2010/main" val="312936600"/>
+      </p:ext>
+    </p:extLst>
+  </p:cSld>
+  <p:clrMapOvr>
+    <a:masterClrMapping/>
+  </p:clrMapOvr>
+</p:sld>
+</file>
+
+<file path=ppt/slides/slide5.xml><?xml version="1.0" encoding="utf-8"?>
+<p:sld xmlns:a="http://schemas.openxmlformats.org/drawingml/2006/main" xmlns:r="http://schemas.openxmlformats.org/officeDocument/2006/relationships" xmlns:p="http://schemas.openxmlformats.org/presentationml/2006/main">
+  <p:cSld>
+    <p:spTree>
+      <p:nvGrpSpPr>
+        <p:cNvPr id="1" name=""/>
+        <p:cNvGrpSpPr/>
+        <p:nvPr/>
+      </p:nvGrpSpPr>
+      <p:grpSpPr>
+        <a:xfrm>
+          <a:off x="0" y="0"/>
+          <a:ext cx="0" cy="0"/>
+          <a:chOff x="0" y="0"/>
+          <a:chExt cx="0" cy="0"/>
+        </a:xfrm>
+      </p:grpSpPr>
+      <p:sp>
+        <p:nvSpPr>
+          <p:cNvPr id="2" name="Title 1">
+            <a:extLst>
+              <a:ext uri="{FF2B5EF4-FFF2-40B4-BE49-F238E27FC236}">
+                <a16:creationId xmlns:a16="http://schemas.microsoft.com/office/drawing/2014/main" id="{8121CBBA-3194-56A2-2B48-E0C6959EA820}"/>
+              </a:ext>
+            </a:extLst>
+          </p:cNvPr>
+          <p:cNvSpPr>
+            <a:spLocks noGrp="1"/>
+          </p:cNvSpPr>
+          <p:nvPr>
+            <p:ph type="title"/>
+          </p:nvPr>
+        </p:nvSpPr>
+        <p:spPr/>
+        <p:txBody>
+          <a:bodyPr/>
+          <a:lstStyle/>
+          <a:p>
+            <a:r>
+              <a:rPr lang="en-US" dirty="0"/>
               <a:t>HCP, DP, and TP</a:t>
             </a:r>
           </a:p>
@@ -8838,6 +10209,22 @@
             <a:r>
               <a:rPr lang="en-US" dirty="0"/>
               <a:t>Total Points = HCP + DP</a:t>
+            </a:r>
+          </a:p>
+          <a:p>
+            <a:endParaRPr lang="en-US" dirty="0"/>
+          </a:p>
+          <a:p>
+            <a:r>
+              <a:rPr lang="en-US" dirty="0"/>
+              <a:t>Many more ways for hand valuation...</a:t>
+            </a:r>
+          </a:p>
+          <a:p>
+            <a:pPr lvl="1"/>
+            <a:r>
+              <a:rPr lang="en-US" dirty="0"/>
+              <a:t>LTC, Zar Point, ...</a:t>
             </a:r>
           </a:p>
         </p:txBody>
@@ -8855,7 +10242,7 @@
 </p:sld>
 </file>
 
-<file path=ppt/slides/slide5.xml><?xml version="1.0" encoding="utf-8"?>
+<file path=ppt/slides/slide6.xml><?xml version="1.0" encoding="utf-8"?>
 <p:sld xmlns:a="http://schemas.openxmlformats.org/drawingml/2006/main" xmlns:r="http://schemas.openxmlformats.org/officeDocument/2006/relationships" xmlns:p="http://schemas.openxmlformats.org/presentationml/2006/main">
   <p:cSld>
     <p:spTree>
@@ -9218,7 +10605,7 @@
 </p:sld>
 </file>
 
-<file path=ppt/slides/slide6.xml><?xml version="1.0" encoding="utf-8"?>
+<file path=ppt/slides/slide7.xml><?xml version="1.0" encoding="utf-8"?>
 <p:sld xmlns:a="http://schemas.openxmlformats.org/drawingml/2006/main" xmlns:r="http://schemas.openxmlformats.org/officeDocument/2006/relationships" xmlns:p="http://schemas.openxmlformats.org/presentationml/2006/main">
   <p:cSld>
     <p:spTree>
@@ -9376,7 +10763,7 @@
 </p:sld>
 </file>
 
-<file path=ppt/slides/slide7.xml><?xml version="1.0" encoding="utf-8"?>
+<file path=ppt/slides/slide8.xml><?xml version="1.0" encoding="utf-8"?>
 <p:sld xmlns:a="http://schemas.openxmlformats.org/drawingml/2006/main" xmlns:r="http://schemas.openxmlformats.org/officeDocument/2006/relationships" xmlns:p="http://schemas.openxmlformats.org/presentationml/2006/main">
   <p:cSld>
     <p:spTree>
@@ -10000,7 +11387,7 @@
 </p:sld>
 </file>
 
-<file path=ppt/slides/slide8.xml><?xml version="1.0" encoding="utf-8"?>
+<file path=ppt/slides/slide9.xml><?xml version="1.0" encoding="utf-8"?>
 <p:sld xmlns:a="http://schemas.openxmlformats.org/drawingml/2006/main" xmlns:r="http://schemas.openxmlformats.org/officeDocument/2006/relationships" xmlns:p="http://schemas.openxmlformats.org/presentationml/2006/main">
   <p:cSld>
     <p:spTree>
@@ -10490,639 +11877,6 @@
     <p:extLst>
       <p:ext uri="{BB962C8B-B14F-4D97-AF65-F5344CB8AC3E}">
         <p14:creationId xmlns:p14="http://schemas.microsoft.com/office/powerpoint/2010/main" val="4057146395"/>
-      </p:ext>
-    </p:extLst>
-  </p:cSld>
-  <p:clrMapOvr>
-    <a:masterClrMapping/>
-  </p:clrMapOvr>
-</p:sld>
-</file>
-
-<file path=ppt/slides/slide9.xml><?xml version="1.0" encoding="utf-8"?>
-<p:sld xmlns:a="http://schemas.openxmlformats.org/drawingml/2006/main" xmlns:r="http://schemas.openxmlformats.org/officeDocument/2006/relationships" xmlns:p="http://schemas.openxmlformats.org/presentationml/2006/main">
-  <p:cSld>
-    <p:spTree>
-      <p:nvGrpSpPr>
-        <p:cNvPr id="1" name=""/>
-        <p:cNvGrpSpPr/>
-        <p:nvPr/>
-      </p:nvGrpSpPr>
-      <p:grpSpPr>
-        <a:xfrm>
-          <a:off x="0" y="0"/>
-          <a:ext cx="0" cy="0"/>
-          <a:chOff x="0" y="0"/>
-          <a:chExt cx="0" cy="0"/>
-        </a:xfrm>
-      </p:grpSpPr>
-      <p:sp>
-        <p:nvSpPr>
-          <p:cNvPr id="2" name="Title 1">
-            <a:extLst>
-              <a:ext uri="{FF2B5EF4-FFF2-40B4-BE49-F238E27FC236}">
-                <a16:creationId xmlns:a16="http://schemas.microsoft.com/office/drawing/2014/main" id="{B6AAC253-DBB8-DB0C-EFC3-CC89F509C755}"/>
-              </a:ext>
-            </a:extLst>
-          </p:cNvPr>
-          <p:cNvSpPr>
-            <a:spLocks noGrp="1"/>
-          </p:cNvSpPr>
-          <p:nvPr>
-            <p:ph type="title"/>
-          </p:nvPr>
-        </p:nvSpPr>
-        <p:spPr/>
-        <p:txBody>
-          <a:bodyPr/>
-          <a:lstStyle/>
-          <a:p>
-            <a:r>
-              <a:rPr lang="en-US" dirty="0"/>
-              <a:t>Examples</a:t>
-            </a:r>
-          </a:p>
-        </p:txBody>
-      </p:sp>
-      <p:graphicFrame>
-        <p:nvGraphicFramePr>
-          <p:cNvPr id="4" name="Table 3">
-            <a:extLst>
-              <a:ext uri="{FF2B5EF4-FFF2-40B4-BE49-F238E27FC236}">
-                <a16:creationId xmlns:a16="http://schemas.microsoft.com/office/drawing/2014/main" id="{6B3BFAB0-8B4D-BDEE-A1A9-087A15162065}"/>
-              </a:ext>
-            </a:extLst>
-          </p:cNvPr>
-          <p:cNvGraphicFramePr>
-            <a:graphicFrameLocks noGrp="1"/>
-          </p:cNvGraphicFramePr>
-          <p:nvPr>
-            <p:extLst>
-              <p:ext uri="{D42A27DB-BD31-4B8C-83A1-F6EECF244321}">
-                <p14:modId xmlns:p14="http://schemas.microsoft.com/office/powerpoint/2010/main" val="3917344620"/>
-              </p:ext>
-            </p:extLst>
-          </p:nvPr>
-        </p:nvGraphicFramePr>
-        <p:xfrm>
-          <a:off x="838199" y="1810299"/>
-          <a:ext cx="9095510" cy="4230283"/>
-        </p:xfrm>
-        <a:graphic>
-          <a:graphicData uri="http://schemas.openxmlformats.org/drawingml/2006/table">
-            <a:tbl>
-              <a:tblPr firstRow="1" bandRow="1">
-                <a:tableStyleId>{5C22544A-7EE6-4342-B048-85BDC9FD1C3A}</a:tableStyleId>
-              </a:tblPr>
-              <a:tblGrid>
-                <a:gridCol w="1306726">
-                  <a:extLst>
-                    <a:ext uri="{9D8B030D-6E8A-4147-A177-3AD203B41FA5}">
-                      <a16:colId xmlns:a16="http://schemas.microsoft.com/office/drawing/2014/main" val="4178760446"/>
-                    </a:ext>
-                  </a:extLst>
-                </a:gridCol>
-                <a:gridCol w="1947196">
-                  <a:extLst>
-                    <a:ext uri="{9D8B030D-6E8A-4147-A177-3AD203B41FA5}">
-                      <a16:colId xmlns:a16="http://schemas.microsoft.com/office/drawing/2014/main" val="1744565940"/>
-                    </a:ext>
-                  </a:extLst>
-                </a:gridCol>
-                <a:gridCol w="1947196">
-                  <a:extLst>
-                    <a:ext uri="{9D8B030D-6E8A-4147-A177-3AD203B41FA5}">
-                      <a16:colId xmlns:a16="http://schemas.microsoft.com/office/drawing/2014/main" val="130454964"/>
-                    </a:ext>
-                  </a:extLst>
-                </a:gridCol>
-                <a:gridCol w="1947196">
-                  <a:extLst>
-                    <a:ext uri="{9D8B030D-6E8A-4147-A177-3AD203B41FA5}">
-                      <a16:colId xmlns:a16="http://schemas.microsoft.com/office/drawing/2014/main" val="2418796973"/>
-                    </a:ext>
-                  </a:extLst>
-                </a:gridCol>
-                <a:gridCol w="1947196">
-                  <a:extLst>
-                    <a:ext uri="{9D8B030D-6E8A-4147-A177-3AD203B41FA5}">
-                      <a16:colId xmlns:a16="http://schemas.microsoft.com/office/drawing/2014/main" val="1307085336"/>
-                    </a:ext>
-                  </a:extLst>
-                </a:gridCol>
-              </a:tblGrid>
-              <a:tr h="958837">
-                <a:tc>
-                  <a:txBody>
-                    <a:bodyPr/>
-                    <a:lstStyle/>
-                    <a:p>
-                      <a:r>
-                        <a:rPr lang="en-US" dirty="0"/>
-                        <a:t>Example</a:t>
-                      </a:r>
-                    </a:p>
-                  </a:txBody>
-                  <a:tcPr/>
-                </a:tc>
-                <a:tc>
-                  <a:txBody>
-                    <a:bodyPr/>
-                    <a:lstStyle/>
-                    <a:p>
-                      <a:r>
-                        <a:rPr lang="en-US" dirty="0"/>
-                        <a:t>Contract Score</a:t>
-                      </a:r>
-                    </a:p>
-                  </a:txBody>
-                  <a:tcPr/>
-                </a:tc>
-                <a:tc>
-                  <a:txBody>
-                    <a:bodyPr/>
-                    <a:lstStyle/>
-                    <a:p>
-                      <a:r>
-                        <a:rPr lang="en-US" dirty="0"/>
-                        <a:t>Overtrick</a:t>
-                      </a:r>
-                    </a:p>
-                  </a:txBody>
-                  <a:tcPr/>
-                </a:tc>
-                <a:tc>
-                  <a:txBody>
-                    <a:bodyPr/>
-                    <a:lstStyle/>
-                    <a:p>
-                      <a:r>
-                        <a:rPr lang="en-US" dirty="0"/>
-                        <a:t>Bonus</a:t>
-                      </a:r>
-                    </a:p>
-                  </a:txBody>
-                  <a:tcPr/>
-                </a:tc>
-                <a:tc>
-                  <a:txBody>
-                    <a:bodyPr/>
-                    <a:lstStyle/>
-                    <a:p>
-                      <a:r>
-                        <a:rPr lang="en-US" dirty="0"/>
-                        <a:t>Total</a:t>
-                      </a:r>
-                    </a:p>
-                  </a:txBody>
-                  <a:tcPr/>
-                </a:tc>
-                <a:extLst>
-                  <a:ext uri="{0D108BD9-81ED-4DB2-BD59-A6C34878D82A}">
-                    <a16:rowId xmlns:a16="http://schemas.microsoft.com/office/drawing/2014/main" val="2704325849"/>
-                  </a:ext>
-                </a:extLst>
-              </a:tr>
-              <a:tr h="545241">
-                <a:tc>
-                  <a:txBody>
-                    <a:bodyPr/>
-                    <a:lstStyle/>
-                    <a:p>
-                      <a:r>
-                        <a:rPr lang="en-US" dirty="0"/>
-                        <a:t>2D+0</a:t>
-                      </a:r>
-                    </a:p>
-                  </a:txBody>
-                  <a:tcPr/>
-                </a:tc>
-                <a:tc>
-                  <a:txBody>
-                    <a:bodyPr/>
-                    <a:lstStyle/>
-                    <a:p>
-                      <a:r>
-                        <a:rPr lang="en-US" dirty="0"/>
-                        <a:t>40</a:t>
-                      </a:r>
-                    </a:p>
-                  </a:txBody>
-                  <a:tcPr/>
-                </a:tc>
-                <a:tc>
-                  <a:txBody>
-                    <a:bodyPr/>
-                    <a:lstStyle/>
-                    <a:p>
-                      <a:r>
-                        <a:rPr lang="en-US" dirty="0"/>
-                        <a:t>0</a:t>
-                      </a:r>
-                    </a:p>
-                  </a:txBody>
-                  <a:tcPr/>
-                </a:tc>
-                <a:tc>
-                  <a:txBody>
-                    <a:bodyPr/>
-                    <a:lstStyle/>
-                    <a:p>
-                      <a:r>
-                        <a:rPr lang="en-US" dirty="0"/>
-                        <a:t>50</a:t>
-                      </a:r>
-                    </a:p>
-                  </a:txBody>
-                  <a:tcPr/>
-                </a:tc>
-                <a:tc>
-                  <a:txBody>
-                    <a:bodyPr/>
-                    <a:lstStyle/>
-                    <a:p>
-                      <a:r>
-                        <a:rPr lang="en-US" dirty="0"/>
-                        <a:t>90</a:t>
-                      </a:r>
-                    </a:p>
-                  </a:txBody>
-                  <a:tcPr/>
-                </a:tc>
-                <a:extLst>
-                  <a:ext uri="{0D108BD9-81ED-4DB2-BD59-A6C34878D82A}">
-                    <a16:rowId xmlns:a16="http://schemas.microsoft.com/office/drawing/2014/main" val="927546614"/>
-                  </a:ext>
-                </a:extLst>
-              </a:tr>
-              <a:tr h="545241">
-                <a:tc>
-                  <a:txBody>
-                    <a:bodyPr/>
-                    <a:lstStyle/>
-                    <a:p>
-                      <a:r>
-                        <a:rPr lang="en-US" dirty="0"/>
-                        <a:t>1NT</a:t>
-                      </a:r>
-                    </a:p>
-                  </a:txBody>
-                  <a:tcPr/>
-                </a:tc>
-                <a:tc>
-                  <a:txBody>
-                    <a:bodyPr/>
-                    <a:lstStyle/>
-                    <a:p>
-                      <a:r>
-                        <a:rPr lang="en-US" dirty="0"/>
-                        <a:t>40</a:t>
-                      </a:r>
-                    </a:p>
-                  </a:txBody>
-                  <a:tcPr/>
-                </a:tc>
-                <a:tc>
-                  <a:txBody>
-                    <a:bodyPr/>
-                    <a:lstStyle/>
-                    <a:p>
-                      <a:r>
-                        <a:rPr lang="en-US" dirty="0"/>
-                        <a:t>0</a:t>
-                      </a:r>
-                    </a:p>
-                  </a:txBody>
-                  <a:tcPr/>
-                </a:tc>
-                <a:tc>
-                  <a:txBody>
-                    <a:bodyPr/>
-                    <a:lstStyle/>
-                    <a:p>
-                      <a:r>
-                        <a:rPr lang="en-US" dirty="0"/>
-                        <a:t>50</a:t>
-                      </a:r>
-                    </a:p>
-                  </a:txBody>
-                  <a:tcPr/>
-                </a:tc>
-                <a:tc>
-                  <a:txBody>
-                    <a:bodyPr/>
-                    <a:lstStyle/>
-                    <a:p>
-                      <a:r>
-                        <a:rPr lang="en-US" dirty="0"/>
-                        <a:t>90</a:t>
-                      </a:r>
-                    </a:p>
-                  </a:txBody>
-                  <a:tcPr/>
-                </a:tc>
-                <a:extLst>
-                  <a:ext uri="{0D108BD9-81ED-4DB2-BD59-A6C34878D82A}">
-                    <a16:rowId xmlns:a16="http://schemas.microsoft.com/office/drawing/2014/main" val="2082163618"/>
-                  </a:ext>
-                </a:extLst>
-              </a:tr>
-              <a:tr h="545241">
-                <a:tc>
-                  <a:txBody>
-                    <a:bodyPr/>
-                    <a:lstStyle/>
-                    <a:p>
-                      <a:r>
-                        <a:rPr lang="en-US" dirty="0"/>
-                        <a:t>3S</a:t>
-                      </a:r>
-                    </a:p>
-                  </a:txBody>
-                  <a:tcPr/>
-                </a:tc>
-                <a:tc>
-                  <a:txBody>
-                    <a:bodyPr/>
-                    <a:lstStyle/>
-                    <a:p>
-                      <a:r>
-                        <a:rPr lang="en-US" dirty="0"/>
-                        <a:t>90</a:t>
-                      </a:r>
-                    </a:p>
-                  </a:txBody>
-                  <a:tcPr/>
-                </a:tc>
-                <a:tc>
-                  <a:txBody>
-                    <a:bodyPr/>
-                    <a:lstStyle/>
-                    <a:p>
-                      <a:r>
-                        <a:rPr lang="en-US" dirty="0"/>
-                        <a:t>0</a:t>
-                      </a:r>
-                    </a:p>
-                  </a:txBody>
-                  <a:tcPr/>
-                </a:tc>
-                <a:tc>
-                  <a:txBody>
-                    <a:bodyPr/>
-                    <a:lstStyle/>
-                    <a:p>
-                      <a:r>
-                        <a:rPr lang="en-US" dirty="0"/>
-                        <a:t>50</a:t>
-                      </a:r>
-                    </a:p>
-                  </a:txBody>
-                  <a:tcPr/>
-                </a:tc>
-                <a:tc>
-                  <a:txBody>
-                    <a:bodyPr/>
-                    <a:lstStyle/>
-                    <a:p>
-                      <a:r>
-                        <a:rPr lang="en-US" dirty="0"/>
-                        <a:t>140</a:t>
-                      </a:r>
-                    </a:p>
-                  </a:txBody>
-                  <a:tcPr/>
-                </a:tc>
-                <a:extLst>
-                  <a:ext uri="{0D108BD9-81ED-4DB2-BD59-A6C34878D82A}">
-                    <a16:rowId xmlns:a16="http://schemas.microsoft.com/office/drawing/2014/main" val="3522478268"/>
-                  </a:ext>
-                </a:extLst>
-              </a:tr>
-              <a:tr h="545241">
-                <a:tc>
-                  <a:txBody>
-                    <a:bodyPr/>
-                    <a:lstStyle/>
-                    <a:p>
-                      <a:r>
-                        <a:rPr lang="en-US" dirty="0"/>
-                        <a:t>5D</a:t>
-                      </a:r>
-                    </a:p>
-                  </a:txBody>
-                  <a:tcPr/>
-                </a:tc>
-                <a:tc>
-                  <a:txBody>
-                    <a:bodyPr/>
-                    <a:lstStyle/>
-                    <a:p>
-                      <a:r>
-                        <a:rPr lang="en-US" dirty="0"/>
-                        <a:t>100</a:t>
-                      </a:r>
-                    </a:p>
-                  </a:txBody>
-                  <a:tcPr/>
-                </a:tc>
-                <a:tc>
-                  <a:txBody>
-                    <a:bodyPr/>
-                    <a:lstStyle/>
-                    <a:p>
-                      <a:r>
-                        <a:rPr lang="en-US" dirty="0"/>
-                        <a:t>0</a:t>
-                      </a:r>
-                    </a:p>
-                  </a:txBody>
-                  <a:tcPr/>
-                </a:tc>
-                <a:tc>
-                  <a:txBody>
-                    <a:bodyPr/>
-                    <a:lstStyle/>
-                    <a:p>
-                      <a:r>
-                        <a:rPr lang="en-US" dirty="0"/>
-                        <a:t>300/500</a:t>
-                      </a:r>
-                    </a:p>
-                  </a:txBody>
-                  <a:tcPr/>
-                </a:tc>
-                <a:tc>
-                  <a:txBody>
-                    <a:bodyPr/>
-                    <a:lstStyle/>
-                    <a:p>
-                      <a:r>
-                        <a:rPr lang="en-US" dirty="0"/>
-                        <a:t>400/600</a:t>
-                      </a:r>
-                    </a:p>
-                  </a:txBody>
-                  <a:tcPr/>
-                </a:tc>
-                <a:extLst>
-                  <a:ext uri="{0D108BD9-81ED-4DB2-BD59-A6C34878D82A}">
-                    <a16:rowId xmlns:a16="http://schemas.microsoft.com/office/drawing/2014/main" val="1036006223"/>
-                  </a:ext>
-                </a:extLst>
-              </a:tr>
-              <a:tr h="545241">
-                <a:tc>
-                  <a:txBody>
-                    <a:bodyPr/>
-                    <a:lstStyle/>
-                    <a:p>
-                      <a:r>
-                        <a:rPr lang="en-US" dirty="0"/>
-                        <a:t>3NT+2</a:t>
-                      </a:r>
-                    </a:p>
-                  </a:txBody>
-                  <a:tcPr/>
-                </a:tc>
-                <a:tc>
-                  <a:txBody>
-                    <a:bodyPr/>
-                    <a:lstStyle/>
-                    <a:p>
-                      <a:r>
-                        <a:rPr lang="en-US" dirty="0"/>
-                        <a:t>100</a:t>
-                      </a:r>
-                    </a:p>
-                  </a:txBody>
-                  <a:tcPr/>
-                </a:tc>
-                <a:tc>
-                  <a:txBody>
-                    <a:bodyPr/>
-                    <a:lstStyle/>
-                    <a:p>
-                      <a:r>
-                        <a:rPr lang="en-US" dirty="0"/>
-                        <a:t>60</a:t>
-                      </a:r>
-                    </a:p>
-                  </a:txBody>
-                  <a:tcPr/>
-                </a:tc>
-                <a:tc>
-                  <a:txBody>
-                    <a:bodyPr/>
-                    <a:lstStyle/>
-                    <a:p>
-                      <a:r>
-                        <a:rPr lang="en-US" dirty="0"/>
-                        <a:t>300/500</a:t>
-                      </a:r>
-                    </a:p>
-                  </a:txBody>
-                  <a:tcPr/>
-                </a:tc>
-                <a:tc>
-                  <a:txBody>
-                    <a:bodyPr/>
-                    <a:lstStyle/>
-                    <a:p>
-                      <a:r>
-                        <a:rPr lang="en-US" dirty="0"/>
-                        <a:t>460/660</a:t>
-                      </a:r>
-                    </a:p>
-                  </a:txBody>
-                  <a:tcPr/>
-                </a:tc>
-                <a:extLst>
-                  <a:ext uri="{0D108BD9-81ED-4DB2-BD59-A6C34878D82A}">
-                    <a16:rowId xmlns:a16="http://schemas.microsoft.com/office/drawing/2014/main" val="1349369722"/>
-                  </a:ext>
-                </a:extLst>
-              </a:tr>
-              <a:tr h="545241">
-                <a:tc>
-                  <a:txBody>
-                    <a:bodyPr/>
-                    <a:lstStyle/>
-                    <a:p>
-                      <a:r>
-                        <a:rPr lang="en-US" dirty="0"/>
-                        <a:t>2H+2</a:t>
-                      </a:r>
-                    </a:p>
-                  </a:txBody>
-                  <a:tcPr/>
-                </a:tc>
-                <a:tc>
-                  <a:txBody>
-                    <a:bodyPr/>
-                    <a:lstStyle/>
-                    <a:p>
-                      <a:r>
-                        <a:rPr lang="en-US" dirty="0"/>
-                        <a:t>60</a:t>
-                      </a:r>
-                    </a:p>
-                  </a:txBody>
-                  <a:tcPr/>
-                </a:tc>
-                <a:tc>
-                  <a:txBody>
-                    <a:bodyPr/>
-                    <a:lstStyle/>
-                    <a:p>
-                      <a:r>
-                        <a:rPr lang="en-US" dirty="0"/>
-                        <a:t>60</a:t>
-                      </a:r>
-                    </a:p>
-                  </a:txBody>
-                  <a:tcPr/>
-                </a:tc>
-                <a:tc>
-                  <a:txBody>
-                    <a:bodyPr/>
-                    <a:lstStyle/>
-                    <a:p>
-                      <a:r>
-                        <a:rPr lang="en-US" dirty="0"/>
-                        <a:t>50</a:t>
-                      </a:r>
-                    </a:p>
-                  </a:txBody>
-                  <a:tcPr/>
-                </a:tc>
-                <a:tc>
-                  <a:txBody>
-                    <a:bodyPr/>
-                    <a:lstStyle/>
-                    <a:p>
-                      <a:r>
-                        <a:rPr lang="en-US" dirty="0"/>
-                        <a:t>170</a:t>
-                      </a:r>
-                    </a:p>
-                  </a:txBody>
-                  <a:tcPr/>
-                </a:tc>
-                <a:extLst>
-                  <a:ext uri="{0D108BD9-81ED-4DB2-BD59-A6C34878D82A}">
-                    <a16:rowId xmlns:a16="http://schemas.microsoft.com/office/drawing/2014/main" val="200046473"/>
-                  </a:ext>
-                </a:extLst>
-              </a:tr>
-            </a:tbl>
-          </a:graphicData>
-        </a:graphic>
-      </p:graphicFrame>
-    </p:spTree>
-    <p:extLst>
-      <p:ext uri="{BB962C8B-B14F-4D97-AF65-F5344CB8AC3E}">
-        <p14:creationId xmlns:p14="http://schemas.microsoft.com/office/powerpoint/2010/main" val="3698080680"/>
       </p:ext>
     </p:extLst>
   </p:cSld>

--- a/lectures.pptx
+++ b/lectures.pptx
@@ -286,7 +286,7 @@
           <a:p>
             <a:fld id="{8F3D9EDE-FDFF-1341-BE21-1778BA43CC8F}" type="datetimeFigureOut">
               <a:rPr lang="en-US" smtClean="0"/>
-              <a:t>7/30/25</a:t>
+              <a:t>8/2/25</a:t>
             </a:fld>
             <a:endParaRPr lang="en-US"/>
           </a:p>
@@ -484,7 +484,7 @@
           <a:p>
             <a:fld id="{8F3D9EDE-FDFF-1341-BE21-1778BA43CC8F}" type="datetimeFigureOut">
               <a:rPr lang="en-US" smtClean="0"/>
-              <a:t>7/30/25</a:t>
+              <a:t>8/2/25</a:t>
             </a:fld>
             <a:endParaRPr lang="en-US"/>
           </a:p>
@@ -692,7 +692,7 @@
           <a:p>
             <a:fld id="{8F3D9EDE-FDFF-1341-BE21-1778BA43CC8F}" type="datetimeFigureOut">
               <a:rPr lang="en-US" smtClean="0"/>
-              <a:t>7/30/25</a:t>
+              <a:t>8/2/25</a:t>
             </a:fld>
             <a:endParaRPr lang="en-US"/>
           </a:p>
@@ -890,7 +890,7 @@
           <a:p>
             <a:fld id="{8F3D9EDE-FDFF-1341-BE21-1778BA43CC8F}" type="datetimeFigureOut">
               <a:rPr lang="en-US" smtClean="0"/>
-              <a:t>7/30/25</a:t>
+              <a:t>8/2/25</a:t>
             </a:fld>
             <a:endParaRPr lang="en-US"/>
           </a:p>
@@ -1165,7 +1165,7 @@
           <a:p>
             <a:fld id="{8F3D9EDE-FDFF-1341-BE21-1778BA43CC8F}" type="datetimeFigureOut">
               <a:rPr lang="en-US" smtClean="0"/>
-              <a:t>7/30/25</a:t>
+              <a:t>8/2/25</a:t>
             </a:fld>
             <a:endParaRPr lang="en-US"/>
           </a:p>
@@ -1430,7 +1430,7 @@
           <a:p>
             <a:fld id="{8F3D9EDE-FDFF-1341-BE21-1778BA43CC8F}" type="datetimeFigureOut">
               <a:rPr lang="en-US" smtClean="0"/>
-              <a:t>7/30/25</a:t>
+              <a:t>8/2/25</a:t>
             </a:fld>
             <a:endParaRPr lang="en-US"/>
           </a:p>
@@ -1842,7 +1842,7 @@
           <a:p>
             <a:fld id="{8F3D9EDE-FDFF-1341-BE21-1778BA43CC8F}" type="datetimeFigureOut">
               <a:rPr lang="en-US" smtClean="0"/>
-              <a:t>7/30/25</a:t>
+              <a:t>8/2/25</a:t>
             </a:fld>
             <a:endParaRPr lang="en-US"/>
           </a:p>
@@ -1983,7 +1983,7 @@
           <a:p>
             <a:fld id="{8F3D9EDE-FDFF-1341-BE21-1778BA43CC8F}" type="datetimeFigureOut">
               <a:rPr lang="en-US" smtClean="0"/>
-              <a:t>7/30/25</a:t>
+              <a:t>8/2/25</a:t>
             </a:fld>
             <a:endParaRPr lang="en-US"/>
           </a:p>
@@ -2096,7 +2096,7 @@
           <a:p>
             <a:fld id="{8F3D9EDE-FDFF-1341-BE21-1778BA43CC8F}" type="datetimeFigureOut">
               <a:rPr lang="en-US" smtClean="0"/>
-              <a:t>7/30/25</a:t>
+              <a:t>8/2/25</a:t>
             </a:fld>
             <a:endParaRPr lang="en-US"/>
           </a:p>
@@ -2407,7 +2407,7 @@
           <a:p>
             <a:fld id="{8F3D9EDE-FDFF-1341-BE21-1778BA43CC8F}" type="datetimeFigureOut">
               <a:rPr lang="en-US" smtClean="0"/>
-              <a:t>7/30/25</a:t>
+              <a:t>8/2/25</a:t>
             </a:fld>
             <a:endParaRPr lang="en-US"/>
           </a:p>
@@ -2695,7 +2695,7 @@
           <a:p>
             <a:fld id="{8F3D9EDE-FDFF-1341-BE21-1778BA43CC8F}" type="datetimeFigureOut">
               <a:rPr lang="en-US" smtClean="0"/>
-              <a:t>7/30/25</a:t>
+              <a:t>8/2/25</a:t>
             </a:fld>
             <a:endParaRPr lang="en-US"/>
           </a:p>
@@ -2966,7 +2966,7 @@
           <a:p>
             <a:fld id="{8F3D9EDE-FDFF-1341-BE21-1778BA43CC8F}" type="datetimeFigureOut">
               <a:rPr lang="en-US" smtClean="0"/>
-              <a:t>7/30/25</a:t>
+              <a:t>8/2/25</a:t>
             </a:fld>
             <a:endParaRPr lang="en-US"/>
           </a:p>
@@ -9858,7 +9858,7 @@
         <p:spPr/>
         <p:txBody>
           <a:bodyPr>
-            <a:normAutofit/>
+            <a:normAutofit lnSpcReduction="10000"/>
           </a:bodyPr>
           <a:lstStyle/>
           <a:p>
@@ -9874,13 +9874,34 @@
           <a:p>
             <a:r>
               <a:rPr lang="en-US" dirty="0"/>
-              <a:t>Contract Bridge Scoring Rules by 1925</a:t>
+              <a:t>Harold </a:t>
+            </a:r>
+            <a:r>
+              <a:rPr lang="en-US" dirty="0" err="1"/>
+              <a:t>Venderbilt</a:t>
+            </a:r>
+            <a:r>
+              <a:rPr lang="en-US" dirty="0"/>
+              <a:t> codified Scoring Rules by 1925</a:t>
+            </a:r>
+          </a:p>
+          <a:p>
+            <a:pPr lvl="1"/>
+            <a:r>
+              <a:rPr lang="en-US" dirty="0"/>
+              <a:t>Inventor of Contract Bridge</a:t>
             </a:r>
           </a:p>
           <a:p>
             <a:r>
               <a:rPr lang="en-US" dirty="0"/>
               <a:t>Reached peak population around 1940s</a:t>
+            </a:r>
+          </a:p>
+          <a:p>
+            <a:r>
+              <a:rPr lang="en-US" dirty="0"/>
+              <a:t>Rubber, Chicago-style, Duplicate</a:t>
             </a:r>
           </a:p>
           <a:p>
@@ -9907,12 +9928,6 @@
               <a:t>The Laws of Rubber Bridge”</a:t>
             </a:r>
             <a:endParaRPr lang="en-US" dirty="0"/>
-          </a:p>
-          <a:p>
-            <a:r>
-              <a:rPr lang="en-US" dirty="0"/>
-              <a:t>Rubber, Chicago-style, Duplicate</a:t>
-            </a:r>
           </a:p>
           <a:p>
             <a:r>

--- a/lectures.pptx
+++ b/lectures.pptx
@@ -19,27 +19,30 @@
     <p:sldId id="292" r:id="rId13"/>
     <p:sldId id="294" r:id="rId14"/>
     <p:sldId id="293" r:id="rId15"/>
-    <p:sldId id="279" r:id="rId16"/>
-    <p:sldId id="265" r:id="rId17"/>
-    <p:sldId id="267" r:id="rId18"/>
-    <p:sldId id="260" r:id="rId19"/>
-    <p:sldId id="266" r:id="rId20"/>
-    <p:sldId id="270" r:id="rId21"/>
-    <p:sldId id="295" r:id="rId22"/>
-    <p:sldId id="273" r:id="rId23"/>
-    <p:sldId id="296" r:id="rId24"/>
-    <p:sldId id="280" r:id="rId25"/>
-    <p:sldId id="297" r:id="rId26"/>
-    <p:sldId id="268" r:id="rId27"/>
-    <p:sldId id="281" r:id="rId28"/>
-    <p:sldId id="282" r:id="rId29"/>
-    <p:sldId id="283" r:id="rId30"/>
-    <p:sldId id="285" r:id="rId31"/>
-    <p:sldId id="286" r:id="rId32"/>
-    <p:sldId id="284" r:id="rId33"/>
-    <p:sldId id="288" r:id="rId34"/>
-    <p:sldId id="287" r:id="rId35"/>
-    <p:sldId id="258" r:id="rId36"/>
+    <p:sldId id="298" r:id="rId16"/>
+    <p:sldId id="279" r:id="rId17"/>
+    <p:sldId id="295" r:id="rId18"/>
+    <p:sldId id="273" r:id="rId19"/>
+    <p:sldId id="296" r:id="rId20"/>
+    <p:sldId id="299" r:id="rId21"/>
+    <p:sldId id="300" r:id="rId22"/>
+    <p:sldId id="265" r:id="rId23"/>
+    <p:sldId id="267" r:id="rId24"/>
+    <p:sldId id="260" r:id="rId25"/>
+    <p:sldId id="266" r:id="rId26"/>
+    <p:sldId id="270" r:id="rId27"/>
+    <p:sldId id="280" r:id="rId28"/>
+    <p:sldId id="297" r:id="rId29"/>
+    <p:sldId id="268" r:id="rId30"/>
+    <p:sldId id="281" r:id="rId31"/>
+    <p:sldId id="282" r:id="rId32"/>
+    <p:sldId id="283" r:id="rId33"/>
+    <p:sldId id="285" r:id="rId34"/>
+    <p:sldId id="286" r:id="rId35"/>
+    <p:sldId id="284" r:id="rId36"/>
+    <p:sldId id="288" r:id="rId37"/>
+    <p:sldId id="287" r:id="rId38"/>
+    <p:sldId id="258" r:id="rId39"/>
   </p:sldIdLst>
   <p:sldSz cx="12192000" cy="6858000"/>
   <p:notesSz cx="6858000" cy="9144000"/>
@@ -293,7 +296,7 @@
           <a:p>
             <a:fld id="{8F3D9EDE-FDFF-1341-BE21-1778BA43CC8F}" type="datetimeFigureOut">
               <a:rPr lang="en-US" smtClean="0"/>
-              <a:t>8/5/25</a:t>
+              <a:t>8/7/25</a:t>
             </a:fld>
             <a:endParaRPr lang="en-US"/>
           </a:p>
@@ -491,7 +494,7 @@
           <a:p>
             <a:fld id="{8F3D9EDE-FDFF-1341-BE21-1778BA43CC8F}" type="datetimeFigureOut">
               <a:rPr lang="en-US" smtClean="0"/>
-              <a:t>8/5/25</a:t>
+              <a:t>8/7/25</a:t>
             </a:fld>
             <a:endParaRPr lang="en-US"/>
           </a:p>
@@ -699,7 +702,7 @@
           <a:p>
             <a:fld id="{8F3D9EDE-FDFF-1341-BE21-1778BA43CC8F}" type="datetimeFigureOut">
               <a:rPr lang="en-US" smtClean="0"/>
-              <a:t>8/5/25</a:t>
+              <a:t>8/7/25</a:t>
             </a:fld>
             <a:endParaRPr lang="en-US"/>
           </a:p>
@@ -897,7 +900,7 @@
           <a:p>
             <a:fld id="{8F3D9EDE-FDFF-1341-BE21-1778BA43CC8F}" type="datetimeFigureOut">
               <a:rPr lang="en-US" smtClean="0"/>
-              <a:t>8/5/25</a:t>
+              <a:t>8/7/25</a:t>
             </a:fld>
             <a:endParaRPr lang="en-US"/>
           </a:p>
@@ -1172,7 +1175,7 @@
           <a:p>
             <a:fld id="{8F3D9EDE-FDFF-1341-BE21-1778BA43CC8F}" type="datetimeFigureOut">
               <a:rPr lang="en-US" smtClean="0"/>
-              <a:t>8/5/25</a:t>
+              <a:t>8/7/25</a:t>
             </a:fld>
             <a:endParaRPr lang="en-US"/>
           </a:p>
@@ -1437,7 +1440,7 @@
           <a:p>
             <a:fld id="{8F3D9EDE-FDFF-1341-BE21-1778BA43CC8F}" type="datetimeFigureOut">
               <a:rPr lang="en-US" smtClean="0"/>
-              <a:t>8/5/25</a:t>
+              <a:t>8/7/25</a:t>
             </a:fld>
             <a:endParaRPr lang="en-US"/>
           </a:p>
@@ -1849,7 +1852,7 @@
           <a:p>
             <a:fld id="{8F3D9EDE-FDFF-1341-BE21-1778BA43CC8F}" type="datetimeFigureOut">
               <a:rPr lang="en-US" smtClean="0"/>
-              <a:t>8/5/25</a:t>
+              <a:t>8/7/25</a:t>
             </a:fld>
             <a:endParaRPr lang="en-US"/>
           </a:p>
@@ -1990,7 +1993,7 @@
           <a:p>
             <a:fld id="{8F3D9EDE-FDFF-1341-BE21-1778BA43CC8F}" type="datetimeFigureOut">
               <a:rPr lang="en-US" smtClean="0"/>
-              <a:t>8/5/25</a:t>
+              <a:t>8/7/25</a:t>
             </a:fld>
             <a:endParaRPr lang="en-US"/>
           </a:p>
@@ -2103,7 +2106,7 @@
           <a:p>
             <a:fld id="{8F3D9EDE-FDFF-1341-BE21-1778BA43CC8F}" type="datetimeFigureOut">
               <a:rPr lang="en-US" smtClean="0"/>
-              <a:t>8/5/25</a:t>
+              <a:t>8/7/25</a:t>
             </a:fld>
             <a:endParaRPr lang="en-US"/>
           </a:p>
@@ -2414,7 +2417,7 @@
           <a:p>
             <a:fld id="{8F3D9EDE-FDFF-1341-BE21-1778BA43CC8F}" type="datetimeFigureOut">
               <a:rPr lang="en-US" smtClean="0"/>
-              <a:t>8/5/25</a:t>
+              <a:t>8/7/25</a:t>
             </a:fld>
             <a:endParaRPr lang="en-US"/>
           </a:p>
@@ -2702,7 +2705,7 @@
           <a:p>
             <a:fld id="{8F3D9EDE-FDFF-1341-BE21-1778BA43CC8F}" type="datetimeFigureOut">
               <a:rPr lang="en-US" smtClean="0"/>
-              <a:t>8/5/25</a:t>
+              <a:t>8/7/25</a:t>
             </a:fld>
             <a:endParaRPr lang="en-US"/>
           </a:p>
@@ -2973,7 +2976,7 @@
           <a:p>
             <a:fld id="{8F3D9EDE-FDFF-1341-BE21-1778BA43CC8F}" type="datetimeFigureOut">
               <a:rPr lang="en-US" smtClean="0"/>
-              <a:t>8/5/25</a:t>
+              <a:t>8/7/25</a:t>
             </a:fld>
             <a:endParaRPr lang="en-US"/>
           </a:p>
@@ -4822,6 +4825,12 @@
               <a:t>Aug 13, 2025</a:t>
             </a:r>
           </a:p>
+          <a:p>
+            <a:r>
+              <a:rPr lang="en-US" dirty="0"/>
+              <a:t>Sin-Yaw Wang for SSC</a:t>
+            </a:r>
+          </a:p>
         </p:txBody>
       </p:sp>
     </p:spTree>
@@ -4877,7 +4886,7 @@
           <a:p>
             <a:r>
               <a:rPr lang="en-US" dirty="0"/>
-              <a:t>First, get these squared away...</a:t>
+              <a:t>You did not get the memo?</a:t>
             </a:r>
           </a:p>
         </p:txBody>
@@ -4901,18 +4910,20 @@
         <p:spPr>
           <a:xfrm>
             <a:off x="1152939" y="1918390"/>
-            <a:ext cx="7580244" cy="2057262"/>
+            <a:ext cx="6308035" cy="1951245"/>
           </a:xfrm>
         </p:spPr>
         <p:txBody>
-          <a:bodyPr/>
+          <a:bodyPr>
+            <a:normAutofit fontScale="70000" lnSpcReduction="20000"/>
+          </a:bodyPr>
           <a:lstStyle/>
           <a:p>
             <a:r>
               <a:rPr lang="en-US" dirty="0">
                 <a:hlinkClick r:id="rId2"/>
               </a:rPr>
-              <a:t>https://tinyurl.com/bridge1010806</a:t>
+              <a:t>https://tinyurl.com/bridge101folder</a:t>
             </a:r>
             <a:endParaRPr lang="en-US" dirty="0"/>
           </a:p>
@@ -4934,8 +4945,58 @@
             </a:r>
             <a:endParaRPr lang="en-US" dirty="0"/>
           </a:p>
+          <a:p>
+            <a:pPr lvl="1"/>
+            <a:r>
+              <a:rPr lang="en-US" dirty="0"/>
+              <a:t>Use the website.  App pushes ads.</a:t>
+            </a:r>
+          </a:p>
+          <a:p>
+            <a:r>
+              <a:rPr lang="en-US" dirty="0"/>
+              <a:t>Join the LINE group chat</a:t>
+            </a:r>
+          </a:p>
+          <a:p>
+            <a:pPr lvl="1"/>
+            <a:r>
+              <a:rPr lang="en-US" dirty="0"/>
+              <a:t>Send me an email</a:t>
+            </a:r>
+          </a:p>
         </p:txBody>
       </p:sp>
+      <p:pic>
+        <p:nvPicPr>
+          <p:cNvPr id="5" name="Picture 4" descr="A qr code with a green square and a green bubble&#10;&#10;AI-generated content may be incorrect.">
+            <a:extLst>
+              <a:ext uri="{FF2B5EF4-FFF2-40B4-BE49-F238E27FC236}">
+                <a16:creationId xmlns:a16="http://schemas.microsoft.com/office/drawing/2014/main" id="{831B197C-3EE6-774D-A05E-9FF8CD1E7AD3}"/>
+              </a:ext>
+            </a:extLst>
+          </p:cNvPr>
+          <p:cNvPicPr>
+            <a:picLocks noChangeAspect="1"/>
+          </p:cNvPicPr>
+          <p:nvPr/>
+        </p:nvPicPr>
+        <p:blipFill>
+          <a:blip r:embed="rId5"/>
+          <a:stretch>
+            <a:fillRect/>
+          </a:stretch>
+        </p:blipFill>
+        <p:spPr>
+          <a:xfrm>
+            <a:off x="6811617" y="3678514"/>
+            <a:ext cx="3048000" cy="3048000"/>
+          </a:xfrm>
+          <a:prstGeom prst="rect">
+            <a:avLst/>
+          </a:prstGeom>
+        </p:spPr>
+      </p:pic>
     </p:spTree>
     <p:extLst>
       <p:ext uri="{BB962C8B-B14F-4D97-AF65-F5344CB8AC3E}">
@@ -5010,41 +5071,53 @@
             <p:ph idx="1"/>
           </p:nvPr>
         </p:nvSpPr>
-        <p:spPr/>
+        <p:spPr>
+          <a:xfrm>
+            <a:off x="838200" y="1825625"/>
+            <a:ext cx="8584096" cy="2852392"/>
+          </a:xfrm>
+        </p:spPr>
         <p:txBody>
           <a:bodyPr>
-            <a:normAutofit lnSpcReduction="10000"/>
+            <a:normAutofit fontScale="92500" lnSpcReduction="10000"/>
           </a:bodyPr>
           <a:lstStyle/>
           <a:p>
             <a:r>
               <a:rPr lang="en-US" dirty="0"/>
-              <a:t>Dealer, Declarer, Dummy</a:t>
-            </a:r>
-          </a:p>
-          <a:p>
-            <a:r>
-              <a:rPr lang="en-US" dirty="0"/>
-              <a:t>Counting HCP, DP, and TP</a:t>
-            </a:r>
-          </a:p>
-          <a:p>
-            <a:r>
-              <a:rPr lang="en-US" dirty="0"/>
-              <a:t>”Game” contract earns big bonuses</a:t>
+              <a:t>Dealer opens bid, Declarer plays, Dummy takes a nap</a:t>
             </a:r>
           </a:p>
           <a:p>
             <a:pPr lvl="1"/>
             <a:r>
               <a:rPr lang="en-US" dirty="0"/>
-              <a:t>Must first bid to the level to earn the bonus</a:t>
+              <a:t>Left-hand Side (LHS) open-leads</a:t>
+            </a:r>
+          </a:p>
+          <a:p>
+            <a:r>
+              <a:rPr lang="en-US" dirty="0"/>
+              <a:t>HCP, DP, and TP</a:t>
+            </a:r>
+          </a:p>
+          <a:p>
+            <a:r>
+              <a:rPr lang="en-US" dirty="0"/>
+              <a:t>Game contracts earn big bonuses</a:t>
             </a:r>
           </a:p>
           <a:p>
             <a:pPr lvl="1"/>
             <a:r>
               <a:rPr lang="en-US" dirty="0"/>
+              <a:t>But you must first bid to the level</a:t>
+            </a:r>
+          </a:p>
+          <a:p>
+            <a:pPr lvl="1"/>
+            <a:r>
+              <a:rPr lang="en-US" dirty="0"/>
               <a:t>Slams get even bigger bonuses</a:t>
             </a:r>
           </a:p>
@@ -5052,60 +5125,297 @@
             <a:r>
               <a:rPr lang="en-US" dirty="0"/>
               <a:t>The ”Algorithm”</a:t>
-            </a:r>
-          </a:p>
-          <a:p>
-            <a:pPr marL="914400" lvl="1" indent="-457200">
-              <a:buFont typeface="+mj-lt"/>
-              <a:buAutoNum type="arabicPeriod"/>
-            </a:pPr>
-            <a:r>
-              <a:rPr lang="en-US" dirty="0"/>
-              <a:t>If 33+TP, do slam of any suit</a:t>
-            </a:r>
-          </a:p>
-          <a:p>
-            <a:pPr marL="914400" lvl="1" indent="-457200">
-              <a:buFont typeface="+mj-lt"/>
-              <a:buAutoNum type="arabicPeriod"/>
-            </a:pPr>
-            <a:r>
-              <a:rPr lang="en-US" dirty="0"/>
-              <a:t>If 27+TP and 8 cards, 4S/4H</a:t>
-            </a:r>
-          </a:p>
-          <a:p>
-            <a:pPr marL="914400" lvl="1" indent="-457200">
-              <a:buFont typeface="+mj-lt"/>
-              <a:buAutoNum type="arabicPeriod"/>
-            </a:pPr>
-            <a:r>
-              <a:rPr lang="en-US" dirty="0"/>
-              <a:t>If 25+HCP and “stoppable” for every suit, 3NT</a:t>
-            </a:r>
-          </a:p>
-          <a:p>
-            <a:pPr marL="914400" lvl="1" indent="-457200">
-              <a:buFont typeface="+mj-lt"/>
-              <a:buAutoNum type="arabicPeriod"/>
-            </a:pPr>
-            <a:r>
-              <a:rPr lang="en-US" dirty="0"/>
-              <a:t>If 29+TP and 8 cards, 5D/5C</a:t>
-            </a:r>
-          </a:p>
-          <a:p>
-            <a:pPr marL="914400" lvl="1" indent="-457200">
-              <a:buFont typeface="+mj-lt"/>
-              <a:buAutoNum type="arabicPeriod"/>
-            </a:pPr>
-            <a:r>
-              <a:rPr lang="en-US" dirty="0"/>
-              <a:t>Otherwise, partial of any suit</a:t>
             </a:r>
           </a:p>
         </p:txBody>
       </p:sp>
+      <p:graphicFrame>
+        <p:nvGraphicFramePr>
+          <p:cNvPr id="4" name="Table 3">
+            <a:extLst>
+              <a:ext uri="{FF2B5EF4-FFF2-40B4-BE49-F238E27FC236}">
+                <a16:creationId xmlns:a16="http://schemas.microsoft.com/office/drawing/2014/main" id="{A3B9FAA2-16BA-2A24-295F-D505E9A09BC3}"/>
+              </a:ext>
+            </a:extLst>
+          </p:cNvPr>
+          <p:cNvGraphicFramePr>
+            <a:graphicFrameLocks noGrp="1"/>
+          </p:cNvGraphicFramePr>
+          <p:nvPr>
+            <p:extLst>
+              <p:ext uri="{D42A27DB-BD31-4B8C-83A1-F6EECF244321}">
+                <p14:modId xmlns:p14="http://schemas.microsoft.com/office/powerpoint/2010/main" val="3020754560"/>
+              </p:ext>
+            </p:extLst>
+          </p:nvPr>
+        </p:nvGraphicFramePr>
+        <p:xfrm>
+          <a:off x="1091096" y="4643755"/>
+          <a:ext cx="7509565" cy="1849120"/>
+        </p:xfrm>
+        <a:graphic>
+          <a:graphicData uri="http://schemas.openxmlformats.org/drawingml/2006/table">
+            <a:tbl>
+              <a:tblPr bandRow="1">
+                <a:tableStyleId>{5C22544A-7EE6-4342-B048-85BDC9FD1C3A}</a:tableStyleId>
+              </a:tblPr>
+              <a:tblGrid>
+                <a:gridCol w="595868">
+                  <a:extLst>
+                    <a:ext uri="{9D8B030D-6E8A-4147-A177-3AD203B41FA5}">
+                      <a16:colId xmlns:a16="http://schemas.microsoft.com/office/drawing/2014/main" val="352721444"/>
+                    </a:ext>
+                  </a:extLst>
+                </a:gridCol>
+                <a:gridCol w="3391548">
+                  <a:extLst>
+                    <a:ext uri="{9D8B030D-6E8A-4147-A177-3AD203B41FA5}">
+                      <a16:colId xmlns:a16="http://schemas.microsoft.com/office/drawing/2014/main" val="1374206466"/>
+                    </a:ext>
+                  </a:extLst>
+                </a:gridCol>
+                <a:gridCol w="3522149">
+                  <a:extLst>
+                    <a:ext uri="{9D8B030D-6E8A-4147-A177-3AD203B41FA5}">
+                      <a16:colId xmlns:a16="http://schemas.microsoft.com/office/drawing/2014/main" val="2825548928"/>
+                    </a:ext>
+                  </a:extLst>
+                </a:gridCol>
+              </a:tblGrid>
+              <a:tr h="0">
+                <a:tc>
+                  <a:txBody>
+                    <a:bodyPr/>
+                    <a:lstStyle/>
+                    <a:p>
+                      <a:r>
+                        <a:rPr lang="en-US" dirty="0"/>
+                        <a:t>1</a:t>
+                      </a:r>
+                    </a:p>
+                  </a:txBody>
+                  <a:tcPr/>
+                </a:tc>
+                <a:tc>
+                  <a:txBody>
+                    <a:bodyPr/>
+                    <a:lstStyle/>
+                    <a:p>
+                      <a:r>
+                        <a:rPr lang="en-US" dirty="0"/>
+                        <a:t>33+TP</a:t>
+                      </a:r>
+                    </a:p>
+                  </a:txBody>
+                  <a:tcPr/>
+                </a:tc>
+                <a:tc>
+                  <a:txBody>
+                    <a:bodyPr/>
+                    <a:lstStyle/>
+                    <a:p>
+                      <a:r>
+                        <a:rPr lang="en-US" dirty="0"/>
+                        <a:t>Most makable slam</a:t>
+                      </a:r>
+                    </a:p>
+                  </a:txBody>
+                  <a:tcPr/>
+                </a:tc>
+                <a:extLst>
+                  <a:ext uri="{0D108BD9-81ED-4DB2-BD59-A6C34878D82A}">
+                    <a16:rowId xmlns:a16="http://schemas.microsoft.com/office/drawing/2014/main" val="3649939835"/>
+                  </a:ext>
+                </a:extLst>
+              </a:tr>
+              <a:tr h="370840">
+                <a:tc>
+                  <a:txBody>
+                    <a:bodyPr/>
+                    <a:lstStyle/>
+                    <a:p>
+                      <a:r>
+                        <a:rPr lang="en-US" dirty="0"/>
+                        <a:t>2</a:t>
+                      </a:r>
+                    </a:p>
+                  </a:txBody>
+                  <a:tcPr/>
+                </a:tc>
+                <a:tc>
+                  <a:txBody>
+                    <a:bodyPr/>
+                    <a:lstStyle/>
+                    <a:p>
+                      <a:r>
+                        <a:rPr lang="en-US" dirty="0"/>
+                        <a:t>27+TP, 8+ cards major</a:t>
+                      </a:r>
+                    </a:p>
+                  </a:txBody>
+                  <a:tcPr/>
+                </a:tc>
+                <a:tc>
+                  <a:txBody>
+                    <a:bodyPr/>
+                    <a:lstStyle/>
+                    <a:p>
+                      <a:r>
+                        <a:rPr lang="en-US" dirty="0"/>
+                        <a:t>4S/4H</a:t>
+                      </a:r>
+                    </a:p>
+                  </a:txBody>
+                  <a:tcPr/>
+                </a:tc>
+                <a:extLst>
+                  <a:ext uri="{0D108BD9-81ED-4DB2-BD59-A6C34878D82A}">
+                    <a16:rowId xmlns:a16="http://schemas.microsoft.com/office/drawing/2014/main" val="483942139"/>
+                  </a:ext>
+                </a:extLst>
+              </a:tr>
+              <a:tr h="370840">
+                <a:tc>
+                  <a:txBody>
+                    <a:bodyPr/>
+                    <a:lstStyle/>
+                    <a:p>
+                      <a:r>
+                        <a:rPr lang="en-US" dirty="0"/>
+                        <a:t>3</a:t>
+                      </a:r>
+                    </a:p>
+                  </a:txBody>
+                  <a:tcPr/>
+                </a:tc>
+                <a:tc>
+                  <a:txBody>
+                    <a:bodyPr/>
+                    <a:lstStyle/>
+                    <a:p>
+                      <a:r>
+                        <a:rPr lang="en-US" dirty="0"/>
+                        <a:t>25+HCP,  stoppers all suits</a:t>
+                      </a:r>
+                    </a:p>
+                  </a:txBody>
+                  <a:tcPr/>
+                </a:tc>
+                <a:tc>
+                  <a:txBody>
+                    <a:bodyPr/>
+                    <a:lstStyle/>
+                    <a:p>
+                      <a:r>
+                        <a:rPr lang="en-US" dirty="0"/>
+                        <a:t>3NT</a:t>
+                      </a:r>
+                    </a:p>
+                  </a:txBody>
+                  <a:tcPr/>
+                </a:tc>
+                <a:extLst>
+                  <a:ext uri="{0D108BD9-81ED-4DB2-BD59-A6C34878D82A}">
+                    <a16:rowId xmlns:a16="http://schemas.microsoft.com/office/drawing/2014/main" val="1247139555"/>
+                  </a:ext>
+                </a:extLst>
+              </a:tr>
+              <a:tr h="370840">
+                <a:tc>
+                  <a:txBody>
+                    <a:bodyPr/>
+                    <a:lstStyle/>
+                    <a:p>
+                      <a:r>
+                        <a:rPr lang="en-US" dirty="0"/>
+                        <a:t>4</a:t>
+                      </a:r>
+                    </a:p>
+                  </a:txBody>
+                  <a:tcPr/>
+                </a:tc>
+                <a:tc>
+                  <a:txBody>
+                    <a:bodyPr/>
+                    <a:lstStyle/>
+                    <a:p>
+                      <a:r>
+                        <a:rPr lang="en-US" dirty="0"/>
+                        <a:t>29+TP, 8+ cards minor</a:t>
+                      </a:r>
+                    </a:p>
+                  </a:txBody>
+                  <a:tcPr/>
+                </a:tc>
+                <a:tc>
+                  <a:txBody>
+                    <a:bodyPr/>
+                    <a:lstStyle/>
+                    <a:p>
+                      <a:r>
+                        <a:rPr lang="en-US" dirty="0"/>
+                        <a:t>5D/5C</a:t>
+                      </a:r>
+                    </a:p>
+                  </a:txBody>
+                  <a:tcPr/>
+                </a:tc>
+                <a:extLst>
+                  <a:ext uri="{0D108BD9-81ED-4DB2-BD59-A6C34878D82A}">
+                    <a16:rowId xmlns:a16="http://schemas.microsoft.com/office/drawing/2014/main" val="851656090"/>
+                  </a:ext>
+                </a:extLst>
+              </a:tr>
+              <a:tr h="370840">
+                <a:tc>
+                  <a:txBody>
+                    <a:bodyPr/>
+                    <a:lstStyle/>
+                    <a:p>
+                      <a:r>
+                        <a:rPr lang="en-US" dirty="0"/>
+                        <a:t>5</a:t>
+                      </a:r>
+                    </a:p>
+                  </a:txBody>
+                  <a:tcPr/>
+                </a:tc>
+                <a:tc>
+                  <a:txBody>
+                    <a:bodyPr/>
+                    <a:lstStyle/>
+                    <a:p>
+                      <a:r>
+                        <a:rPr lang="en-US" dirty="0"/>
+                        <a:t>22+HCP</a:t>
+                      </a:r>
+                    </a:p>
+                  </a:txBody>
+                  <a:tcPr/>
+                </a:tc>
+                <a:tc>
+                  <a:txBody>
+                    <a:bodyPr/>
+                    <a:lstStyle/>
+                    <a:p>
+                      <a:r>
+                        <a:rPr lang="en-US" dirty="0"/>
+                        <a:t>Partial</a:t>
+                      </a:r>
+                    </a:p>
+                  </a:txBody>
+                  <a:tcPr/>
+                </a:tc>
+                <a:extLst>
+                  <a:ext uri="{0D108BD9-81ED-4DB2-BD59-A6C34878D82A}">
+                    <a16:rowId xmlns:a16="http://schemas.microsoft.com/office/drawing/2014/main" val="1860971733"/>
+                  </a:ext>
+                </a:extLst>
+              </a:tr>
+            </a:tbl>
+          </a:graphicData>
+        </a:graphic>
+      </p:graphicFrame>
     </p:spTree>
     <p:extLst>
       <p:ext uri="{BB962C8B-B14F-4D97-AF65-F5344CB8AC3E}">
@@ -5120,6 +5430,490 @@
 </file>
 
 <file path=ppt/slides/slide15.xml><?xml version="1.0" encoding="utf-8"?>
+<p:sld xmlns:a="http://schemas.openxmlformats.org/drawingml/2006/main" xmlns:r="http://schemas.openxmlformats.org/officeDocument/2006/relationships" xmlns:p="http://schemas.openxmlformats.org/presentationml/2006/main">
+  <p:cSld>
+    <p:spTree>
+      <p:nvGrpSpPr>
+        <p:cNvPr id="1" name="">
+          <a:extLst>
+            <a:ext uri="{FF2B5EF4-FFF2-40B4-BE49-F238E27FC236}">
+              <a16:creationId xmlns:a16="http://schemas.microsoft.com/office/drawing/2014/main" id="{BCB76642-F0C1-8F64-8626-623ABF2000DE}"/>
+            </a:ext>
+          </a:extLst>
+        </p:cNvPr>
+        <p:cNvGrpSpPr/>
+        <p:nvPr/>
+      </p:nvGrpSpPr>
+      <p:grpSpPr>
+        <a:xfrm>
+          <a:off x="0" y="0"/>
+          <a:ext cx="0" cy="0"/>
+          <a:chOff x="0" y="0"/>
+          <a:chExt cx="0" cy="0"/>
+        </a:xfrm>
+      </p:grpSpPr>
+      <p:sp>
+        <p:nvSpPr>
+          <p:cNvPr id="2" name="Title 1">
+            <a:extLst>
+              <a:ext uri="{FF2B5EF4-FFF2-40B4-BE49-F238E27FC236}">
+                <a16:creationId xmlns:a16="http://schemas.microsoft.com/office/drawing/2014/main" id="{C32C9799-6EBA-A42F-C4EA-A17EA792B546}"/>
+              </a:ext>
+            </a:extLst>
+          </p:cNvPr>
+          <p:cNvSpPr>
+            <a:spLocks noGrp="1"/>
+          </p:cNvSpPr>
+          <p:nvPr>
+            <p:ph type="title"/>
+          </p:nvPr>
+        </p:nvSpPr>
+        <p:spPr/>
+        <p:txBody>
+          <a:bodyPr/>
+          <a:lstStyle/>
+          <a:p>
+            <a:r>
+              <a:rPr lang="en-US" dirty="0"/>
+              <a:t>Bonuses for making the contract</a:t>
+            </a:r>
+          </a:p>
+        </p:txBody>
+      </p:sp>
+      <p:sp>
+        <p:nvSpPr>
+          <p:cNvPr id="3" name="Content Placeholder 2">
+            <a:extLst>
+              <a:ext uri="{FF2B5EF4-FFF2-40B4-BE49-F238E27FC236}">
+                <a16:creationId xmlns:a16="http://schemas.microsoft.com/office/drawing/2014/main" id="{10D30E44-96BF-C352-430D-252CBFBE4675}"/>
+              </a:ext>
+            </a:extLst>
+          </p:cNvPr>
+          <p:cNvSpPr>
+            <a:spLocks noGrp="1"/>
+          </p:cNvSpPr>
+          <p:nvPr>
+            <p:ph idx="1"/>
+          </p:nvPr>
+        </p:nvSpPr>
+        <p:spPr>
+          <a:xfrm>
+            <a:off x="838200" y="1939635"/>
+            <a:ext cx="10515600" cy="3936377"/>
+          </a:xfrm>
+        </p:spPr>
+        <p:txBody>
+          <a:bodyPr/>
+          <a:lstStyle/>
+          <a:p>
+            <a:r>
+              <a:rPr lang="en-US" dirty="0"/>
+              <a:t>Partial bonus: 50</a:t>
+            </a:r>
+          </a:p>
+          <a:p>
+            <a:r>
+              <a:rPr lang="en-US" dirty="0"/>
+              <a:t>Game bonus: 300 if not vulnerable, 500 if vulnerable</a:t>
+            </a:r>
+          </a:p>
+          <a:p>
+            <a:r>
+              <a:rPr lang="en-US" dirty="0"/>
+              <a:t>Vulnerability assignments</a:t>
+            </a:r>
+          </a:p>
+        </p:txBody>
+      </p:sp>
+      <p:graphicFrame>
+        <p:nvGraphicFramePr>
+          <p:cNvPr id="4" name="Table 3">
+            <a:extLst>
+              <a:ext uri="{FF2B5EF4-FFF2-40B4-BE49-F238E27FC236}">
+                <a16:creationId xmlns:a16="http://schemas.microsoft.com/office/drawing/2014/main" id="{9FE409BE-B8A0-DBE8-8957-C3B26687D228}"/>
+              </a:ext>
+            </a:extLst>
+          </p:cNvPr>
+          <p:cNvGraphicFramePr>
+            <a:graphicFrameLocks noGrp="1"/>
+          </p:cNvGraphicFramePr>
+          <p:nvPr>
+            <p:extLst>
+              <p:ext uri="{D42A27DB-BD31-4B8C-83A1-F6EECF244321}">
+                <p14:modId xmlns:p14="http://schemas.microsoft.com/office/powerpoint/2010/main" val="566598633"/>
+              </p:ext>
+            </p:extLst>
+          </p:nvPr>
+        </p:nvGraphicFramePr>
+        <p:xfrm>
+          <a:off x="1085111" y="3720548"/>
+          <a:ext cx="8128000" cy="1854200"/>
+        </p:xfrm>
+        <a:graphic>
+          <a:graphicData uri="http://schemas.openxmlformats.org/drawingml/2006/table">
+            <a:tbl>
+              <a:tblPr firstRow="1" bandRow="1">
+                <a:tableStyleId>{5C22544A-7EE6-4342-B048-85BDC9FD1C3A}</a:tableStyleId>
+              </a:tblPr>
+              <a:tblGrid>
+                <a:gridCol w="2032000">
+                  <a:extLst>
+                    <a:ext uri="{9D8B030D-6E8A-4147-A177-3AD203B41FA5}">
+                      <a16:colId xmlns:a16="http://schemas.microsoft.com/office/drawing/2014/main" val="3839653618"/>
+                    </a:ext>
+                  </a:extLst>
+                </a:gridCol>
+                <a:gridCol w="2032000">
+                  <a:extLst>
+                    <a:ext uri="{9D8B030D-6E8A-4147-A177-3AD203B41FA5}">
+                      <a16:colId xmlns:a16="http://schemas.microsoft.com/office/drawing/2014/main" val="1361811156"/>
+                    </a:ext>
+                  </a:extLst>
+                </a:gridCol>
+                <a:gridCol w="2032000">
+                  <a:extLst>
+                    <a:ext uri="{9D8B030D-6E8A-4147-A177-3AD203B41FA5}">
+                      <a16:colId xmlns:a16="http://schemas.microsoft.com/office/drawing/2014/main" val="3106678390"/>
+                    </a:ext>
+                  </a:extLst>
+                </a:gridCol>
+                <a:gridCol w="2032000">
+                  <a:extLst>
+                    <a:ext uri="{9D8B030D-6E8A-4147-A177-3AD203B41FA5}">
+                      <a16:colId xmlns:a16="http://schemas.microsoft.com/office/drawing/2014/main" val="1644797353"/>
+                    </a:ext>
+                  </a:extLst>
+                </a:gridCol>
+              </a:tblGrid>
+              <a:tr h="370840">
+                <a:tc>
+                  <a:txBody>
+                    <a:bodyPr/>
+                    <a:lstStyle/>
+                    <a:p>
+                      <a:r>
+                        <a:rPr lang="en-US" dirty="0"/>
+                        <a:t>Board 1/5/9/13</a:t>
+                      </a:r>
+                    </a:p>
+                  </a:txBody>
+                  <a:tcPr/>
+                </a:tc>
+                <a:tc>
+                  <a:txBody>
+                    <a:bodyPr/>
+                    <a:lstStyle/>
+                    <a:p>
+                      <a:r>
+                        <a:rPr lang="en-US" dirty="0"/>
+                        <a:t>Board 2/6/10/14</a:t>
+                      </a:r>
+                    </a:p>
+                  </a:txBody>
+                  <a:tcPr/>
+                </a:tc>
+                <a:tc>
+                  <a:txBody>
+                    <a:bodyPr/>
+                    <a:lstStyle/>
+                    <a:p>
+                      <a:r>
+                        <a:rPr lang="en-US" dirty="0"/>
+                        <a:t>Board 3/7/11/15</a:t>
+                      </a:r>
+                    </a:p>
+                  </a:txBody>
+                  <a:tcPr/>
+                </a:tc>
+                <a:tc>
+                  <a:txBody>
+                    <a:bodyPr/>
+                    <a:lstStyle/>
+                    <a:p>
+                      <a:r>
+                        <a:rPr lang="en-US" dirty="0"/>
+                        <a:t>Board 4/8/12/16</a:t>
+                      </a:r>
+                    </a:p>
+                  </a:txBody>
+                  <a:tcPr/>
+                </a:tc>
+                <a:extLst>
+                  <a:ext uri="{0D108BD9-81ED-4DB2-BD59-A6C34878D82A}">
+                    <a16:rowId xmlns:a16="http://schemas.microsoft.com/office/drawing/2014/main" val="1265690278"/>
+                  </a:ext>
+                </a:extLst>
+              </a:tr>
+              <a:tr h="370840">
+                <a:tc>
+                  <a:txBody>
+                    <a:bodyPr/>
+                    <a:lstStyle/>
+                    <a:p>
+                      <a:pPr algn="ctr"/>
+                      <a:r>
+                        <a:rPr lang="en-US" dirty="0"/>
+                        <a:t>None</a:t>
+                      </a:r>
+                    </a:p>
+                  </a:txBody>
+                  <a:tcPr/>
+                </a:tc>
+                <a:tc>
+                  <a:txBody>
+                    <a:bodyPr/>
+                    <a:lstStyle/>
+                    <a:p>
+                      <a:pPr algn="ctr"/>
+                      <a:r>
+                        <a:rPr lang="en-US" dirty="0"/>
+                        <a:t>NS</a:t>
+                      </a:r>
+                    </a:p>
+                  </a:txBody>
+                  <a:tcPr/>
+                </a:tc>
+                <a:tc>
+                  <a:txBody>
+                    <a:bodyPr/>
+                    <a:lstStyle/>
+                    <a:p>
+                      <a:pPr algn="ctr"/>
+                      <a:r>
+                        <a:rPr lang="en-US" dirty="0"/>
+                        <a:t>EW</a:t>
+                      </a:r>
+                    </a:p>
+                  </a:txBody>
+                  <a:tcPr/>
+                </a:tc>
+                <a:tc>
+                  <a:txBody>
+                    <a:bodyPr/>
+                    <a:lstStyle/>
+                    <a:p>
+                      <a:pPr algn="ctr"/>
+                      <a:r>
+                        <a:rPr lang="en-US" dirty="0"/>
+                        <a:t>Both</a:t>
+                      </a:r>
+                    </a:p>
+                  </a:txBody>
+                  <a:tcPr/>
+                </a:tc>
+                <a:extLst>
+                  <a:ext uri="{0D108BD9-81ED-4DB2-BD59-A6C34878D82A}">
+                    <a16:rowId xmlns:a16="http://schemas.microsoft.com/office/drawing/2014/main" val="2881479735"/>
+                  </a:ext>
+                </a:extLst>
+              </a:tr>
+              <a:tr h="370840">
+                <a:tc>
+                  <a:txBody>
+                    <a:bodyPr/>
+                    <a:lstStyle/>
+                    <a:p>
+                      <a:pPr algn="ctr"/>
+                      <a:r>
+                        <a:rPr lang="en-US" dirty="0"/>
+                        <a:t>NS</a:t>
+                      </a:r>
+                    </a:p>
+                  </a:txBody>
+                  <a:tcPr/>
+                </a:tc>
+                <a:tc>
+                  <a:txBody>
+                    <a:bodyPr/>
+                    <a:lstStyle/>
+                    <a:p>
+                      <a:pPr algn="ctr"/>
+                      <a:r>
+                        <a:rPr lang="en-US" dirty="0"/>
+                        <a:t>EW</a:t>
+                      </a:r>
+                    </a:p>
+                  </a:txBody>
+                  <a:tcPr/>
+                </a:tc>
+                <a:tc>
+                  <a:txBody>
+                    <a:bodyPr/>
+                    <a:lstStyle/>
+                    <a:p>
+                      <a:pPr algn="ctr"/>
+                      <a:r>
+                        <a:rPr lang="en-US" dirty="0"/>
+                        <a:t>Both</a:t>
+                      </a:r>
+                    </a:p>
+                  </a:txBody>
+                  <a:tcPr/>
+                </a:tc>
+                <a:tc>
+                  <a:txBody>
+                    <a:bodyPr/>
+                    <a:lstStyle/>
+                    <a:p>
+                      <a:pPr algn="ctr"/>
+                      <a:r>
+                        <a:rPr lang="en-US" dirty="0"/>
+                        <a:t>None</a:t>
+                      </a:r>
+                    </a:p>
+                  </a:txBody>
+                  <a:tcPr/>
+                </a:tc>
+                <a:extLst>
+                  <a:ext uri="{0D108BD9-81ED-4DB2-BD59-A6C34878D82A}">
+                    <a16:rowId xmlns:a16="http://schemas.microsoft.com/office/drawing/2014/main" val="1594926639"/>
+                  </a:ext>
+                </a:extLst>
+              </a:tr>
+              <a:tr h="370840">
+                <a:tc>
+                  <a:txBody>
+                    <a:bodyPr/>
+                    <a:lstStyle/>
+                    <a:p>
+                      <a:pPr algn="ctr"/>
+                      <a:r>
+                        <a:rPr lang="en-US" dirty="0"/>
+                        <a:t>EW</a:t>
+                      </a:r>
+                    </a:p>
+                  </a:txBody>
+                  <a:tcPr/>
+                </a:tc>
+                <a:tc>
+                  <a:txBody>
+                    <a:bodyPr/>
+                    <a:lstStyle/>
+                    <a:p>
+                      <a:pPr algn="ctr"/>
+                      <a:r>
+                        <a:rPr lang="en-US" dirty="0"/>
+                        <a:t>Both</a:t>
+                      </a:r>
+                    </a:p>
+                  </a:txBody>
+                  <a:tcPr/>
+                </a:tc>
+                <a:tc>
+                  <a:txBody>
+                    <a:bodyPr/>
+                    <a:lstStyle/>
+                    <a:p>
+                      <a:pPr algn="ctr"/>
+                      <a:r>
+                        <a:rPr lang="en-US" dirty="0"/>
+                        <a:t>None</a:t>
+                      </a:r>
+                    </a:p>
+                  </a:txBody>
+                  <a:tcPr/>
+                </a:tc>
+                <a:tc>
+                  <a:txBody>
+                    <a:bodyPr/>
+                    <a:lstStyle/>
+                    <a:p>
+                      <a:pPr algn="ctr"/>
+                      <a:r>
+                        <a:rPr lang="en-US" dirty="0"/>
+                        <a:t>NS</a:t>
+                      </a:r>
+                    </a:p>
+                  </a:txBody>
+                  <a:tcPr/>
+                </a:tc>
+                <a:extLst>
+                  <a:ext uri="{0D108BD9-81ED-4DB2-BD59-A6C34878D82A}">
+                    <a16:rowId xmlns:a16="http://schemas.microsoft.com/office/drawing/2014/main" val="775865500"/>
+                  </a:ext>
+                </a:extLst>
+              </a:tr>
+              <a:tr h="370840">
+                <a:tc>
+                  <a:txBody>
+                    <a:bodyPr/>
+                    <a:lstStyle/>
+                    <a:p>
+                      <a:pPr algn="ctr"/>
+                      <a:r>
+                        <a:rPr lang="en-US" dirty="0"/>
+                        <a:t>Both</a:t>
+                      </a:r>
+                    </a:p>
+                  </a:txBody>
+                  <a:tcPr/>
+                </a:tc>
+                <a:tc>
+                  <a:txBody>
+                    <a:bodyPr/>
+                    <a:lstStyle/>
+                    <a:p>
+                      <a:pPr algn="ctr"/>
+                      <a:r>
+                        <a:rPr lang="en-US" dirty="0"/>
+                        <a:t>None</a:t>
+                      </a:r>
+                    </a:p>
+                  </a:txBody>
+                  <a:tcPr/>
+                </a:tc>
+                <a:tc>
+                  <a:txBody>
+                    <a:bodyPr/>
+                    <a:lstStyle/>
+                    <a:p>
+                      <a:pPr algn="ctr"/>
+                      <a:r>
+                        <a:rPr lang="en-US" dirty="0"/>
+                        <a:t>NS</a:t>
+                      </a:r>
+                    </a:p>
+                  </a:txBody>
+                  <a:tcPr/>
+                </a:tc>
+                <a:tc>
+                  <a:txBody>
+                    <a:bodyPr/>
+                    <a:lstStyle/>
+                    <a:p>
+                      <a:pPr algn="ctr"/>
+                      <a:r>
+                        <a:rPr lang="en-US" dirty="0"/>
+                        <a:t>EW</a:t>
+                      </a:r>
+                    </a:p>
+                  </a:txBody>
+                  <a:tcPr/>
+                </a:tc>
+                <a:extLst>
+                  <a:ext uri="{0D108BD9-81ED-4DB2-BD59-A6C34878D82A}">
+                    <a16:rowId xmlns:a16="http://schemas.microsoft.com/office/drawing/2014/main" val="2448531068"/>
+                  </a:ext>
+                </a:extLst>
+              </a:tr>
+            </a:tbl>
+          </a:graphicData>
+        </a:graphic>
+      </p:graphicFrame>
+    </p:spTree>
+    <p:extLst>
+      <p:ext uri="{BB962C8B-B14F-4D97-AF65-F5344CB8AC3E}">
+        <p14:creationId xmlns:p14="http://schemas.microsoft.com/office/powerpoint/2010/main" val="191580988"/>
+      </p:ext>
+    </p:extLst>
+  </p:cSld>
+  <p:clrMapOvr>
+    <a:masterClrMapping/>
+  </p:clrMapOvr>
+</p:sld>
+</file>
+
+<file path=ppt/slides/slide16.xml><?xml version="1.0" encoding="utf-8"?>
 <p:sld xmlns:a="http://schemas.openxmlformats.org/drawingml/2006/main" xmlns:r="http://schemas.openxmlformats.org/officeDocument/2006/relationships" xmlns:p="http://schemas.openxmlformats.org/presentationml/2006/main">
   <p:cSld>
     <p:spTree>
@@ -5787,7 +6581,96 @@
 </p:sld>
 </file>
 
-<file path=ppt/slides/slide16.xml><?xml version="1.0" encoding="utf-8"?>
+<file path=ppt/slides/slide17.xml><?xml version="1.0" encoding="utf-8"?>
+<p:sld xmlns:a="http://schemas.openxmlformats.org/drawingml/2006/main" xmlns:r="http://schemas.openxmlformats.org/officeDocument/2006/relationships" xmlns:p="http://schemas.openxmlformats.org/presentationml/2006/main">
+  <p:cSld>
+    <p:spTree>
+      <p:nvGrpSpPr>
+        <p:cNvPr id="1" name="">
+          <a:extLst>
+            <a:ext uri="{FF2B5EF4-FFF2-40B4-BE49-F238E27FC236}">
+              <a16:creationId xmlns:a16="http://schemas.microsoft.com/office/drawing/2014/main" id="{D0D62FB1-5851-7CBC-4D6C-6FAC5BF99103}"/>
+            </a:ext>
+          </a:extLst>
+        </p:cNvPr>
+        <p:cNvGrpSpPr/>
+        <p:nvPr/>
+      </p:nvGrpSpPr>
+      <p:grpSpPr>
+        <a:xfrm>
+          <a:off x="0" y="0"/>
+          <a:ext cx="0" cy="0"/>
+          <a:chOff x="0" y="0"/>
+          <a:chExt cx="0" cy="0"/>
+        </a:xfrm>
+      </p:grpSpPr>
+      <p:sp>
+        <p:nvSpPr>
+          <p:cNvPr id="2" name="Title 1">
+            <a:extLst>
+              <a:ext uri="{FF2B5EF4-FFF2-40B4-BE49-F238E27FC236}">
+                <a16:creationId xmlns:a16="http://schemas.microsoft.com/office/drawing/2014/main" id="{DCB780DC-A2DF-3F94-D435-605704A10F47}"/>
+              </a:ext>
+            </a:extLst>
+          </p:cNvPr>
+          <p:cNvSpPr>
+            <a:spLocks noGrp="1"/>
+          </p:cNvSpPr>
+          <p:nvPr>
+            <p:ph type="title"/>
+          </p:nvPr>
+        </p:nvSpPr>
+        <p:spPr/>
+        <p:txBody>
+          <a:bodyPr/>
+          <a:lstStyle/>
+          <a:p>
+            <a:r>
+              <a:rPr lang="en-US" dirty="0"/>
+              <a:t>Bidding</a:t>
+            </a:r>
+          </a:p>
+        </p:txBody>
+      </p:sp>
+      <p:sp>
+        <p:nvSpPr>
+          <p:cNvPr id="4" name="Text Placeholder 3">
+            <a:extLst>
+              <a:ext uri="{FF2B5EF4-FFF2-40B4-BE49-F238E27FC236}">
+                <a16:creationId xmlns:a16="http://schemas.microsoft.com/office/drawing/2014/main" id="{EC629B14-E65A-2C36-B45B-F70A9196147A}"/>
+              </a:ext>
+            </a:extLst>
+          </p:cNvPr>
+          <p:cNvSpPr>
+            <a:spLocks noGrp="1"/>
+          </p:cNvSpPr>
+          <p:nvPr>
+            <p:ph type="body" idx="1"/>
+          </p:nvPr>
+        </p:nvSpPr>
+        <p:spPr/>
+        <p:txBody>
+          <a:bodyPr/>
+          <a:lstStyle/>
+          <a:p>
+            <a:endParaRPr lang="en-US"/>
+          </a:p>
+        </p:txBody>
+      </p:sp>
+    </p:spTree>
+    <p:extLst>
+      <p:ext uri="{BB962C8B-B14F-4D97-AF65-F5344CB8AC3E}">
+        <p14:creationId xmlns:p14="http://schemas.microsoft.com/office/powerpoint/2010/main" val="3081897079"/>
+      </p:ext>
+    </p:extLst>
+  </p:cSld>
+  <p:clrMapOvr>
+    <a:masterClrMapping/>
+  </p:clrMapOvr>
+</p:sld>
+</file>
+
+<file path=ppt/slides/slide18.xml><?xml version="1.0" encoding="utf-8"?>
 <p:sld xmlns:a="http://schemas.openxmlformats.org/drawingml/2006/main" xmlns:r="http://schemas.openxmlformats.org/officeDocument/2006/relationships" xmlns:p="http://schemas.openxmlformats.org/presentationml/2006/main">
   <p:cSld>
     <p:spTree>
@@ -5809,6 +6692,641 @@
           <p:cNvPr id="2" name="Title 1">
             <a:extLst>
               <a:ext uri="{FF2B5EF4-FFF2-40B4-BE49-F238E27FC236}">
+                <a16:creationId xmlns:a16="http://schemas.microsoft.com/office/drawing/2014/main" id="{B08A2913-1E7D-49E7-9D52-8DE618890733}"/>
+              </a:ext>
+            </a:extLst>
+          </p:cNvPr>
+          <p:cNvSpPr>
+            <a:spLocks noGrp="1"/>
+          </p:cNvSpPr>
+          <p:nvPr>
+            <p:ph type="title"/>
+          </p:nvPr>
+        </p:nvSpPr>
+        <p:spPr/>
+        <p:txBody>
+          <a:bodyPr/>
+          <a:lstStyle/>
+          <a:p>
+            <a:r>
+              <a:rPr lang="en-US" dirty="0"/>
+              <a:t>“Natural” is a set of logic, not a system</a:t>
+            </a:r>
+            <a:br>
+              <a:rPr lang="en-US" dirty="0"/>
+            </a:br>
+            <a:r>
+              <a:rPr lang="en-US" sz="2800" dirty="0"/>
+              <a:t>(Originally by Charles Goren)</a:t>
+            </a:r>
+          </a:p>
+        </p:txBody>
+      </p:sp>
+      <p:sp>
+        <p:nvSpPr>
+          <p:cNvPr id="3" name="Content Placeholder 2">
+            <a:extLst>
+              <a:ext uri="{FF2B5EF4-FFF2-40B4-BE49-F238E27FC236}">
+                <a16:creationId xmlns:a16="http://schemas.microsoft.com/office/drawing/2014/main" id="{C636648D-6756-902C-5865-F27FE17AA538}"/>
+              </a:ext>
+            </a:extLst>
+          </p:cNvPr>
+          <p:cNvSpPr>
+            <a:spLocks noGrp="1"/>
+          </p:cNvSpPr>
+          <p:nvPr>
+            <p:ph idx="1"/>
+          </p:nvPr>
+        </p:nvSpPr>
+        <p:spPr>
+          <a:xfrm>
+            <a:off x="838200" y="1825625"/>
+            <a:ext cx="10009909" cy="4351338"/>
+          </a:xfrm>
+        </p:spPr>
+        <p:txBody>
+          <a:bodyPr>
+            <a:normAutofit lnSpcReduction="10000"/>
+          </a:bodyPr>
+          <a:lstStyle/>
+          <a:p>
+            <a:r>
+              <a:rPr lang="en-US" dirty="0"/>
+              <a:t>Bid is ”strength and/or length”</a:t>
+            </a:r>
+          </a:p>
+          <a:p>
+            <a:r>
+              <a:rPr lang="en-US" dirty="0"/>
+              <a:t>Keep the algorithm in mind</a:t>
+            </a:r>
+          </a:p>
+          <a:p>
+            <a:pPr lvl="1"/>
+            <a:r>
+              <a:rPr lang="en-US" dirty="0"/>
+              <a:t>“Why didn’t partner bid that?”</a:t>
+            </a:r>
+          </a:p>
+          <a:p>
+            <a:r>
+              <a:rPr lang="en-US" dirty="0"/>
+              <a:t>New suit means:</a:t>
+            </a:r>
+          </a:p>
+          <a:p>
+            <a:pPr lvl="1"/>
+            <a:r>
+              <a:rPr lang="en-US" dirty="0"/>
+              <a:t>“Control and strength”, If trump suit agreed</a:t>
+            </a:r>
+          </a:p>
+          <a:p>
+            <a:pPr lvl="1"/>
+            <a:r>
+              <a:rPr lang="en-US" dirty="0"/>
+              <a:t>“2</a:t>
+            </a:r>
+            <a:r>
+              <a:rPr lang="en-US" baseline="30000" dirty="0"/>
+              <a:t>nd</a:t>
+            </a:r>
+            <a:r>
+              <a:rPr lang="en-US" dirty="0"/>
+              <a:t> best suit” otherwise</a:t>
+            </a:r>
+          </a:p>
+          <a:p>
+            <a:pPr lvl="1"/>
+            <a:r>
+              <a:rPr lang="en-US" dirty="0"/>
+              <a:t>Usually forcing (that you cannot pass)</a:t>
+            </a:r>
+          </a:p>
+          <a:p>
+            <a:r>
+              <a:rPr lang="en-US" dirty="0"/>
+              <a:t>Jump to express extra strength</a:t>
+            </a:r>
+          </a:p>
+          <a:p>
+            <a:pPr lvl="1"/>
+            <a:r>
+              <a:rPr lang="en-US" dirty="0"/>
+              <a:t>Usually also forcing</a:t>
+            </a:r>
+          </a:p>
+          <a:p>
+            <a:r>
+              <a:rPr lang="en-US" dirty="0"/>
+              <a:t>Otherwise, “retreat to same suit or NT”</a:t>
+            </a:r>
+          </a:p>
+        </p:txBody>
+      </p:sp>
+    </p:spTree>
+    <p:extLst>
+      <p:ext uri="{BB962C8B-B14F-4D97-AF65-F5344CB8AC3E}">
+        <p14:creationId xmlns:p14="http://schemas.microsoft.com/office/powerpoint/2010/main" val="3446700826"/>
+      </p:ext>
+    </p:extLst>
+  </p:cSld>
+  <p:clrMapOvr>
+    <a:masterClrMapping/>
+  </p:clrMapOvr>
+</p:sld>
+</file>
+
+<file path=ppt/slides/slide19.xml><?xml version="1.0" encoding="utf-8"?>
+<p:sld xmlns:a="http://schemas.openxmlformats.org/drawingml/2006/main" xmlns:r="http://schemas.openxmlformats.org/officeDocument/2006/relationships" xmlns:p="http://schemas.openxmlformats.org/presentationml/2006/main">
+  <p:cSld>
+    <p:spTree>
+      <p:nvGrpSpPr>
+        <p:cNvPr id="1" name=""/>
+        <p:cNvGrpSpPr/>
+        <p:nvPr/>
+      </p:nvGrpSpPr>
+      <p:grpSpPr>
+        <a:xfrm>
+          <a:off x="0" y="0"/>
+          <a:ext cx="0" cy="0"/>
+          <a:chOff x="0" y="0"/>
+          <a:chExt cx="0" cy="0"/>
+        </a:xfrm>
+      </p:grpSpPr>
+      <p:sp>
+        <p:nvSpPr>
+          <p:cNvPr id="2" name="Title 1">
+            <a:extLst>
+              <a:ext uri="{FF2B5EF4-FFF2-40B4-BE49-F238E27FC236}">
+                <a16:creationId xmlns:a16="http://schemas.microsoft.com/office/drawing/2014/main" id="{76D21420-F354-025B-9507-197D69DEF0F7}"/>
+              </a:ext>
+            </a:extLst>
+          </p:cNvPr>
+          <p:cNvSpPr>
+            <a:spLocks noGrp="1"/>
+          </p:cNvSpPr>
+          <p:nvPr>
+            <p:ph type="title"/>
+          </p:nvPr>
+        </p:nvSpPr>
+        <p:spPr/>
+        <p:txBody>
+          <a:bodyPr/>
+          <a:lstStyle/>
+          <a:p>
+            <a:r>
+              <a:rPr lang="en-US" dirty="0"/>
+              <a:t>Opening Bid</a:t>
+            </a:r>
+          </a:p>
+        </p:txBody>
+      </p:sp>
+      <p:sp>
+        <p:nvSpPr>
+          <p:cNvPr id="3" name="Content Placeholder 2">
+            <a:extLst>
+              <a:ext uri="{FF2B5EF4-FFF2-40B4-BE49-F238E27FC236}">
+                <a16:creationId xmlns:a16="http://schemas.microsoft.com/office/drawing/2014/main" id="{52BEB4D7-F266-9676-CDF9-9D2D1D6FAF10}"/>
+              </a:ext>
+            </a:extLst>
+          </p:cNvPr>
+          <p:cNvSpPr>
+            <a:spLocks noGrp="1"/>
+          </p:cNvSpPr>
+          <p:nvPr>
+            <p:ph idx="1"/>
+          </p:nvPr>
+        </p:nvSpPr>
+        <p:spPr/>
+        <p:txBody>
+          <a:bodyPr>
+            <a:normAutofit fontScale="92500" lnSpcReduction="10000"/>
+          </a:bodyPr>
+          <a:lstStyle/>
+          <a:p>
+            <a:pPr marL="0" indent="0">
+              <a:buNone/>
+            </a:pPr>
+            <a:r>
+              <a:rPr lang="en-US" dirty="0"/>
+              <a:t>#1: 12~21HCP, 5+ cards, bid 1S or 1H</a:t>
+            </a:r>
+          </a:p>
+          <a:p>
+            <a:pPr marL="0" indent="0">
+              <a:buNone/>
+            </a:pPr>
+            <a:r>
+              <a:rPr lang="en-US" dirty="0"/>
+              <a:t>#2: 15~17HCP, “Balanced”, bid 1NT</a:t>
+            </a:r>
+          </a:p>
+          <a:p>
+            <a:pPr marL="457200" lvl="1" indent="0">
+              <a:buNone/>
+            </a:pPr>
+            <a:r>
+              <a:rPr lang="en-US" dirty="0"/>
+              <a:t>#2.1 20~21HCP, Balanced, 2NT</a:t>
+            </a:r>
+          </a:p>
+          <a:p>
+            <a:pPr marL="457200" lvl="1" indent="0">
+              <a:buNone/>
+            </a:pPr>
+            <a:r>
+              <a:rPr lang="en-US" dirty="0"/>
+              <a:t>#2.2 25~27HCP, Balanced, 3NT</a:t>
+            </a:r>
+          </a:p>
+          <a:p>
+            <a:pPr marL="0" indent="0">
+              <a:buNone/>
+            </a:pPr>
+            <a:r>
+              <a:rPr lang="en-US" dirty="0"/>
+              <a:t>#3: 22+HCP, bid “2C” (Strong 2C convention, not natural)</a:t>
+            </a:r>
+          </a:p>
+          <a:p>
+            <a:pPr marL="0" indent="0">
+              <a:buNone/>
+            </a:pPr>
+            <a:r>
+              <a:rPr lang="en-US" dirty="0"/>
+              <a:t>#4: ”Better minor”</a:t>
+            </a:r>
+          </a:p>
+          <a:p>
+            <a:pPr marL="457200" lvl="1" indent="0">
+              <a:buNone/>
+            </a:pPr>
+            <a:r>
+              <a:rPr lang="en-US" dirty="0"/>
+              <a:t>Could be only 3 cards, therefore almost forcing</a:t>
+            </a:r>
+          </a:p>
+          <a:p>
+            <a:pPr marL="0" indent="0">
+              <a:buNone/>
+            </a:pPr>
+            <a:r>
+              <a:rPr lang="en-US" dirty="0"/>
+              <a:t>#5: Preemptive (length against strength)</a:t>
+            </a:r>
+          </a:p>
+          <a:p>
+            <a:pPr marL="457200" lvl="1" indent="0">
+              <a:buNone/>
+            </a:pPr>
+            <a:r>
+              <a:rPr lang="en-US" dirty="0"/>
+              <a:t>6+ cards with 1+ honors, 5~11HCP</a:t>
+            </a:r>
+          </a:p>
+          <a:p>
+            <a:pPr marL="914400" lvl="2" indent="0">
+              <a:buNone/>
+            </a:pPr>
+            <a:r>
+              <a:rPr lang="en-US" dirty="0"/>
+              <a:t>2D, 2H, 2S if 6 cards</a:t>
+            </a:r>
+          </a:p>
+          <a:p>
+            <a:pPr marL="914400" lvl="2" indent="0">
+              <a:buNone/>
+            </a:pPr>
+            <a:r>
+              <a:rPr lang="en-US" dirty="0"/>
+              <a:t>3C, 3D, 3H, 3S if 7+ cards</a:t>
+            </a:r>
+          </a:p>
+        </p:txBody>
+      </p:sp>
+    </p:spTree>
+    <p:extLst>
+      <p:ext uri="{BB962C8B-B14F-4D97-AF65-F5344CB8AC3E}">
+        <p14:creationId xmlns:p14="http://schemas.microsoft.com/office/powerpoint/2010/main" val="4179710372"/>
+      </p:ext>
+    </p:extLst>
+  </p:cSld>
+  <p:clrMapOvr>
+    <a:masterClrMapping/>
+  </p:clrMapOvr>
+</p:sld>
+</file>
+
+<file path=ppt/slides/slide2.xml><?xml version="1.0" encoding="utf-8"?>
+<p:sld xmlns:a="http://schemas.openxmlformats.org/drawingml/2006/main" xmlns:r="http://schemas.openxmlformats.org/officeDocument/2006/relationships" xmlns:p="http://schemas.openxmlformats.org/presentationml/2006/main">
+  <p:cSld>
+    <p:spTree>
+      <p:nvGrpSpPr>
+        <p:cNvPr id="1" name=""/>
+        <p:cNvGrpSpPr/>
+        <p:nvPr/>
+      </p:nvGrpSpPr>
+      <p:grpSpPr>
+        <a:xfrm>
+          <a:off x="0" y="0"/>
+          <a:ext cx="0" cy="0"/>
+          <a:chOff x="0" y="0"/>
+          <a:chExt cx="0" cy="0"/>
+        </a:xfrm>
+      </p:grpSpPr>
+      <p:sp>
+        <p:nvSpPr>
+          <p:cNvPr id="2" name="Title 1">
+            <a:extLst>
+              <a:ext uri="{FF2B5EF4-FFF2-40B4-BE49-F238E27FC236}">
+                <a16:creationId xmlns:a16="http://schemas.microsoft.com/office/drawing/2014/main" id="{17E56C5C-E454-997C-46FA-06976D45742E}"/>
+              </a:ext>
+            </a:extLst>
+          </p:cNvPr>
+          <p:cNvSpPr>
+            <a:spLocks noGrp="1"/>
+          </p:cNvSpPr>
+          <p:nvPr>
+            <p:ph type="title"/>
+          </p:nvPr>
+        </p:nvSpPr>
+        <p:spPr/>
+        <p:txBody>
+          <a:bodyPr/>
+          <a:lstStyle/>
+          <a:p>
+            <a:r>
+              <a:rPr lang="en-US" dirty="0"/>
+              <a:t>Syllabus</a:t>
+            </a:r>
+          </a:p>
+        </p:txBody>
+      </p:sp>
+      <p:sp>
+        <p:nvSpPr>
+          <p:cNvPr id="3" name="Content Placeholder 2">
+            <a:extLst>
+              <a:ext uri="{FF2B5EF4-FFF2-40B4-BE49-F238E27FC236}">
+                <a16:creationId xmlns:a16="http://schemas.microsoft.com/office/drawing/2014/main" id="{9840AA7B-24C6-0DE5-F267-19C6E8873BB3}"/>
+              </a:ext>
+            </a:extLst>
+          </p:cNvPr>
+          <p:cNvSpPr>
+            <a:spLocks noGrp="1"/>
+          </p:cNvSpPr>
+          <p:nvPr>
+            <p:ph idx="1"/>
+          </p:nvPr>
+        </p:nvSpPr>
+        <p:spPr>
+          <a:xfrm>
+            <a:off x="838200" y="1838877"/>
+            <a:ext cx="10515600" cy="4351338"/>
+          </a:xfrm>
+        </p:spPr>
+        <p:txBody>
+          <a:bodyPr/>
+          <a:lstStyle/>
+          <a:p>
+            <a:r>
+              <a:rPr lang="en-US" dirty="0"/>
+              <a:t>Brief Overview</a:t>
+            </a:r>
+          </a:p>
+          <a:p>
+            <a:r>
+              <a:rPr lang="en-US" dirty="0"/>
+              <a:t>Hand Evaluation</a:t>
+            </a:r>
+          </a:p>
+          <a:p>
+            <a:r>
+              <a:rPr lang="en-US" dirty="0"/>
+              <a:t>Scoring Overview</a:t>
+            </a:r>
+          </a:p>
+          <a:p>
+            <a:r>
+              <a:rPr lang="en-US" dirty="0"/>
+              <a:t>Basic “Suit Play”</a:t>
+            </a:r>
+          </a:p>
+          <a:p>
+            <a:r>
+              <a:rPr lang="en-US" dirty="0"/>
+              <a:t>”Natural” concepts</a:t>
+            </a:r>
+          </a:p>
+          <a:p>
+            <a:r>
+              <a:rPr lang="en-US" dirty="0"/>
+              <a:t>SAYC (Standard American Yellow Card)</a:t>
+            </a:r>
+          </a:p>
+        </p:txBody>
+      </p:sp>
+    </p:spTree>
+    <p:extLst>
+      <p:ext uri="{BB962C8B-B14F-4D97-AF65-F5344CB8AC3E}">
+        <p14:creationId xmlns:p14="http://schemas.microsoft.com/office/powerpoint/2010/main" val="2900992513"/>
+      </p:ext>
+    </p:extLst>
+  </p:cSld>
+  <p:clrMapOvr>
+    <a:masterClrMapping/>
+  </p:clrMapOvr>
+</p:sld>
+</file>
+
+<file path=ppt/slides/slide20.xml><?xml version="1.0" encoding="utf-8"?>
+<p:sld xmlns:a="http://schemas.openxmlformats.org/drawingml/2006/main" xmlns:r="http://schemas.openxmlformats.org/officeDocument/2006/relationships" xmlns:p="http://schemas.openxmlformats.org/presentationml/2006/main">
+  <p:cSld>
+    <p:spTree>
+      <p:nvGrpSpPr>
+        <p:cNvPr id="1" name=""/>
+        <p:cNvGrpSpPr/>
+        <p:nvPr/>
+      </p:nvGrpSpPr>
+      <p:grpSpPr>
+        <a:xfrm>
+          <a:off x="0" y="0"/>
+          <a:ext cx="0" cy="0"/>
+          <a:chOff x="0" y="0"/>
+          <a:chExt cx="0" cy="0"/>
+        </a:xfrm>
+      </p:grpSpPr>
+      <p:sp>
+        <p:nvSpPr>
+          <p:cNvPr id="4" name="Title 3">
+            <a:extLst>
+              <a:ext uri="{FF2B5EF4-FFF2-40B4-BE49-F238E27FC236}">
+                <a16:creationId xmlns:a16="http://schemas.microsoft.com/office/drawing/2014/main" id="{897404C3-58E6-B3A4-C1D1-EAAB132C85D8}"/>
+              </a:ext>
+            </a:extLst>
+          </p:cNvPr>
+          <p:cNvSpPr>
+            <a:spLocks noGrp="1"/>
+          </p:cNvSpPr>
+          <p:nvPr>
+            <p:ph type="title"/>
+          </p:nvPr>
+        </p:nvSpPr>
+        <p:spPr/>
+        <p:txBody>
+          <a:bodyPr/>
+          <a:lstStyle/>
+          <a:p>
+            <a:r>
+              <a:rPr lang="en-US" dirty="0"/>
+              <a:t>Practice Open Bid</a:t>
+            </a:r>
+          </a:p>
+        </p:txBody>
+      </p:sp>
+      <p:sp>
+        <p:nvSpPr>
+          <p:cNvPr id="5" name="Text Placeholder 4">
+            <a:extLst>
+              <a:ext uri="{FF2B5EF4-FFF2-40B4-BE49-F238E27FC236}">
+                <a16:creationId xmlns:a16="http://schemas.microsoft.com/office/drawing/2014/main" id="{87EAD8E6-C223-C19B-ADC2-2D5558D3D6F8}"/>
+              </a:ext>
+            </a:extLst>
+          </p:cNvPr>
+          <p:cNvSpPr>
+            <a:spLocks noGrp="1"/>
+          </p:cNvSpPr>
+          <p:nvPr>
+            <p:ph type="body" idx="1"/>
+          </p:nvPr>
+        </p:nvSpPr>
+        <p:spPr/>
+        <p:txBody>
+          <a:bodyPr/>
+          <a:lstStyle/>
+          <a:p>
+            <a:endParaRPr lang="en-US"/>
+          </a:p>
+        </p:txBody>
+      </p:sp>
+    </p:spTree>
+    <p:extLst>
+      <p:ext uri="{BB962C8B-B14F-4D97-AF65-F5344CB8AC3E}">
+        <p14:creationId xmlns:p14="http://schemas.microsoft.com/office/powerpoint/2010/main" val="3480652048"/>
+      </p:ext>
+    </p:extLst>
+  </p:cSld>
+  <p:clrMapOvr>
+    <a:masterClrMapping/>
+  </p:clrMapOvr>
+</p:sld>
+</file>
+
+<file path=ppt/slides/slide21.xml><?xml version="1.0" encoding="utf-8"?>
+<p:sld xmlns:a="http://schemas.openxmlformats.org/drawingml/2006/main" xmlns:r="http://schemas.openxmlformats.org/officeDocument/2006/relationships" xmlns:p="http://schemas.openxmlformats.org/presentationml/2006/main">
+  <p:cSld>
+    <p:spTree>
+      <p:nvGrpSpPr>
+        <p:cNvPr id="1" name=""/>
+        <p:cNvGrpSpPr/>
+        <p:nvPr/>
+      </p:nvGrpSpPr>
+      <p:grpSpPr>
+        <a:xfrm>
+          <a:off x="0" y="0"/>
+          <a:ext cx="0" cy="0"/>
+          <a:chOff x="0" y="0"/>
+          <a:chExt cx="0" cy="0"/>
+        </a:xfrm>
+      </p:grpSpPr>
+      <p:sp>
+        <p:nvSpPr>
+          <p:cNvPr id="2" name="Title 1">
+            <a:extLst>
+              <a:ext uri="{FF2B5EF4-FFF2-40B4-BE49-F238E27FC236}">
+                <a16:creationId xmlns:a16="http://schemas.microsoft.com/office/drawing/2014/main" id="{0B8C980B-6A16-B9B6-28B5-46DE4A0005E4}"/>
+              </a:ext>
+            </a:extLst>
+          </p:cNvPr>
+          <p:cNvSpPr>
+            <a:spLocks noGrp="1"/>
+          </p:cNvSpPr>
+          <p:nvPr>
+            <p:ph type="title"/>
+          </p:nvPr>
+        </p:nvSpPr>
+        <p:spPr/>
+        <p:txBody>
+          <a:bodyPr/>
+          <a:lstStyle/>
+          <a:p>
+            <a:r>
+              <a:rPr lang="en-US" dirty="0"/>
+              <a:t>More on Scoring</a:t>
+            </a:r>
+          </a:p>
+        </p:txBody>
+      </p:sp>
+      <p:sp>
+        <p:nvSpPr>
+          <p:cNvPr id="3" name="Text Placeholder 2">
+            <a:extLst>
+              <a:ext uri="{FF2B5EF4-FFF2-40B4-BE49-F238E27FC236}">
+                <a16:creationId xmlns:a16="http://schemas.microsoft.com/office/drawing/2014/main" id="{1D02BF1A-DA78-D4F2-0ECF-A800AC0B945F}"/>
+              </a:ext>
+            </a:extLst>
+          </p:cNvPr>
+          <p:cNvSpPr>
+            <a:spLocks noGrp="1"/>
+          </p:cNvSpPr>
+          <p:nvPr>
+            <p:ph type="body" idx="1"/>
+          </p:nvPr>
+        </p:nvSpPr>
+        <p:spPr/>
+        <p:txBody>
+          <a:bodyPr/>
+          <a:lstStyle/>
+          <a:p>
+            <a:endParaRPr lang="en-US"/>
+          </a:p>
+        </p:txBody>
+      </p:sp>
+    </p:spTree>
+    <p:extLst>
+      <p:ext uri="{BB962C8B-B14F-4D97-AF65-F5344CB8AC3E}">
+        <p14:creationId xmlns:p14="http://schemas.microsoft.com/office/powerpoint/2010/main" val="560379259"/>
+      </p:ext>
+    </p:extLst>
+  </p:cSld>
+  <p:clrMapOvr>
+    <a:masterClrMapping/>
+  </p:clrMapOvr>
+</p:sld>
+</file>
+
+<file path=ppt/slides/slide22.xml><?xml version="1.0" encoding="utf-8"?>
+<p:sld xmlns:a="http://schemas.openxmlformats.org/drawingml/2006/main" xmlns:r="http://schemas.openxmlformats.org/officeDocument/2006/relationships" xmlns:p="http://schemas.openxmlformats.org/presentationml/2006/main">
+  <p:cSld>
+    <p:spTree>
+      <p:nvGrpSpPr>
+        <p:cNvPr id="1" name=""/>
+        <p:cNvGrpSpPr/>
+        <p:nvPr/>
+      </p:nvGrpSpPr>
+      <p:grpSpPr>
+        <a:xfrm>
+          <a:off x="0" y="0"/>
+          <a:ext cx="0" cy="0"/>
+          <a:chOff x="0" y="0"/>
+          <a:chExt cx="0" cy="0"/>
+        </a:xfrm>
+      </p:grpSpPr>
+      <p:sp>
+        <p:nvSpPr>
+          <p:cNvPr id="2" name="Title 1">
+            <a:extLst>
+              <a:ext uri="{FF2B5EF4-FFF2-40B4-BE49-F238E27FC236}">
                 <a16:creationId xmlns:a16="http://schemas.microsoft.com/office/drawing/2014/main" id="{839F6AC2-3FC6-BB8A-8F9B-A3DCD8A78D05}"/>
               </a:ext>
             </a:extLst>
@@ -5909,7 +7427,7 @@
 </p:sld>
 </file>
 
-<file path=ppt/slides/slide17.xml><?xml version="1.0" encoding="utf-8"?>
+<file path=ppt/slides/slide23.xml><?xml version="1.0" encoding="utf-8"?>
 <p:sld xmlns:a="http://schemas.openxmlformats.org/drawingml/2006/main" xmlns:r="http://schemas.openxmlformats.org/officeDocument/2006/relationships" xmlns:p="http://schemas.openxmlformats.org/presentationml/2006/main">
   <p:cSld>
     <p:spTree>
@@ -6790,7 +8308,7 @@
 </p:sld>
 </file>
 
-<file path=ppt/slides/slide18.xml><?xml version="1.0" encoding="utf-8"?>
+<file path=ppt/slides/slide24.xml><?xml version="1.0" encoding="utf-8"?>
 <p:sld xmlns:a="http://schemas.openxmlformats.org/drawingml/2006/main" xmlns:r="http://schemas.openxmlformats.org/officeDocument/2006/relationships" xmlns:p="http://schemas.openxmlformats.org/presentationml/2006/main">
   <p:cSld>
     <p:spTree>
@@ -8039,7 +9557,7 @@
 </p:sld>
 </file>
 
-<file path=ppt/slides/slide19.xml><?xml version="1.0" encoding="utf-8"?>
+<file path=ppt/slides/slide25.xml><?xml version="1.0" encoding="utf-8"?>
 <p:sld xmlns:a="http://schemas.openxmlformats.org/drawingml/2006/main" xmlns:r="http://schemas.openxmlformats.org/officeDocument/2006/relationships" xmlns:p="http://schemas.openxmlformats.org/presentationml/2006/main">
   <p:cSld>
     <p:spTree>
@@ -8145,7 +9663,7 @@
 </p:sld>
 </file>
 
-<file path=ppt/slides/slide2.xml><?xml version="1.0" encoding="utf-8"?>
+<file path=ppt/slides/slide26.xml><?xml version="1.0" encoding="utf-8"?>
 <p:sld xmlns:a="http://schemas.openxmlformats.org/drawingml/2006/main" xmlns:r="http://schemas.openxmlformats.org/officeDocument/2006/relationships" xmlns:p="http://schemas.openxmlformats.org/presentationml/2006/main">
   <p:cSld>
     <p:spTree>
@@ -8167,127 +9685,6 @@
           <p:cNvPr id="2" name="Title 1">
             <a:extLst>
               <a:ext uri="{FF2B5EF4-FFF2-40B4-BE49-F238E27FC236}">
-                <a16:creationId xmlns:a16="http://schemas.microsoft.com/office/drawing/2014/main" id="{17E56C5C-E454-997C-46FA-06976D45742E}"/>
-              </a:ext>
-            </a:extLst>
-          </p:cNvPr>
-          <p:cNvSpPr>
-            <a:spLocks noGrp="1"/>
-          </p:cNvSpPr>
-          <p:nvPr>
-            <p:ph type="title"/>
-          </p:nvPr>
-        </p:nvSpPr>
-        <p:spPr/>
-        <p:txBody>
-          <a:bodyPr/>
-          <a:lstStyle/>
-          <a:p>
-            <a:r>
-              <a:rPr lang="en-US" dirty="0"/>
-              <a:t>Syllabus</a:t>
-            </a:r>
-          </a:p>
-        </p:txBody>
-      </p:sp>
-      <p:sp>
-        <p:nvSpPr>
-          <p:cNvPr id="3" name="Content Placeholder 2">
-            <a:extLst>
-              <a:ext uri="{FF2B5EF4-FFF2-40B4-BE49-F238E27FC236}">
-                <a16:creationId xmlns:a16="http://schemas.microsoft.com/office/drawing/2014/main" id="{9840AA7B-24C6-0DE5-F267-19C6E8873BB3}"/>
-              </a:ext>
-            </a:extLst>
-          </p:cNvPr>
-          <p:cNvSpPr>
-            <a:spLocks noGrp="1"/>
-          </p:cNvSpPr>
-          <p:nvPr>
-            <p:ph idx="1"/>
-          </p:nvPr>
-        </p:nvSpPr>
-        <p:spPr>
-          <a:xfrm>
-            <a:off x="838200" y="1838877"/>
-            <a:ext cx="10515600" cy="4351338"/>
-          </a:xfrm>
-        </p:spPr>
-        <p:txBody>
-          <a:bodyPr/>
-          <a:lstStyle/>
-          <a:p>
-            <a:r>
-              <a:rPr lang="en-US" dirty="0"/>
-              <a:t>Brief Overview</a:t>
-            </a:r>
-          </a:p>
-          <a:p>
-            <a:r>
-              <a:rPr lang="en-US" dirty="0"/>
-              <a:t>Hand Evaluation</a:t>
-            </a:r>
-          </a:p>
-          <a:p>
-            <a:r>
-              <a:rPr lang="en-US" dirty="0"/>
-              <a:t>Scoring Overview</a:t>
-            </a:r>
-          </a:p>
-          <a:p>
-            <a:r>
-              <a:rPr lang="en-US" dirty="0"/>
-              <a:t>Basic “Suit Play”</a:t>
-            </a:r>
-          </a:p>
-          <a:p>
-            <a:r>
-              <a:rPr lang="en-US" dirty="0"/>
-              <a:t>”Natural” concepts</a:t>
-            </a:r>
-          </a:p>
-          <a:p>
-            <a:r>
-              <a:rPr lang="en-US" dirty="0"/>
-              <a:t>SAYC (Standard American Yellow Card)</a:t>
-            </a:r>
-          </a:p>
-        </p:txBody>
-      </p:sp>
-    </p:spTree>
-    <p:extLst>
-      <p:ext uri="{BB962C8B-B14F-4D97-AF65-F5344CB8AC3E}">
-        <p14:creationId xmlns:p14="http://schemas.microsoft.com/office/powerpoint/2010/main" val="2900992513"/>
-      </p:ext>
-    </p:extLst>
-  </p:cSld>
-  <p:clrMapOvr>
-    <a:masterClrMapping/>
-  </p:clrMapOvr>
-</p:sld>
-</file>
-
-<file path=ppt/slides/slide20.xml><?xml version="1.0" encoding="utf-8"?>
-<p:sld xmlns:a="http://schemas.openxmlformats.org/drawingml/2006/main" xmlns:r="http://schemas.openxmlformats.org/officeDocument/2006/relationships" xmlns:p="http://schemas.openxmlformats.org/presentationml/2006/main">
-  <p:cSld>
-    <p:spTree>
-      <p:nvGrpSpPr>
-        <p:cNvPr id="1" name=""/>
-        <p:cNvGrpSpPr/>
-        <p:nvPr/>
-      </p:nvGrpSpPr>
-      <p:grpSpPr>
-        <a:xfrm>
-          <a:off x="0" y="0"/>
-          <a:ext cx="0" cy="0"/>
-          <a:chOff x="0" y="0"/>
-          <a:chExt cx="0" cy="0"/>
-        </a:xfrm>
-      </p:grpSpPr>
-      <p:sp>
-        <p:nvSpPr>
-          <p:cNvPr id="2" name="Title 1">
-            <a:extLst>
-              <a:ext uri="{FF2B5EF4-FFF2-40B4-BE49-F238E27FC236}">
                 <a16:creationId xmlns:a16="http://schemas.microsoft.com/office/drawing/2014/main" id="{43C9BD83-8252-CE98-681F-C1F4464020B2}"/>
               </a:ext>
             </a:extLst>
@@ -8376,444 +9773,7 @@
 </p:sld>
 </file>
 
-<file path=ppt/slides/slide21.xml><?xml version="1.0" encoding="utf-8"?>
-<p:sld xmlns:a="http://schemas.openxmlformats.org/drawingml/2006/main" xmlns:r="http://schemas.openxmlformats.org/officeDocument/2006/relationships" xmlns:p="http://schemas.openxmlformats.org/presentationml/2006/main">
-  <p:cSld>
-    <p:spTree>
-      <p:nvGrpSpPr>
-        <p:cNvPr id="1" name="">
-          <a:extLst>
-            <a:ext uri="{FF2B5EF4-FFF2-40B4-BE49-F238E27FC236}">
-              <a16:creationId xmlns:a16="http://schemas.microsoft.com/office/drawing/2014/main" id="{D0D62FB1-5851-7CBC-4D6C-6FAC5BF99103}"/>
-            </a:ext>
-          </a:extLst>
-        </p:cNvPr>
-        <p:cNvGrpSpPr/>
-        <p:nvPr/>
-      </p:nvGrpSpPr>
-      <p:grpSpPr>
-        <a:xfrm>
-          <a:off x="0" y="0"/>
-          <a:ext cx="0" cy="0"/>
-          <a:chOff x="0" y="0"/>
-          <a:chExt cx="0" cy="0"/>
-        </a:xfrm>
-      </p:grpSpPr>
-      <p:sp>
-        <p:nvSpPr>
-          <p:cNvPr id="2" name="Title 1">
-            <a:extLst>
-              <a:ext uri="{FF2B5EF4-FFF2-40B4-BE49-F238E27FC236}">
-                <a16:creationId xmlns:a16="http://schemas.microsoft.com/office/drawing/2014/main" id="{DCB780DC-A2DF-3F94-D435-605704A10F47}"/>
-              </a:ext>
-            </a:extLst>
-          </p:cNvPr>
-          <p:cNvSpPr>
-            <a:spLocks noGrp="1"/>
-          </p:cNvSpPr>
-          <p:nvPr>
-            <p:ph type="ctrTitle"/>
-          </p:nvPr>
-        </p:nvSpPr>
-        <p:spPr/>
-        <p:txBody>
-          <a:bodyPr/>
-          <a:lstStyle/>
-          <a:p>
-            <a:r>
-              <a:rPr lang="en-US" dirty="0"/>
-              <a:t>Bidding</a:t>
-            </a:r>
-          </a:p>
-        </p:txBody>
-      </p:sp>
-      <p:sp>
-        <p:nvSpPr>
-          <p:cNvPr id="3" name="Subtitle 2">
-            <a:extLst>
-              <a:ext uri="{FF2B5EF4-FFF2-40B4-BE49-F238E27FC236}">
-                <a16:creationId xmlns:a16="http://schemas.microsoft.com/office/drawing/2014/main" id="{1F48C994-D69C-9C8D-65B8-45384A72B28B}"/>
-              </a:ext>
-            </a:extLst>
-          </p:cNvPr>
-          <p:cNvSpPr>
-            <a:spLocks noGrp="1"/>
-          </p:cNvSpPr>
-          <p:nvPr>
-            <p:ph type="subTitle" idx="1"/>
-          </p:nvPr>
-        </p:nvSpPr>
-        <p:spPr/>
-        <p:txBody>
-          <a:bodyPr/>
-          <a:lstStyle/>
-          <a:p>
-            <a:endParaRPr lang="en-US" dirty="0"/>
-          </a:p>
-        </p:txBody>
-      </p:sp>
-    </p:spTree>
-    <p:extLst>
-      <p:ext uri="{BB962C8B-B14F-4D97-AF65-F5344CB8AC3E}">
-        <p14:creationId xmlns:p14="http://schemas.microsoft.com/office/powerpoint/2010/main" val="3081897079"/>
-      </p:ext>
-    </p:extLst>
-  </p:cSld>
-  <p:clrMapOvr>
-    <a:masterClrMapping/>
-  </p:clrMapOvr>
-</p:sld>
-</file>
-
-<file path=ppt/slides/slide22.xml><?xml version="1.0" encoding="utf-8"?>
-<p:sld xmlns:a="http://schemas.openxmlformats.org/drawingml/2006/main" xmlns:r="http://schemas.openxmlformats.org/officeDocument/2006/relationships" xmlns:p="http://schemas.openxmlformats.org/presentationml/2006/main">
-  <p:cSld>
-    <p:spTree>
-      <p:nvGrpSpPr>
-        <p:cNvPr id="1" name=""/>
-        <p:cNvGrpSpPr/>
-        <p:nvPr/>
-      </p:nvGrpSpPr>
-      <p:grpSpPr>
-        <a:xfrm>
-          <a:off x="0" y="0"/>
-          <a:ext cx="0" cy="0"/>
-          <a:chOff x="0" y="0"/>
-          <a:chExt cx="0" cy="0"/>
-        </a:xfrm>
-      </p:grpSpPr>
-      <p:sp>
-        <p:nvSpPr>
-          <p:cNvPr id="2" name="Title 1">
-            <a:extLst>
-              <a:ext uri="{FF2B5EF4-FFF2-40B4-BE49-F238E27FC236}">
-                <a16:creationId xmlns:a16="http://schemas.microsoft.com/office/drawing/2014/main" id="{B08A2913-1E7D-49E7-9D52-8DE618890733}"/>
-              </a:ext>
-            </a:extLst>
-          </p:cNvPr>
-          <p:cNvSpPr>
-            <a:spLocks noGrp="1"/>
-          </p:cNvSpPr>
-          <p:nvPr>
-            <p:ph type="title"/>
-          </p:nvPr>
-        </p:nvSpPr>
-        <p:spPr/>
-        <p:txBody>
-          <a:bodyPr/>
-          <a:lstStyle/>
-          <a:p>
-            <a:r>
-              <a:rPr lang="en-US" dirty="0"/>
-              <a:t>“Natural” is a set of logic, not a system</a:t>
-            </a:r>
-            <a:br>
-              <a:rPr lang="en-US" dirty="0"/>
-            </a:br>
-            <a:r>
-              <a:rPr lang="en-US" sz="2800" dirty="0"/>
-              <a:t>(Originally by Charles Goren)</a:t>
-            </a:r>
-          </a:p>
-        </p:txBody>
-      </p:sp>
-      <p:sp>
-        <p:nvSpPr>
-          <p:cNvPr id="3" name="Content Placeholder 2">
-            <a:extLst>
-              <a:ext uri="{FF2B5EF4-FFF2-40B4-BE49-F238E27FC236}">
-                <a16:creationId xmlns:a16="http://schemas.microsoft.com/office/drawing/2014/main" id="{C636648D-6756-902C-5865-F27FE17AA538}"/>
-              </a:ext>
-            </a:extLst>
-          </p:cNvPr>
-          <p:cNvSpPr>
-            <a:spLocks noGrp="1"/>
-          </p:cNvSpPr>
-          <p:nvPr>
-            <p:ph idx="1"/>
-          </p:nvPr>
-        </p:nvSpPr>
-        <p:spPr>
-          <a:xfrm>
-            <a:off x="838200" y="1825625"/>
-            <a:ext cx="10009909" cy="4351338"/>
-          </a:xfrm>
-        </p:spPr>
-        <p:txBody>
-          <a:bodyPr>
-            <a:normAutofit lnSpcReduction="10000"/>
-          </a:bodyPr>
-          <a:lstStyle/>
-          <a:p>
-            <a:r>
-              <a:rPr lang="en-US" dirty="0"/>
-              <a:t>Bid is ”strength and/or length”</a:t>
-            </a:r>
-          </a:p>
-          <a:p>
-            <a:r>
-              <a:rPr lang="en-US" dirty="0"/>
-              <a:t>Keep the algorithm in mind</a:t>
-            </a:r>
-          </a:p>
-          <a:p>
-            <a:pPr lvl="1"/>
-            <a:r>
-              <a:rPr lang="en-US" dirty="0"/>
-              <a:t>“Why didn’t partner bid that?”</a:t>
-            </a:r>
-          </a:p>
-          <a:p>
-            <a:r>
-              <a:rPr lang="en-US" dirty="0"/>
-              <a:t>New suit means:</a:t>
-            </a:r>
-          </a:p>
-          <a:p>
-            <a:pPr lvl="1"/>
-            <a:r>
-              <a:rPr lang="en-US" dirty="0"/>
-              <a:t>“Control and strength”, If trump suit agreed</a:t>
-            </a:r>
-          </a:p>
-          <a:p>
-            <a:pPr lvl="1"/>
-            <a:r>
-              <a:rPr lang="en-US" dirty="0"/>
-              <a:t>“2</a:t>
-            </a:r>
-            <a:r>
-              <a:rPr lang="en-US" baseline="30000" dirty="0"/>
-              <a:t>nd</a:t>
-            </a:r>
-            <a:r>
-              <a:rPr lang="en-US" dirty="0"/>
-              <a:t> best suit” otherwise</a:t>
-            </a:r>
-          </a:p>
-          <a:p>
-            <a:pPr lvl="1"/>
-            <a:r>
-              <a:rPr lang="en-US" dirty="0"/>
-              <a:t>Usually forcing (that you cannot pass)</a:t>
-            </a:r>
-          </a:p>
-          <a:p>
-            <a:r>
-              <a:rPr lang="en-US" dirty="0"/>
-              <a:t>Jump to express extra strength</a:t>
-            </a:r>
-          </a:p>
-          <a:p>
-            <a:pPr lvl="1"/>
-            <a:r>
-              <a:rPr lang="en-US" dirty="0"/>
-              <a:t>Usually also forcing</a:t>
-            </a:r>
-          </a:p>
-          <a:p>
-            <a:r>
-              <a:rPr lang="en-US" dirty="0"/>
-              <a:t>Otherwise, “retreat to same suit or NT”</a:t>
-            </a:r>
-          </a:p>
-        </p:txBody>
-      </p:sp>
-    </p:spTree>
-    <p:extLst>
-      <p:ext uri="{BB962C8B-B14F-4D97-AF65-F5344CB8AC3E}">
-        <p14:creationId xmlns:p14="http://schemas.microsoft.com/office/powerpoint/2010/main" val="3446700826"/>
-      </p:ext>
-    </p:extLst>
-  </p:cSld>
-  <p:clrMapOvr>
-    <a:masterClrMapping/>
-  </p:clrMapOvr>
-</p:sld>
-</file>
-
-<file path=ppt/slides/slide23.xml><?xml version="1.0" encoding="utf-8"?>
-<p:sld xmlns:a="http://schemas.openxmlformats.org/drawingml/2006/main" xmlns:r="http://schemas.openxmlformats.org/officeDocument/2006/relationships" xmlns:p="http://schemas.openxmlformats.org/presentationml/2006/main">
-  <p:cSld>
-    <p:spTree>
-      <p:nvGrpSpPr>
-        <p:cNvPr id="1" name=""/>
-        <p:cNvGrpSpPr/>
-        <p:nvPr/>
-      </p:nvGrpSpPr>
-      <p:grpSpPr>
-        <a:xfrm>
-          <a:off x="0" y="0"/>
-          <a:ext cx="0" cy="0"/>
-          <a:chOff x="0" y="0"/>
-          <a:chExt cx="0" cy="0"/>
-        </a:xfrm>
-      </p:grpSpPr>
-      <p:sp>
-        <p:nvSpPr>
-          <p:cNvPr id="2" name="Title 1">
-            <a:extLst>
-              <a:ext uri="{FF2B5EF4-FFF2-40B4-BE49-F238E27FC236}">
-                <a16:creationId xmlns:a16="http://schemas.microsoft.com/office/drawing/2014/main" id="{76D21420-F354-025B-9507-197D69DEF0F7}"/>
-              </a:ext>
-            </a:extLst>
-          </p:cNvPr>
-          <p:cNvSpPr>
-            <a:spLocks noGrp="1"/>
-          </p:cNvSpPr>
-          <p:nvPr>
-            <p:ph type="title"/>
-          </p:nvPr>
-        </p:nvSpPr>
-        <p:spPr/>
-        <p:txBody>
-          <a:bodyPr/>
-          <a:lstStyle/>
-          <a:p>
-            <a:r>
-              <a:rPr lang="en-US" dirty="0"/>
-              <a:t>Opening Bid</a:t>
-            </a:r>
-          </a:p>
-        </p:txBody>
-      </p:sp>
-      <p:sp>
-        <p:nvSpPr>
-          <p:cNvPr id="3" name="Content Placeholder 2">
-            <a:extLst>
-              <a:ext uri="{FF2B5EF4-FFF2-40B4-BE49-F238E27FC236}">
-                <a16:creationId xmlns:a16="http://schemas.microsoft.com/office/drawing/2014/main" id="{52BEB4D7-F266-9676-CDF9-9D2D1D6FAF10}"/>
-              </a:ext>
-            </a:extLst>
-          </p:cNvPr>
-          <p:cNvSpPr>
-            <a:spLocks noGrp="1"/>
-          </p:cNvSpPr>
-          <p:nvPr>
-            <p:ph idx="1"/>
-          </p:nvPr>
-        </p:nvSpPr>
-        <p:spPr/>
-        <p:txBody>
-          <a:bodyPr>
-            <a:normAutofit fontScale="92500" lnSpcReduction="10000"/>
-          </a:bodyPr>
-          <a:lstStyle/>
-          <a:p>
-            <a:pPr marL="0" indent="0">
-              <a:buNone/>
-            </a:pPr>
-            <a:r>
-              <a:rPr lang="en-US" dirty="0"/>
-              <a:t>#1: 12~21HCP, 5+ cards, bid 1S or 1H</a:t>
-            </a:r>
-          </a:p>
-          <a:p>
-            <a:pPr marL="0" indent="0">
-              <a:buNone/>
-            </a:pPr>
-            <a:r>
-              <a:rPr lang="en-US" dirty="0"/>
-              <a:t>#2: 15~17HCP, “Balanced”, bid 1NT</a:t>
-            </a:r>
-          </a:p>
-          <a:p>
-            <a:pPr marL="457200" lvl="1" indent="0">
-              <a:buNone/>
-            </a:pPr>
-            <a:r>
-              <a:rPr lang="en-US" dirty="0"/>
-              <a:t>#2.1 20~21HCP, Balanced, 2NT</a:t>
-            </a:r>
-          </a:p>
-          <a:p>
-            <a:pPr marL="457200" lvl="1" indent="0">
-              <a:buNone/>
-            </a:pPr>
-            <a:r>
-              <a:rPr lang="en-US" dirty="0"/>
-              <a:t>#2.2 25~27HCP, Balanced, 3NT</a:t>
-            </a:r>
-          </a:p>
-          <a:p>
-            <a:pPr marL="0" indent="0">
-              <a:buNone/>
-            </a:pPr>
-            <a:r>
-              <a:rPr lang="en-US" dirty="0"/>
-              <a:t>#3: 22+HCP, bid “2C” (Strong 2C convention, not natural)</a:t>
-            </a:r>
-          </a:p>
-          <a:p>
-            <a:pPr marL="0" indent="0">
-              <a:buNone/>
-            </a:pPr>
-            <a:r>
-              <a:rPr lang="en-US" dirty="0"/>
-              <a:t>#4: ”Better minor”</a:t>
-            </a:r>
-          </a:p>
-          <a:p>
-            <a:pPr marL="457200" lvl="1" indent="0">
-              <a:buNone/>
-            </a:pPr>
-            <a:r>
-              <a:rPr lang="en-US" dirty="0"/>
-              <a:t>Could be only 3 cards, therefore almost forcing</a:t>
-            </a:r>
-          </a:p>
-          <a:p>
-            <a:pPr marL="0" indent="0">
-              <a:buNone/>
-            </a:pPr>
-            <a:r>
-              <a:rPr lang="en-US" dirty="0"/>
-              <a:t>#5: Preemptive (length against strength)</a:t>
-            </a:r>
-          </a:p>
-          <a:p>
-            <a:pPr marL="457200" lvl="1" indent="0">
-              <a:buNone/>
-            </a:pPr>
-            <a:r>
-              <a:rPr lang="en-US" dirty="0"/>
-              <a:t>6+ cards with 1+ honors, 5~11HCP</a:t>
-            </a:r>
-          </a:p>
-          <a:p>
-            <a:pPr marL="914400" lvl="2" indent="0">
-              <a:buNone/>
-            </a:pPr>
-            <a:r>
-              <a:rPr lang="en-US" dirty="0"/>
-              <a:t>2D, 2H, 2S if 6 cards</a:t>
-            </a:r>
-          </a:p>
-          <a:p>
-            <a:pPr marL="914400" lvl="2" indent="0">
-              <a:buNone/>
-            </a:pPr>
-            <a:r>
-              <a:rPr lang="en-US" dirty="0"/>
-              <a:t>3C, 3D, 3H, 3S if 7+ cards</a:t>
-            </a:r>
-          </a:p>
-        </p:txBody>
-      </p:sp>
-    </p:spTree>
-    <p:extLst>
-      <p:ext uri="{BB962C8B-B14F-4D97-AF65-F5344CB8AC3E}">
-        <p14:creationId xmlns:p14="http://schemas.microsoft.com/office/powerpoint/2010/main" val="4179710372"/>
-      </p:ext>
-    </p:extLst>
-  </p:cSld>
-  <p:clrMapOvr>
-    <a:masterClrMapping/>
-  </p:clrMapOvr>
-</p:sld>
-</file>
-
-<file path=ppt/slides/slide24.xml><?xml version="1.0" encoding="utf-8"?>
+<file path=ppt/slides/slide27.xml><?xml version="1.0" encoding="utf-8"?>
 <p:sld xmlns:a="http://schemas.openxmlformats.org/drawingml/2006/main" xmlns:r="http://schemas.openxmlformats.org/officeDocument/2006/relationships" xmlns:p="http://schemas.openxmlformats.org/presentationml/2006/main">
   <p:cSld>
     <p:spTree>
@@ -9164,781 +10124,6 @@
 </p:sld>
 </file>
 
-<file path=ppt/slides/slide25.xml><?xml version="1.0" encoding="utf-8"?>
-<p:sld xmlns:a="http://schemas.openxmlformats.org/drawingml/2006/main" xmlns:r="http://schemas.openxmlformats.org/officeDocument/2006/relationships" xmlns:p="http://schemas.openxmlformats.org/presentationml/2006/main">
-  <p:cSld>
-    <p:spTree>
-      <p:nvGrpSpPr>
-        <p:cNvPr id="1" name=""/>
-        <p:cNvGrpSpPr/>
-        <p:nvPr/>
-      </p:nvGrpSpPr>
-      <p:grpSpPr>
-        <a:xfrm>
-          <a:off x="0" y="0"/>
-          <a:ext cx="0" cy="0"/>
-          <a:chOff x="0" y="0"/>
-          <a:chExt cx="0" cy="0"/>
-        </a:xfrm>
-      </p:grpSpPr>
-      <p:sp>
-        <p:nvSpPr>
-          <p:cNvPr id="2" name="Title 1">
-            <a:extLst>
-              <a:ext uri="{FF2B5EF4-FFF2-40B4-BE49-F238E27FC236}">
-                <a16:creationId xmlns:a16="http://schemas.microsoft.com/office/drawing/2014/main" id="{E5F6238C-92E3-8B41-B48F-F102B477537A}"/>
-              </a:ext>
-            </a:extLst>
-          </p:cNvPr>
-          <p:cNvSpPr>
-            <a:spLocks noGrp="1"/>
-          </p:cNvSpPr>
-          <p:nvPr>
-            <p:ph type="title"/>
-          </p:nvPr>
-        </p:nvSpPr>
-        <p:spPr/>
-        <p:txBody>
-          <a:bodyPr/>
-          <a:lstStyle/>
-          <a:p>
-            <a:r>
-              <a:rPr lang="en-US" dirty="0"/>
-              <a:t>Invitational, Forcing, Game Forcing</a:t>
-            </a:r>
-          </a:p>
-        </p:txBody>
-      </p:sp>
-      <p:sp>
-        <p:nvSpPr>
-          <p:cNvPr id="3" name="Content Placeholder 2">
-            <a:extLst>
-              <a:ext uri="{FF2B5EF4-FFF2-40B4-BE49-F238E27FC236}">
-                <a16:creationId xmlns:a16="http://schemas.microsoft.com/office/drawing/2014/main" id="{E2DF30D6-2403-03D3-D886-1F055C1F9ED0}"/>
-              </a:ext>
-            </a:extLst>
-          </p:cNvPr>
-          <p:cNvSpPr>
-            <a:spLocks noGrp="1"/>
-          </p:cNvSpPr>
-          <p:nvPr>
-            <p:ph idx="1"/>
-          </p:nvPr>
-        </p:nvSpPr>
-        <p:spPr/>
-        <p:txBody>
-          <a:bodyPr/>
-          <a:lstStyle/>
-          <a:p>
-            <a:r>
-              <a:rPr lang="en-US" dirty="0"/>
-              <a:t>Invitational: </a:t>
-            </a:r>
-            <a:r>
-              <a:rPr lang="en-US" i="1" dirty="0"/>
-              <a:t>I have a good hand, let’s try game</a:t>
-            </a:r>
-          </a:p>
-          <a:p>
-            <a:pPr lvl="1"/>
-            <a:r>
-              <a:rPr lang="en-US" dirty="0"/>
-              <a:t>Continue only you are more than a minimal hand</a:t>
-            </a:r>
-          </a:p>
-          <a:p>
-            <a:r>
-              <a:rPr lang="en-US" dirty="0"/>
-              <a:t>Forcing: </a:t>
-            </a:r>
-            <a:r>
-              <a:rPr lang="en-US" i="1" dirty="0"/>
-              <a:t>I have more information</a:t>
-            </a:r>
-          </a:p>
-          <a:p>
-            <a:pPr lvl="1"/>
-            <a:r>
-              <a:rPr lang="en-US" dirty="0"/>
-              <a:t>Do not pass, not matter what.</a:t>
-            </a:r>
-          </a:p>
-          <a:p>
-            <a:r>
-              <a:rPr lang="en-US" dirty="0"/>
-              <a:t>Game Forcing: </a:t>
-            </a:r>
-            <a:r>
-              <a:rPr lang="en-US" i="1" dirty="0"/>
-              <a:t>We have game level strength</a:t>
-            </a:r>
-          </a:p>
-          <a:p>
-            <a:pPr lvl="1"/>
-            <a:r>
-              <a:rPr lang="en-US" dirty="0"/>
-              <a:t>Do not stop before we reach game</a:t>
-            </a:r>
-          </a:p>
-          <a:p>
-            <a:endParaRPr lang="en-US" dirty="0"/>
-          </a:p>
-          <a:p>
-            <a:r>
-              <a:rPr lang="en-US" dirty="0"/>
-              <a:t>Who’s the captain?</a:t>
-            </a:r>
-          </a:p>
-        </p:txBody>
-      </p:sp>
-    </p:spTree>
-    <p:extLst>
-      <p:ext uri="{BB962C8B-B14F-4D97-AF65-F5344CB8AC3E}">
-        <p14:creationId xmlns:p14="http://schemas.microsoft.com/office/powerpoint/2010/main" val="3937747884"/>
-      </p:ext>
-    </p:extLst>
-  </p:cSld>
-  <p:clrMapOvr>
-    <a:masterClrMapping/>
-  </p:clrMapOvr>
-</p:sld>
-</file>
-
-<file path=ppt/slides/slide26.xml><?xml version="1.0" encoding="utf-8"?>
-<p:sld xmlns:a="http://schemas.openxmlformats.org/drawingml/2006/main" xmlns:r="http://schemas.openxmlformats.org/officeDocument/2006/relationships" xmlns:p="http://schemas.openxmlformats.org/presentationml/2006/main">
-  <p:cSld>
-    <p:spTree>
-      <p:nvGrpSpPr>
-        <p:cNvPr id="1" name=""/>
-        <p:cNvGrpSpPr/>
-        <p:nvPr/>
-      </p:nvGrpSpPr>
-      <p:grpSpPr>
-        <a:xfrm>
-          <a:off x="0" y="0"/>
-          <a:ext cx="0" cy="0"/>
-          <a:chOff x="0" y="0"/>
-          <a:chExt cx="0" cy="0"/>
-        </a:xfrm>
-      </p:grpSpPr>
-      <p:sp>
-        <p:nvSpPr>
-          <p:cNvPr id="2" name="Title 1">
-            <a:extLst>
-              <a:ext uri="{FF2B5EF4-FFF2-40B4-BE49-F238E27FC236}">
-                <a16:creationId xmlns:a16="http://schemas.microsoft.com/office/drawing/2014/main" id="{98829A36-C3A1-99D7-4855-3ABEA626AE59}"/>
-              </a:ext>
-            </a:extLst>
-          </p:cNvPr>
-          <p:cNvSpPr>
-            <a:spLocks noGrp="1"/>
-          </p:cNvSpPr>
-          <p:nvPr>
-            <p:ph type="title"/>
-          </p:nvPr>
-        </p:nvSpPr>
-        <p:spPr/>
-        <p:txBody>
-          <a:bodyPr/>
-          <a:lstStyle/>
-          <a:p>
-            <a:r>
-              <a:rPr lang="en-US" dirty="0"/>
-              <a:t>What Happens in a Tournament?</a:t>
-            </a:r>
-          </a:p>
-        </p:txBody>
-      </p:sp>
-      <p:sp>
-        <p:nvSpPr>
-          <p:cNvPr id="3" name="Content Placeholder 2">
-            <a:extLst>
-              <a:ext uri="{FF2B5EF4-FFF2-40B4-BE49-F238E27FC236}">
-                <a16:creationId xmlns:a16="http://schemas.microsoft.com/office/drawing/2014/main" id="{D49E195D-A608-ACE8-AC62-5B91CD557D0C}"/>
-              </a:ext>
-            </a:extLst>
-          </p:cNvPr>
-          <p:cNvSpPr>
-            <a:spLocks noGrp="1"/>
-          </p:cNvSpPr>
-          <p:nvPr>
-            <p:ph idx="1"/>
-          </p:nvPr>
-        </p:nvSpPr>
-        <p:spPr>
-          <a:xfrm>
-            <a:off x="838200" y="1854201"/>
-            <a:ext cx="10515600" cy="4351338"/>
-          </a:xfrm>
-        </p:spPr>
-        <p:txBody>
-          <a:bodyPr>
-            <a:normAutofit fontScale="85000" lnSpcReduction="20000"/>
-          </a:bodyPr>
-          <a:lstStyle/>
-          <a:p>
-            <a:r>
-              <a:rPr lang="en-US" dirty="0"/>
-              <a:t>Team Tournament:</a:t>
-            </a:r>
-          </a:p>
-          <a:p>
-            <a:pPr lvl="1"/>
-            <a:r>
-              <a:rPr lang="en-US" dirty="0"/>
-              <a:t>4-player from a team to play another team</a:t>
-            </a:r>
-          </a:p>
-          <a:p>
-            <a:pPr lvl="1"/>
-            <a:r>
-              <a:rPr lang="en-US" dirty="0"/>
-              <a:t>Both tables play the same boards</a:t>
-            </a:r>
-          </a:p>
-          <a:p>
-            <a:pPr lvl="1"/>
-            <a:r>
-              <a:rPr lang="en-US" dirty="0"/>
-              <a:t>Score difference convert to “IMP” (International Match Point)</a:t>
-            </a:r>
-          </a:p>
-          <a:p>
-            <a:pPr lvl="1"/>
-            <a:r>
-              <a:rPr lang="en-US" dirty="0"/>
-              <a:t>Team with more IMP wins</a:t>
-            </a:r>
-          </a:p>
-          <a:p>
-            <a:r>
-              <a:rPr lang="en-US" dirty="0"/>
-              <a:t>Pair Tournament:</a:t>
-            </a:r>
-          </a:p>
-          <a:p>
-            <a:pPr lvl="1"/>
-            <a:r>
-              <a:rPr lang="en-US" dirty="0"/>
-              <a:t>Two players, as a pair, play against other pairs</a:t>
-            </a:r>
-          </a:p>
-          <a:p>
-            <a:pPr lvl="1"/>
-            <a:r>
-              <a:rPr lang="en-US" dirty="0"/>
-              <a:t>All pairs, taking turn, play the same boards against different opponents</a:t>
-            </a:r>
-          </a:p>
-          <a:p>
-            <a:pPr lvl="1"/>
-            <a:r>
-              <a:rPr lang="en-US" dirty="0"/>
-              <a:t>MP (Match Point) Tournaments:</a:t>
-            </a:r>
-          </a:p>
-          <a:p>
-            <a:pPr lvl="2"/>
-            <a:r>
-              <a:rPr lang="en-US" dirty="0"/>
-              <a:t>Rank each pair’s score, convert </a:t>
-            </a:r>
-            <a:r>
-              <a:rPr lang="en-US" dirty="0" err="1"/>
-              <a:t>rankng</a:t>
-            </a:r>
-            <a:r>
-              <a:rPr lang="en-US" dirty="0"/>
-              <a:t> to %</a:t>
-            </a:r>
-          </a:p>
-          <a:p>
-            <a:pPr lvl="2"/>
-            <a:r>
-              <a:rPr lang="en-US" dirty="0"/>
-              <a:t>Pair with the highest average % wins</a:t>
-            </a:r>
-          </a:p>
-          <a:p>
-            <a:pPr lvl="1"/>
-            <a:r>
-              <a:rPr lang="en-US" dirty="0"/>
-              <a:t>IMP Tournaments:</a:t>
-            </a:r>
-          </a:p>
-          <a:p>
-            <a:pPr lvl="2"/>
-            <a:r>
-              <a:rPr lang="en-US" dirty="0"/>
-              <a:t>For each board, Pair-wise convert score differences to IMPs, obtain average</a:t>
-            </a:r>
-          </a:p>
-          <a:p>
-            <a:pPr lvl="2"/>
-            <a:r>
-              <a:rPr lang="en-US" dirty="0"/>
-              <a:t>Pair with the highest accumulated IMPs wins</a:t>
-            </a:r>
-          </a:p>
-        </p:txBody>
-      </p:sp>
-    </p:spTree>
-    <p:extLst>
-      <p:ext uri="{BB962C8B-B14F-4D97-AF65-F5344CB8AC3E}">
-        <p14:creationId xmlns:p14="http://schemas.microsoft.com/office/powerpoint/2010/main" val="2207978350"/>
-      </p:ext>
-    </p:extLst>
-  </p:cSld>
-  <p:clrMapOvr>
-    <a:masterClrMapping/>
-  </p:clrMapOvr>
-</p:sld>
-</file>
-
-<file path=ppt/slides/slide27.xml><?xml version="1.0" encoding="utf-8"?>
-<p:sld xmlns:a="http://schemas.openxmlformats.org/drawingml/2006/main" xmlns:r="http://schemas.openxmlformats.org/officeDocument/2006/relationships" xmlns:p="http://schemas.openxmlformats.org/presentationml/2006/main">
-  <p:cSld>
-    <p:spTree>
-      <p:nvGrpSpPr>
-        <p:cNvPr id="1" name=""/>
-        <p:cNvGrpSpPr/>
-        <p:nvPr/>
-      </p:nvGrpSpPr>
-      <p:grpSpPr>
-        <a:xfrm>
-          <a:off x="0" y="0"/>
-          <a:ext cx="0" cy="0"/>
-          <a:chOff x="0" y="0"/>
-          <a:chExt cx="0" cy="0"/>
-        </a:xfrm>
-      </p:grpSpPr>
-      <p:sp>
-        <p:nvSpPr>
-          <p:cNvPr id="2" name="Title 1">
-            <a:extLst>
-              <a:ext uri="{FF2B5EF4-FFF2-40B4-BE49-F238E27FC236}">
-                <a16:creationId xmlns:a16="http://schemas.microsoft.com/office/drawing/2014/main" id="{57EBD19D-7F3E-E0EA-2EAB-0DF2972FC70A}"/>
-              </a:ext>
-            </a:extLst>
-          </p:cNvPr>
-          <p:cNvSpPr>
-            <a:spLocks noGrp="1"/>
-          </p:cNvSpPr>
-          <p:nvPr>
-            <p:ph type="title"/>
-          </p:nvPr>
-        </p:nvSpPr>
-        <p:spPr/>
-        <p:txBody>
-          <a:bodyPr/>
-          <a:lstStyle/>
-          <a:p>
-            <a:r>
-              <a:rPr lang="en-US" dirty="0"/>
-              <a:t>First Responses</a:t>
-            </a:r>
-          </a:p>
-        </p:txBody>
-      </p:sp>
-      <p:graphicFrame>
-        <p:nvGraphicFramePr>
-          <p:cNvPr id="4" name="Content Placeholder 3">
-            <a:extLst>
-              <a:ext uri="{FF2B5EF4-FFF2-40B4-BE49-F238E27FC236}">
-                <a16:creationId xmlns:a16="http://schemas.microsoft.com/office/drawing/2014/main" id="{9B544407-BF12-A3BD-2259-DD0CF0194E4C}"/>
-              </a:ext>
-            </a:extLst>
-          </p:cNvPr>
-          <p:cNvGraphicFramePr>
-            <a:graphicFrameLocks noGrp="1"/>
-          </p:cNvGraphicFramePr>
-          <p:nvPr>
-            <p:ph idx="1"/>
-            <p:extLst>
-              <p:ext uri="{D42A27DB-BD31-4B8C-83A1-F6EECF244321}">
-                <p14:modId xmlns:p14="http://schemas.microsoft.com/office/powerpoint/2010/main" val="527166427"/>
-              </p:ext>
-            </p:extLst>
-          </p:nvPr>
-        </p:nvGraphicFramePr>
-        <p:xfrm>
-          <a:off x="838200" y="1825625"/>
-          <a:ext cx="8398566" cy="3850640"/>
-        </p:xfrm>
-        <a:graphic>
-          <a:graphicData uri="http://schemas.openxmlformats.org/drawingml/2006/table">
-            <a:tbl>
-              <a:tblPr bandRow="1">
-                <a:tableStyleId>{5C22544A-7EE6-4342-B048-85BDC9FD1C3A}</a:tableStyleId>
-              </a:tblPr>
-              <a:tblGrid>
-                <a:gridCol w="2713383">
-                  <a:extLst>
-                    <a:ext uri="{9D8B030D-6E8A-4147-A177-3AD203B41FA5}">
-                      <a16:colId xmlns:a16="http://schemas.microsoft.com/office/drawing/2014/main" val="3089364523"/>
-                    </a:ext>
-                  </a:extLst>
-                </a:gridCol>
-                <a:gridCol w="5685183">
-                  <a:extLst>
-                    <a:ext uri="{9D8B030D-6E8A-4147-A177-3AD203B41FA5}">
-                      <a16:colId xmlns:a16="http://schemas.microsoft.com/office/drawing/2014/main" val="893315602"/>
-                    </a:ext>
-                  </a:extLst>
-                </a:gridCol>
-              </a:tblGrid>
-              <a:tr h="370840">
-                <a:tc>
-                  <a:txBody>
-                    <a:bodyPr/>
-                    <a:lstStyle/>
-                    <a:p>
-                      <a:r>
-                        <a:rPr lang="en-US" dirty="0"/>
-                        <a:t>Weak? (6~10 HCP)</a:t>
-                      </a:r>
-                    </a:p>
-                  </a:txBody>
-                  <a:tcPr/>
-                </a:tc>
-                <a:tc>
-                  <a:txBody>
-                    <a:bodyPr/>
-                    <a:lstStyle/>
-                    <a:p>
-                      <a:r>
-                        <a:rPr lang="en-US" dirty="0"/>
-                        <a:t>2x if 3+ support, 1NT otherwise</a:t>
-                      </a:r>
-                    </a:p>
-                  </a:txBody>
-                  <a:tcPr/>
-                </a:tc>
-                <a:extLst>
-                  <a:ext uri="{0D108BD9-81ED-4DB2-BD59-A6C34878D82A}">
-                    <a16:rowId xmlns:a16="http://schemas.microsoft.com/office/drawing/2014/main" val="2814996150"/>
-                  </a:ext>
-                </a:extLst>
-              </a:tr>
-              <a:tr h="370840">
-                <a:tc>
-                  <a:txBody>
-                    <a:bodyPr/>
-                    <a:lstStyle/>
-                    <a:p>
-                      <a:r>
-                        <a:rPr lang="en-US" dirty="0"/>
-                        <a:t>Inverse Minor</a:t>
-                      </a:r>
-                    </a:p>
-                  </a:txBody>
-                  <a:tcPr/>
-                </a:tc>
-                <a:tc>
-                  <a:txBody>
-                    <a:bodyPr/>
-                    <a:lstStyle/>
-                    <a:p>
-                      <a:pPr marL="0" marR="0" lvl="0" indent="0" algn="l" defTabSz="914400" rtl="0" eaLnBrk="1" fontAlgn="auto" latinLnBrk="0" hangingPunct="1">
-                        <a:lnSpc>
-                          <a:spcPct val="100000"/>
-                        </a:lnSpc>
-                        <a:spcBef>
-                          <a:spcPts val="0"/>
-                        </a:spcBef>
-                        <a:spcAft>
-                          <a:spcPts val="0"/>
-                        </a:spcAft>
-                        <a:buClrTx/>
-                        <a:buSzTx/>
-                        <a:buFontTx/>
-                        <a:buNone/>
-                        <a:tabLst/>
-                        <a:defRPr/>
-                      </a:pPr>
-                      <a:r>
-                        <a:rPr lang="en-US" dirty="0"/>
-                        <a:t>4+ support</a:t>
-                      </a:r>
-                      <a:br>
-                        <a:rPr lang="en-US" dirty="0"/>
-                      </a:br>
-                      <a:r>
-                        <a:rPr lang="en-US" dirty="0"/>
-                        <a:t>1m-2m is strong hand</a:t>
-                      </a:r>
-                    </a:p>
-                    <a:p>
-                      <a:pPr marL="0" marR="0" lvl="0" indent="0" algn="l" defTabSz="914400" rtl="0" eaLnBrk="1" fontAlgn="auto" latinLnBrk="0" hangingPunct="1">
-                        <a:lnSpc>
-                          <a:spcPct val="100000"/>
-                        </a:lnSpc>
-                        <a:spcBef>
-                          <a:spcPts val="0"/>
-                        </a:spcBef>
-                        <a:spcAft>
-                          <a:spcPts val="0"/>
-                        </a:spcAft>
-                        <a:buClrTx/>
-                        <a:buSzTx/>
-                        <a:buFontTx/>
-                        <a:buNone/>
-                        <a:tabLst/>
-                        <a:defRPr/>
-                      </a:pPr>
-                      <a:r>
-                        <a:rPr lang="en-US" dirty="0"/>
-                        <a:t>1m-3m is weak hand</a:t>
-                      </a:r>
-                    </a:p>
-                  </a:txBody>
-                  <a:tcPr/>
-                </a:tc>
-                <a:extLst>
-                  <a:ext uri="{0D108BD9-81ED-4DB2-BD59-A6C34878D82A}">
-                    <a16:rowId xmlns:a16="http://schemas.microsoft.com/office/drawing/2014/main" val="1700453381"/>
-                  </a:ext>
-                </a:extLst>
-              </a:tr>
-              <a:tr h="370840">
-                <a:tc>
-                  <a:txBody>
-                    <a:bodyPr/>
-                    <a:lstStyle/>
-                    <a:p>
-                      <a:r>
-                        <a:rPr lang="en-US" dirty="0"/>
-                        <a:t>“Magic 9 card?”</a:t>
-                      </a:r>
-                    </a:p>
-                  </a:txBody>
-                  <a:tcPr/>
-                </a:tc>
-                <a:tc>
-                  <a:txBody>
-                    <a:bodyPr/>
-                    <a:lstStyle/>
-                    <a:p>
-                      <a:r>
-                        <a:rPr lang="en-US" dirty="0"/>
-                        <a:t>“Limited Raise”: 10~12 HCP</a:t>
-                      </a:r>
-                      <a:br>
-                        <a:rPr lang="en-US" dirty="0"/>
-                      </a:br>
-                      <a:r>
-                        <a:rPr lang="en-US" dirty="0"/>
-                        <a:t>“Jacoby 2NT”: 13+ HCP, bid 2NT, </a:t>
-                      </a:r>
-                      <a:r>
-                        <a:rPr lang="en-US" dirty="0">
-                          <a:solidFill>
-                            <a:srgbClr val="FF0000"/>
-                          </a:solidFill>
-                        </a:rPr>
-                        <a:t>Forcing</a:t>
-                      </a:r>
-                    </a:p>
-                  </a:txBody>
-                  <a:tcPr/>
-                </a:tc>
-                <a:extLst>
-                  <a:ext uri="{0D108BD9-81ED-4DB2-BD59-A6C34878D82A}">
-                    <a16:rowId xmlns:a16="http://schemas.microsoft.com/office/drawing/2014/main" val="2657366004"/>
-                  </a:ext>
-                </a:extLst>
-              </a:tr>
-              <a:tr h="370840">
-                <a:tc>
-                  <a:txBody>
-                    <a:bodyPr/>
-                    <a:lstStyle/>
-                    <a:p>
-                      <a:r>
-                        <a:rPr lang="en-US" dirty="0"/>
-                        <a:t>8+ card?</a:t>
-                      </a:r>
-                    </a:p>
-                  </a:txBody>
-                  <a:tcPr/>
-                </a:tc>
-                <a:tc>
-                  <a:txBody>
-                    <a:bodyPr/>
-                    <a:lstStyle/>
-                    <a:p>
-                      <a:pPr marL="0" marR="0" lvl="0" indent="0" algn="l" defTabSz="914400" rtl="0" eaLnBrk="1" fontAlgn="auto" latinLnBrk="0" hangingPunct="1">
-                        <a:lnSpc>
-                          <a:spcPct val="100000"/>
-                        </a:lnSpc>
-                        <a:spcBef>
-                          <a:spcPts val="0"/>
-                        </a:spcBef>
-                        <a:spcAft>
-                          <a:spcPts val="0"/>
-                        </a:spcAft>
-                        <a:buClrTx/>
-                        <a:buSzTx/>
-                        <a:buFontTx/>
-                        <a:buNone/>
-                        <a:tabLst/>
-                        <a:defRPr/>
-                      </a:pPr>
-                      <a:r>
-                        <a:rPr lang="en-US" dirty="0"/>
-                        <a:t>“Splinter”: 15+TP, bid singleton/void, </a:t>
-                      </a:r>
-                      <a:r>
-                        <a:rPr lang="en-US" dirty="0">
-                          <a:solidFill>
-                            <a:srgbClr val="FF0000"/>
-                          </a:solidFill>
-                        </a:rPr>
-                        <a:t>Forcing</a:t>
-                      </a:r>
-                      <a:endParaRPr lang="en-US" dirty="0"/>
-                    </a:p>
-                    <a:p>
-                      <a:r>
-                        <a:rPr lang="en-US" dirty="0"/>
-                        <a:t>“To play”</a:t>
-                      </a:r>
-                    </a:p>
-                  </a:txBody>
-                  <a:tcPr/>
-                </a:tc>
-                <a:extLst>
-                  <a:ext uri="{0D108BD9-81ED-4DB2-BD59-A6C34878D82A}">
-                    <a16:rowId xmlns:a16="http://schemas.microsoft.com/office/drawing/2014/main" val="3555607617"/>
-                  </a:ext>
-                </a:extLst>
-              </a:tr>
-              <a:tr h="370840">
-                <a:tc>
-                  <a:txBody>
-                    <a:bodyPr/>
-                    <a:lstStyle/>
-                    <a:p>
-                      <a:r>
-                        <a:rPr lang="en-US" dirty="0"/>
-                        <a:t>I have a strong hand</a:t>
-                      </a:r>
-                    </a:p>
-                  </a:txBody>
-                  <a:tcPr/>
-                </a:tc>
-                <a:tc>
-                  <a:txBody>
-                    <a:bodyPr/>
-                    <a:lstStyle/>
-                    <a:p>
-                      <a:r>
-                        <a:rPr lang="en-US" dirty="0"/>
-                        <a:t>”Strong Jump Shift”: 17+ HCP, 5+ cards</a:t>
-                      </a:r>
-                    </a:p>
-                  </a:txBody>
-                  <a:tcPr/>
-                </a:tc>
-                <a:extLst>
-                  <a:ext uri="{0D108BD9-81ED-4DB2-BD59-A6C34878D82A}">
-                    <a16:rowId xmlns:a16="http://schemas.microsoft.com/office/drawing/2014/main" val="3514838393"/>
-                  </a:ext>
-                </a:extLst>
-              </a:tr>
-              <a:tr h="370840">
-                <a:tc>
-                  <a:txBody>
-                    <a:bodyPr/>
-                    <a:lstStyle/>
-                    <a:p>
-                      <a:r>
-                        <a:rPr lang="en-US" dirty="0"/>
-                        <a:t>None of the above</a:t>
-                      </a:r>
-                    </a:p>
-                  </a:txBody>
-                  <a:tcPr/>
-                </a:tc>
-                <a:tc>
-                  <a:txBody>
-                    <a:bodyPr/>
-                    <a:lstStyle/>
-                    <a:p>
-                      <a:pPr marL="0" marR="0" lvl="0" indent="0" algn="l" defTabSz="914400" rtl="0" eaLnBrk="1" fontAlgn="auto" latinLnBrk="0" hangingPunct="1">
-                        <a:lnSpc>
-                          <a:spcPct val="100000"/>
-                        </a:lnSpc>
-                        <a:spcBef>
-                          <a:spcPts val="0"/>
-                        </a:spcBef>
-                        <a:spcAft>
-                          <a:spcPts val="0"/>
-                        </a:spcAft>
-                        <a:buClrTx/>
-                        <a:buSzTx/>
-                        <a:buFontTx/>
-                        <a:buNone/>
-                        <a:tabLst/>
-                        <a:defRPr/>
-                      </a:pPr>
-                      <a:r>
-                        <a:rPr lang="en-US" dirty="0"/>
-                        <a:t>(Ambiguously) bid a new suit (</a:t>
-                      </a:r>
-                      <a:r>
-                        <a:rPr lang="en-US" dirty="0">
-                          <a:solidFill>
-                            <a:srgbClr val="FF0000"/>
-                          </a:solidFill>
-                        </a:rPr>
-                        <a:t>semi-forcing</a:t>
-                      </a:r>
-                      <a:r>
-                        <a:rPr lang="en-US" dirty="0"/>
-                        <a:t>)</a:t>
-                      </a:r>
-                      <a:br>
-                        <a:rPr lang="en-US" dirty="0"/>
-                      </a:br>
-                      <a:r>
-                        <a:rPr lang="en-US" dirty="0"/>
-                        <a:t>1m-1x: 4+ cards</a:t>
-                      </a:r>
-                      <a:br>
-                        <a:rPr lang="en-US" dirty="0"/>
-                      </a:br>
-                      <a:r>
-                        <a:rPr lang="en-US" dirty="0"/>
-                        <a:t>1S-2H: 5+ H, otherwise 4+</a:t>
-                      </a:r>
-                    </a:p>
-                  </a:txBody>
-                  <a:tcPr/>
-                </a:tc>
-                <a:extLst>
-                  <a:ext uri="{0D108BD9-81ED-4DB2-BD59-A6C34878D82A}">
-                    <a16:rowId xmlns:a16="http://schemas.microsoft.com/office/drawing/2014/main" val="2087617652"/>
-                  </a:ext>
-                </a:extLst>
-              </a:tr>
-            </a:tbl>
-          </a:graphicData>
-        </a:graphic>
-      </p:graphicFrame>
-    </p:spTree>
-    <p:extLst>
-      <p:ext uri="{BB962C8B-B14F-4D97-AF65-F5344CB8AC3E}">
-        <p14:creationId xmlns:p14="http://schemas.microsoft.com/office/powerpoint/2010/main" val="2339092590"/>
-      </p:ext>
-    </p:extLst>
-  </p:cSld>
-  <p:clrMapOvr>
-    <a:masterClrMapping/>
-  </p:clrMapOvr>
-</p:sld>
-</file>
-
 <file path=ppt/slides/slide28.xml><?xml version="1.0" encoding="utf-8"?>
 <p:sld xmlns:a="http://schemas.openxmlformats.org/drawingml/2006/main" xmlns:r="http://schemas.openxmlformats.org/officeDocument/2006/relationships" xmlns:p="http://schemas.openxmlformats.org/presentationml/2006/main">
   <p:cSld>
@@ -9961,7 +10146,7 @@
           <p:cNvPr id="2" name="Title 1">
             <a:extLst>
               <a:ext uri="{FF2B5EF4-FFF2-40B4-BE49-F238E27FC236}">
-                <a16:creationId xmlns:a16="http://schemas.microsoft.com/office/drawing/2014/main" id="{9A59E561-88BB-D12B-7A24-3791D76D4BCF}"/>
+                <a16:creationId xmlns:a16="http://schemas.microsoft.com/office/drawing/2014/main" id="{E5F6238C-92E3-8B41-B48F-F102B477537A}"/>
               </a:ext>
             </a:extLst>
           </p:cNvPr>
@@ -9979,15 +10164,7 @@
           <a:p>
             <a:r>
               <a:rPr lang="en-US" dirty="0"/>
-              <a:t>Opener’s 2</a:t>
-            </a:r>
-            <a:r>
-              <a:rPr lang="en-US" baseline="30000" dirty="0"/>
-              <a:t>nd</a:t>
-            </a:r>
-            <a:r>
-              <a:rPr lang="en-US" dirty="0"/>
-              <a:t> Bid</a:t>
+              <a:t>Invitational, Forcing, Game Forcing</a:t>
             </a:r>
           </a:p>
         </p:txBody>
@@ -9997,7 +10174,7 @@
           <p:cNvPr id="3" name="Content Placeholder 2">
             <a:extLst>
               <a:ext uri="{FF2B5EF4-FFF2-40B4-BE49-F238E27FC236}">
-                <a16:creationId xmlns:a16="http://schemas.microsoft.com/office/drawing/2014/main" id="{9EFB17F0-BB1E-AF92-5465-7EC13171CE9D}"/>
+                <a16:creationId xmlns:a16="http://schemas.microsoft.com/office/drawing/2014/main" id="{E2DF30D6-2403-03D3-D886-1F055C1F9ED0}"/>
               </a:ext>
             </a:extLst>
           </p:cNvPr>
@@ -10015,76 +10192,61 @@
           <a:p>
             <a:r>
               <a:rPr lang="en-US" dirty="0"/>
-              <a:t>Have we agreed on the trump suit (or to play NT)?</a:t>
+              <a:t>Invitational: </a:t>
+            </a:r>
+            <a:r>
+              <a:rPr lang="en-US" i="1" dirty="0"/>
+              <a:t>I have a good hand, let’s try game</a:t>
             </a:r>
           </a:p>
           <a:p>
             <a:pPr lvl="1"/>
             <a:r>
               <a:rPr lang="en-US" dirty="0"/>
-              <a:t>Decide which level to play</a:t>
-            </a:r>
-          </a:p>
-          <a:p>
-            <a:pPr lvl="2"/>
-            <a:r>
-              <a:rPr lang="en-US" dirty="0"/>
-              <a:t>Invite, game try, slam try, or pass</a:t>
-            </a:r>
-          </a:p>
-          <a:p>
-            <a:r>
-              <a:rPr lang="en-US" dirty="0"/>
-              <a:t>Got 17+ HCP</a:t>
+              <a:t>Continue only you are more than a minimal hand</a:t>
+            </a:r>
+          </a:p>
+          <a:p>
+            <a:r>
+              <a:rPr lang="en-US" dirty="0"/>
+              <a:t>Forcing: </a:t>
+            </a:r>
+            <a:r>
+              <a:rPr lang="en-US" i="1" dirty="0"/>
+              <a:t>I have more information</a:t>
             </a:r>
           </a:p>
           <a:p>
             <a:pPr lvl="1"/>
             <a:r>
               <a:rPr lang="en-US" dirty="0"/>
-              <a:t>Reverse (5-5), jump rebid (6+), Jump new suit (5+)</a:t>
+              <a:t>Do not pass, not matter what.</a:t>
+            </a:r>
+          </a:p>
+          <a:p>
+            <a:r>
+              <a:rPr lang="en-US" dirty="0"/>
+              <a:t>Game Forcing: </a:t>
+            </a:r>
+            <a:r>
+              <a:rPr lang="en-US" i="1" dirty="0"/>
+              <a:t>We have game level strength</a:t>
             </a:r>
           </a:p>
           <a:p>
             <a:pPr lvl="1"/>
             <a:r>
               <a:rPr lang="en-US" dirty="0"/>
-              <a:t>2NT</a:t>
-            </a:r>
-          </a:p>
-          <a:p>
-            <a:r>
-              <a:rPr lang="en-US" dirty="0"/>
-              <a:t>Explore other options</a:t>
-            </a:r>
-          </a:p>
-          <a:p>
-            <a:pPr lvl="1"/>
-            <a:r>
-              <a:rPr lang="en-US" dirty="0"/>
-              <a:t>Consider pass</a:t>
-            </a:r>
-          </a:p>
-          <a:p>
-            <a:pPr lvl="1"/>
-            <a:r>
-              <a:rPr lang="en-US" dirty="0"/>
-              <a:t>Support partner major first</a:t>
-            </a:r>
-          </a:p>
-          <a:p>
-            <a:pPr lvl="1"/>
-            <a:r>
-              <a:rPr lang="en-US" dirty="0"/>
-              <a:t>Bid 2</a:t>
-            </a:r>
-            <a:r>
-              <a:rPr lang="en-US" baseline="30000" dirty="0"/>
-              <a:t>nd</a:t>
-            </a:r>
-            <a:r>
-              <a:rPr lang="en-US" dirty="0"/>
-              <a:t> suit, seeking NT contract</a:t>
+              <a:t>Do not stop before we reach game</a:t>
+            </a:r>
+          </a:p>
+          <a:p>
+            <a:endParaRPr lang="en-US" dirty="0"/>
+          </a:p>
+          <a:p>
+            <a:r>
+              <a:rPr lang="en-US" dirty="0"/>
+              <a:t>Who’s the captain?</a:t>
             </a:r>
           </a:p>
         </p:txBody>
@@ -10092,7 +10254,7 @@
     </p:spTree>
     <p:extLst>
       <p:ext uri="{BB962C8B-B14F-4D97-AF65-F5344CB8AC3E}">
-        <p14:creationId xmlns:p14="http://schemas.microsoft.com/office/powerpoint/2010/main" val="2503318711"/>
+        <p14:creationId xmlns:p14="http://schemas.microsoft.com/office/powerpoint/2010/main" val="3937747884"/>
       </p:ext>
     </p:extLst>
   </p:cSld>
@@ -10124,7 +10286,7 @@
           <p:cNvPr id="2" name="Title 1">
             <a:extLst>
               <a:ext uri="{FF2B5EF4-FFF2-40B4-BE49-F238E27FC236}">
-                <a16:creationId xmlns:a16="http://schemas.microsoft.com/office/drawing/2014/main" id="{CBCC08F3-356C-F940-8C39-C58EB0330365}"/>
+                <a16:creationId xmlns:a16="http://schemas.microsoft.com/office/drawing/2014/main" id="{98829A36-C3A1-99D7-4855-3ABEA626AE59}"/>
               </a:ext>
             </a:extLst>
           </p:cNvPr>
@@ -10142,207 +10304,140 @@
           <a:p>
             <a:r>
               <a:rPr lang="en-US" dirty="0"/>
-              <a:t>Respond to Strong 2C Opening</a:t>
+              <a:t>What Happens in a Tournament?</a:t>
             </a:r>
           </a:p>
         </p:txBody>
       </p:sp>
-      <p:graphicFrame>
-        <p:nvGraphicFramePr>
-          <p:cNvPr id="6" name="Content Placeholder 5">
-            <a:extLst>
-              <a:ext uri="{FF2B5EF4-FFF2-40B4-BE49-F238E27FC236}">
-                <a16:creationId xmlns:a16="http://schemas.microsoft.com/office/drawing/2014/main" id="{915F196D-D8C6-3F23-179B-F1E3541E712E}"/>
-              </a:ext>
-            </a:extLst>
-          </p:cNvPr>
-          <p:cNvGraphicFramePr>
-            <a:graphicFrameLocks noGrp="1"/>
-          </p:cNvGraphicFramePr>
+      <p:sp>
+        <p:nvSpPr>
+          <p:cNvPr id="3" name="Content Placeholder 2">
+            <a:extLst>
+              <a:ext uri="{FF2B5EF4-FFF2-40B4-BE49-F238E27FC236}">
+                <a16:creationId xmlns:a16="http://schemas.microsoft.com/office/drawing/2014/main" id="{D49E195D-A608-ACE8-AC62-5B91CD557D0C}"/>
+              </a:ext>
+            </a:extLst>
+          </p:cNvPr>
+          <p:cNvSpPr>
+            <a:spLocks noGrp="1"/>
+          </p:cNvSpPr>
           <p:nvPr>
             <p:ph idx="1"/>
-            <p:extLst>
-              <p:ext uri="{D42A27DB-BD31-4B8C-83A1-F6EECF244321}">
-                <p14:modId xmlns:p14="http://schemas.microsoft.com/office/powerpoint/2010/main" val="3464305032"/>
-              </p:ext>
-            </p:extLst>
           </p:nvPr>
-        </p:nvGraphicFramePr>
-        <p:xfrm>
-          <a:off x="838200" y="1825625"/>
-          <a:ext cx="8332304" cy="1112520"/>
-        </p:xfrm>
-        <a:graphic>
-          <a:graphicData uri="http://schemas.openxmlformats.org/drawingml/2006/table">
-            <a:tbl>
-              <a:tblPr bandRow="1">
-                <a:tableStyleId>{5C22544A-7EE6-4342-B048-85BDC9FD1C3A}</a:tableStyleId>
-              </a:tblPr>
-              <a:tblGrid>
-                <a:gridCol w="1509475">
-                  <a:extLst>
-                    <a:ext uri="{9D8B030D-6E8A-4147-A177-3AD203B41FA5}">
-                      <a16:colId xmlns:a16="http://schemas.microsoft.com/office/drawing/2014/main" val="1190941023"/>
-                    </a:ext>
-                  </a:extLst>
-                </a:gridCol>
-                <a:gridCol w="6822829">
-                  <a:extLst>
-                    <a:ext uri="{9D8B030D-6E8A-4147-A177-3AD203B41FA5}">
-                      <a16:colId xmlns:a16="http://schemas.microsoft.com/office/drawing/2014/main" val="2621371549"/>
-                    </a:ext>
-                  </a:extLst>
-                </a:gridCol>
-              </a:tblGrid>
-              <a:tr h="370840">
-                <a:tc>
-                  <a:txBody>
-                    <a:bodyPr/>
-                    <a:lstStyle/>
-                    <a:p>
-                      <a:r>
-                        <a:rPr lang="en-US" dirty="0"/>
-                        <a:t>2H</a:t>
-                      </a:r>
-                    </a:p>
-                  </a:txBody>
-                  <a:tcPr/>
-                </a:tc>
-                <a:tc>
-                  <a:txBody>
-                    <a:bodyPr/>
-                    <a:lstStyle/>
-                    <a:p>
-                      <a:r>
-                        <a:rPr lang="en-US" dirty="0"/>
-                        <a:t>”Double Negative”, 0~3 HCP</a:t>
-                      </a:r>
-                    </a:p>
-                  </a:txBody>
-                  <a:tcPr/>
-                </a:tc>
-                <a:extLst>
-                  <a:ext uri="{0D108BD9-81ED-4DB2-BD59-A6C34878D82A}">
-                    <a16:rowId xmlns:a16="http://schemas.microsoft.com/office/drawing/2014/main" val="2204528904"/>
-                  </a:ext>
-                </a:extLst>
-              </a:tr>
-              <a:tr h="370840">
-                <a:tc>
-                  <a:txBody>
-                    <a:bodyPr/>
-                    <a:lstStyle/>
-                    <a:p>
-                      <a:r>
-                        <a:rPr lang="en-US" dirty="0"/>
-                        <a:t>2D</a:t>
-                      </a:r>
-                    </a:p>
-                  </a:txBody>
-                  <a:tcPr/>
-                </a:tc>
-                <a:tc>
-                  <a:txBody>
-                    <a:bodyPr/>
-                    <a:lstStyle/>
-                    <a:p>
-                      <a:r>
-                        <a:rPr lang="en-US" dirty="0"/>
-                        <a:t>”Waiting”</a:t>
-                      </a:r>
-                    </a:p>
-                  </a:txBody>
-                  <a:tcPr/>
-                </a:tc>
-                <a:extLst>
-                  <a:ext uri="{0D108BD9-81ED-4DB2-BD59-A6C34878D82A}">
-                    <a16:rowId xmlns:a16="http://schemas.microsoft.com/office/drawing/2014/main" val="1956546915"/>
-                  </a:ext>
-                </a:extLst>
-              </a:tr>
-              <a:tr h="370840">
-                <a:tc>
-                  <a:txBody>
-                    <a:bodyPr/>
-                    <a:lstStyle/>
-                    <a:p>
-                      <a:r>
-                        <a:rPr lang="en-US" dirty="0"/>
-                        <a:t>Anything else</a:t>
-                      </a:r>
-                    </a:p>
-                  </a:txBody>
-                  <a:tcPr/>
-                </a:tc>
-                <a:tc>
-                  <a:txBody>
-                    <a:bodyPr/>
-                    <a:lstStyle/>
-                    <a:p>
-                      <a:r>
-                        <a:rPr lang="en-US" dirty="0"/>
-                        <a:t>8+ HCP, Natural, </a:t>
-                      </a:r>
-                      <a:r>
-                        <a:rPr lang="en-US" dirty="0">
-                          <a:solidFill>
-                            <a:srgbClr val="FF0000"/>
-                          </a:solidFill>
-                        </a:rPr>
-                        <a:t>Game Forcing</a:t>
-                      </a:r>
-                    </a:p>
-                  </a:txBody>
-                  <a:tcPr/>
-                </a:tc>
-                <a:extLst>
-                  <a:ext uri="{0D108BD9-81ED-4DB2-BD59-A6C34878D82A}">
-                    <a16:rowId xmlns:a16="http://schemas.microsoft.com/office/drawing/2014/main" val="797506729"/>
-                  </a:ext>
-                </a:extLst>
-              </a:tr>
-            </a:tbl>
-          </a:graphicData>
-        </a:graphic>
-      </p:graphicFrame>
-      <p:sp>
-        <p:nvSpPr>
-          <p:cNvPr id="7" name="TextBox 6">
-            <a:extLst>
-              <a:ext uri="{FF2B5EF4-FFF2-40B4-BE49-F238E27FC236}">
-                <a16:creationId xmlns:a16="http://schemas.microsoft.com/office/drawing/2014/main" id="{9BE309AF-6A08-0FC8-D600-135B5175F570}"/>
-              </a:ext>
-            </a:extLst>
-          </p:cNvPr>
-          <p:cNvSpPr txBox="1"/>
-          <p:nvPr/>
         </p:nvSpPr>
         <p:spPr>
           <a:xfrm>
-            <a:off x="1235765" y="3105834"/>
-            <a:ext cx="7735957" cy="646331"/>
+            <a:off x="838200" y="1854201"/>
+            <a:ext cx="10515600" cy="4351338"/>
           </a:xfrm>
-          <a:prstGeom prst="rect">
-            <a:avLst/>
-          </a:prstGeom>
-          <a:noFill/>
         </p:spPr>
         <p:txBody>
-          <a:bodyPr wrap="square" rtlCol="0">
-            <a:spAutoFit/>
+          <a:bodyPr>
+            <a:normAutofit fontScale="85000" lnSpcReduction="20000"/>
           </a:bodyPr>
           <a:lstStyle/>
           <a:p>
             <a:r>
-              <a:rPr lang="en-US" b="1" dirty="0"/>
-              <a:t>Double negative alternative (BBO Robot):</a:t>
-            </a:r>
-            <a:br>
-              <a:rPr lang="en-US" b="1" dirty="0"/>
-            </a:br>
-            <a:r>
-              <a:rPr lang="en-US" dirty="0"/>
-              <a:t>2C-2D-&lt;whatever&gt;-&lt;cheapest next suit&gt;</a:t>
+              <a:rPr lang="en-US" dirty="0"/>
+              <a:t>Team Tournament:</a:t>
+            </a:r>
+          </a:p>
+          <a:p>
+            <a:pPr lvl="1"/>
+            <a:r>
+              <a:rPr lang="en-US" dirty="0"/>
+              <a:t>4-player from a team to play another team</a:t>
+            </a:r>
+          </a:p>
+          <a:p>
+            <a:pPr lvl="1"/>
+            <a:r>
+              <a:rPr lang="en-US" dirty="0"/>
+              <a:t>Both tables play the same boards</a:t>
+            </a:r>
+          </a:p>
+          <a:p>
+            <a:pPr lvl="1"/>
+            <a:r>
+              <a:rPr lang="en-US" dirty="0"/>
+              <a:t>Score difference convert to “IMP” (International Match Point)</a:t>
+            </a:r>
+          </a:p>
+          <a:p>
+            <a:pPr lvl="1"/>
+            <a:r>
+              <a:rPr lang="en-US" dirty="0"/>
+              <a:t>Team with more IMP wins</a:t>
+            </a:r>
+          </a:p>
+          <a:p>
+            <a:r>
+              <a:rPr lang="en-US" dirty="0"/>
+              <a:t>Pair Tournament:</a:t>
+            </a:r>
+          </a:p>
+          <a:p>
+            <a:pPr lvl="1"/>
+            <a:r>
+              <a:rPr lang="en-US" dirty="0"/>
+              <a:t>Two players, as a pair, play against other pairs</a:t>
+            </a:r>
+          </a:p>
+          <a:p>
+            <a:pPr lvl="1"/>
+            <a:r>
+              <a:rPr lang="en-US" dirty="0"/>
+              <a:t>All pairs, taking turn, play the same boards against different opponents</a:t>
+            </a:r>
+          </a:p>
+          <a:p>
+            <a:pPr lvl="1"/>
+            <a:r>
+              <a:rPr lang="en-US" dirty="0"/>
+              <a:t>MP (Match Point) Tournaments:</a:t>
+            </a:r>
+          </a:p>
+          <a:p>
+            <a:pPr lvl="2"/>
+            <a:r>
+              <a:rPr lang="en-US" dirty="0"/>
+              <a:t>Rank each pair’s score, convert </a:t>
+            </a:r>
+            <a:r>
+              <a:rPr lang="en-US" dirty="0" err="1"/>
+              <a:t>rankng</a:t>
+            </a:r>
+            <a:r>
+              <a:rPr lang="en-US" dirty="0"/>
+              <a:t> to %</a:t>
+            </a:r>
+          </a:p>
+          <a:p>
+            <a:pPr lvl="2"/>
+            <a:r>
+              <a:rPr lang="en-US" dirty="0"/>
+              <a:t>Pair with the highest average % wins</a:t>
+            </a:r>
+          </a:p>
+          <a:p>
+            <a:pPr lvl="1"/>
+            <a:r>
+              <a:rPr lang="en-US" dirty="0"/>
+              <a:t>IMP Tournaments:</a:t>
+            </a:r>
+          </a:p>
+          <a:p>
+            <a:pPr lvl="2"/>
+            <a:r>
+              <a:rPr lang="en-US" dirty="0"/>
+              <a:t>For each board, Pair-wise convert score differences to IMPs, obtain average</a:t>
+            </a:r>
+          </a:p>
+          <a:p>
+            <a:pPr lvl="2"/>
+            <a:r>
+              <a:rPr lang="en-US" dirty="0"/>
+              <a:t>Pair with the highest accumulated IMPs wins</a:t>
             </a:r>
           </a:p>
         </p:txBody>
@@ -10350,7 +10445,7 @@
     </p:spTree>
     <p:extLst>
       <p:ext uri="{BB962C8B-B14F-4D97-AF65-F5344CB8AC3E}">
-        <p14:creationId xmlns:p14="http://schemas.microsoft.com/office/powerpoint/2010/main" val="259519615"/>
+        <p14:creationId xmlns:p14="http://schemas.microsoft.com/office/powerpoint/2010/main" val="2207978350"/>
       </p:ext>
     </p:extLst>
   </p:cSld>
@@ -10584,7 +10679,7 @@
           <p:cNvPr id="2" name="Title 1">
             <a:extLst>
               <a:ext uri="{FF2B5EF4-FFF2-40B4-BE49-F238E27FC236}">
-                <a16:creationId xmlns:a16="http://schemas.microsoft.com/office/drawing/2014/main" id="{2A8DB69B-936C-7FFE-71C6-5583D39DB93F}"/>
+                <a16:creationId xmlns:a16="http://schemas.microsoft.com/office/drawing/2014/main" id="{57EBD19D-7F3E-E0EA-2EAB-0DF2972FC70A}"/>
               </a:ext>
             </a:extLst>
           </p:cNvPr>
@@ -10602,140 +10697,401 @@
           <a:p>
             <a:r>
               <a:rPr lang="en-US" dirty="0"/>
-              <a:t>Suit Contract Slam Exploration</a:t>
+              <a:t>First Responses</a:t>
             </a:r>
           </a:p>
         </p:txBody>
       </p:sp>
-      <p:sp>
-        <p:nvSpPr>
-          <p:cNvPr id="3" name="Content Placeholder 2">
-            <a:extLst>
-              <a:ext uri="{FF2B5EF4-FFF2-40B4-BE49-F238E27FC236}">
-                <a16:creationId xmlns:a16="http://schemas.microsoft.com/office/drawing/2014/main" id="{54014FFC-52D8-7430-8331-94A4B0A82A5F}"/>
-              </a:ext>
-            </a:extLst>
-          </p:cNvPr>
-          <p:cNvSpPr>
-            <a:spLocks noGrp="1"/>
-          </p:cNvSpPr>
+      <p:graphicFrame>
+        <p:nvGraphicFramePr>
+          <p:cNvPr id="4" name="Content Placeholder 3">
+            <a:extLst>
+              <a:ext uri="{FF2B5EF4-FFF2-40B4-BE49-F238E27FC236}">
+                <a16:creationId xmlns:a16="http://schemas.microsoft.com/office/drawing/2014/main" id="{9B544407-BF12-A3BD-2259-DD0CF0194E4C}"/>
+              </a:ext>
+            </a:extLst>
+          </p:cNvPr>
+          <p:cNvGraphicFramePr>
+            <a:graphicFrameLocks noGrp="1"/>
+          </p:cNvGraphicFramePr>
           <p:nvPr>
             <p:ph idx="1"/>
+            <p:extLst>
+              <p:ext uri="{D42A27DB-BD31-4B8C-83A1-F6EECF244321}">
+                <p14:modId xmlns:p14="http://schemas.microsoft.com/office/powerpoint/2010/main" val="527166427"/>
+              </p:ext>
+            </p:extLst>
           </p:nvPr>
-        </p:nvSpPr>
-        <p:spPr>
-          <a:xfrm>
-            <a:off x="838200" y="1812373"/>
-            <a:ext cx="10515600" cy="4351338"/>
-          </a:xfrm>
-        </p:spPr>
-        <p:txBody>
-          <a:bodyPr>
-            <a:normAutofit fontScale="92500" lnSpcReduction="20000"/>
-          </a:bodyPr>
-          <a:lstStyle/>
-          <a:p>
-            <a:r>
-              <a:rPr lang="en-US" dirty="0"/>
-              <a:t>Straight Blackwood</a:t>
-            </a:r>
-          </a:p>
-          <a:p>
-            <a:pPr lvl="1"/>
-            <a:r>
-              <a:rPr lang="en-US" dirty="0"/>
-              <a:t>Jump to 4NT after (implicit) trump agreement</a:t>
-            </a:r>
-          </a:p>
-          <a:p>
-            <a:pPr lvl="2"/>
-            <a:r>
-              <a:rPr lang="en-US" dirty="0"/>
-              <a:t>0 or 4 Aces: 5C</a:t>
-            </a:r>
-          </a:p>
-          <a:p>
-            <a:pPr lvl="2"/>
-            <a:r>
-              <a:rPr lang="en-US" dirty="0"/>
-              <a:t>1 Ace: 5D, 2 Aces: 5H, 3 Aces: 5S</a:t>
-            </a:r>
-          </a:p>
-          <a:p>
-            <a:pPr lvl="1"/>
-            <a:r>
-              <a:rPr lang="en-US" dirty="0"/>
-              <a:t>5NT for King ask</a:t>
-            </a:r>
-          </a:p>
-          <a:p>
-            <a:r>
-              <a:rPr lang="en-US" dirty="0"/>
-              <a:t>Roman Key Card Blackwood (RKCB)</a:t>
-            </a:r>
-          </a:p>
-          <a:p>
-            <a:pPr lvl="1"/>
-            <a:r>
-              <a:rPr lang="en-US" dirty="0"/>
-              <a:t>Jump to 4NT after (implicit) trump agreement</a:t>
-            </a:r>
-          </a:p>
-          <a:p>
-            <a:pPr lvl="1"/>
-            <a:r>
-              <a:rPr lang="en-US" dirty="0"/>
-              <a:t>Key Card = Aces or Trump King</a:t>
-            </a:r>
-          </a:p>
-          <a:p>
-            <a:pPr lvl="1"/>
-            <a:r>
-              <a:rPr lang="en-US" dirty="0"/>
-              <a:t>1430 variation (popular)</a:t>
-            </a:r>
-          </a:p>
-          <a:p>
-            <a:pPr lvl="2"/>
-            <a:r>
-              <a:rPr lang="en-US" dirty="0"/>
-              <a:t>5C: 1 or 4 key cards, 5D: 0 or 3</a:t>
-            </a:r>
-          </a:p>
-          <a:p>
-            <a:pPr lvl="2"/>
-            <a:r>
-              <a:rPr lang="en-US" dirty="0"/>
-              <a:t>5H: 2 without Trump Q, 5S: 2 With trump Queen</a:t>
-            </a:r>
-          </a:p>
-          <a:p>
-            <a:pPr lvl="1"/>
-            <a:r>
-              <a:rPr lang="en-US" dirty="0"/>
-              <a:t>0314 variation (more compatible with straight BW)</a:t>
-            </a:r>
-          </a:p>
-          <a:p>
-            <a:pPr lvl="2"/>
-            <a:r>
-              <a:rPr lang="en-US" dirty="0"/>
-              <a:t>5C: 1 or 4 key cards, 5D: 0 or 3</a:t>
-            </a:r>
-          </a:p>
-          <a:p>
-            <a:pPr lvl="1"/>
-            <a:r>
-              <a:rPr lang="en-US" dirty="0"/>
-              <a:t>5NT for “other” Kings (reply as straight BW)</a:t>
-            </a:r>
-          </a:p>
-        </p:txBody>
-      </p:sp>
+        </p:nvGraphicFramePr>
+        <p:xfrm>
+          <a:off x="838200" y="1825625"/>
+          <a:ext cx="8398566" cy="3850640"/>
+        </p:xfrm>
+        <a:graphic>
+          <a:graphicData uri="http://schemas.openxmlformats.org/drawingml/2006/table">
+            <a:tbl>
+              <a:tblPr bandRow="1">
+                <a:tableStyleId>{5C22544A-7EE6-4342-B048-85BDC9FD1C3A}</a:tableStyleId>
+              </a:tblPr>
+              <a:tblGrid>
+                <a:gridCol w="2713383">
+                  <a:extLst>
+                    <a:ext uri="{9D8B030D-6E8A-4147-A177-3AD203B41FA5}">
+                      <a16:colId xmlns:a16="http://schemas.microsoft.com/office/drawing/2014/main" val="3089364523"/>
+                    </a:ext>
+                  </a:extLst>
+                </a:gridCol>
+                <a:gridCol w="5685183">
+                  <a:extLst>
+                    <a:ext uri="{9D8B030D-6E8A-4147-A177-3AD203B41FA5}">
+                      <a16:colId xmlns:a16="http://schemas.microsoft.com/office/drawing/2014/main" val="893315602"/>
+                    </a:ext>
+                  </a:extLst>
+                </a:gridCol>
+              </a:tblGrid>
+              <a:tr h="370840">
+                <a:tc>
+                  <a:txBody>
+                    <a:bodyPr/>
+                    <a:lstStyle/>
+                    <a:p>
+                      <a:r>
+                        <a:rPr lang="en-US" dirty="0"/>
+                        <a:t>Weak? (6~10 HCP)</a:t>
+                      </a:r>
+                    </a:p>
+                  </a:txBody>
+                  <a:tcPr/>
+                </a:tc>
+                <a:tc>
+                  <a:txBody>
+                    <a:bodyPr/>
+                    <a:lstStyle/>
+                    <a:p>
+                      <a:r>
+                        <a:rPr lang="en-US" dirty="0"/>
+                        <a:t>2x if 3+ support, 1NT otherwise</a:t>
+                      </a:r>
+                    </a:p>
+                  </a:txBody>
+                  <a:tcPr/>
+                </a:tc>
+                <a:extLst>
+                  <a:ext uri="{0D108BD9-81ED-4DB2-BD59-A6C34878D82A}">
+                    <a16:rowId xmlns:a16="http://schemas.microsoft.com/office/drawing/2014/main" val="2814996150"/>
+                  </a:ext>
+                </a:extLst>
+              </a:tr>
+              <a:tr h="370840">
+                <a:tc>
+                  <a:txBody>
+                    <a:bodyPr/>
+                    <a:lstStyle/>
+                    <a:p>
+                      <a:r>
+                        <a:rPr lang="en-US" dirty="0"/>
+                        <a:t>Inverse Minor</a:t>
+                      </a:r>
+                    </a:p>
+                  </a:txBody>
+                  <a:tcPr/>
+                </a:tc>
+                <a:tc>
+                  <a:txBody>
+                    <a:bodyPr/>
+                    <a:lstStyle/>
+                    <a:p>
+                      <a:pPr marL="0" marR="0" lvl="0" indent="0" algn="l" defTabSz="914400" rtl="0" eaLnBrk="1" fontAlgn="auto" latinLnBrk="0" hangingPunct="1">
+                        <a:lnSpc>
+                          <a:spcPct val="100000"/>
+                        </a:lnSpc>
+                        <a:spcBef>
+                          <a:spcPts val="0"/>
+                        </a:spcBef>
+                        <a:spcAft>
+                          <a:spcPts val="0"/>
+                        </a:spcAft>
+                        <a:buClrTx/>
+                        <a:buSzTx/>
+                        <a:buFontTx/>
+                        <a:buNone/>
+                        <a:tabLst/>
+                        <a:defRPr/>
+                      </a:pPr>
+                      <a:r>
+                        <a:rPr lang="en-US" dirty="0"/>
+                        <a:t>4+ support</a:t>
+                      </a:r>
+                      <a:br>
+                        <a:rPr lang="en-US" dirty="0"/>
+                      </a:br>
+                      <a:r>
+                        <a:rPr lang="en-US" dirty="0"/>
+                        <a:t>1m-2m is strong hand</a:t>
+                      </a:r>
+                    </a:p>
+                    <a:p>
+                      <a:pPr marL="0" marR="0" lvl="0" indent="0" algn="l" defTabSz="914400" rtl="0" eaLnBrk="1" fontAlgn="auto" latinLnBrk="0" hangingPunct="1">
+                        <a:lnSpc>
+                          <a:spcPct val="100000"/>
+                        </a:lnSpc>
+                        <a:spcBef>
+                          <a:spcPts val="0"/>
+                        </a:spcBef>
+                        <a:spcAft>
+                          <a:spcPts val="0"/>
+                        </a:spcAft>
+                        <a:buClrTx/>
+                        <a:buSzTx/>
+                        <a:buFontTx/>
+                        <a:buNone/>
+                        <a:tabLst/>
+                        <a:defRPr/>
+                      </a:pPr>
+                      <a:r>
+                        <a:rPr lang="en-US" dirty="0"/>
+                        <a:t>1m-3m is weak hand</a:t>
+                      </a:r>
+                    </a:p>
+                  </a:txBody>
+                  <a:tcPr/>
+                </a:tc>
+                <a:extLst>
+                  <a:ext uri="{0D108BD9-81ED-4DB2-BD59-A6C34878D82A}">
+                    <a16:rowId xmlns:a16="http://schemas.microsoft.com/office/drawing/2014/main" val="1700453381"/>
+                  </a:ext>
+                </a:extLst>
+              </a:tr>
+              <a:tr h="370840">
+                <a:tc>
+                  <a:txBody>
+                    <a:bodyPr/>
+                    <a:lstStyle/>
+                    <a:p>
+                      <a:r>
+                        <a:rPr lang="en-US" dirty="0"/>
+                        <a:t>“Magic 9 card?”</a:t>
+                      </a:r>
+                    </a:p>
+                  </a:txBody>
+                  <a:tcPr/>
+                </a:tc>
+                <a:tc>
+                  <a:txBody>
+                    <a:bodyPr/>
+                    <a:lstStyle/>
+                    <a:p>
+                      <a:r>
+                        <a:rPr lang="en-US" dirty="0"/>
+                        <a:t>“Limited Raise”: 10~12 HCP</a:t>
+                      </a:r>
+                      <a:br>
+                        <a:rPr lang="en-US" dirty="0"/>
+                      </a:br>
+                      <a:r>
+                        <a:rPr lang="en-US" dirty="0"/>
+                        <a:t>“Jacoby 2NT”: 13+ HCP, bid 2NT, </a:t>
+                      </a:r>
+                      <a:r>
+                        <a:rPr lang="en-US" dirty="0">
+                          <a:solidFill>
+                            <a:srgbClr val="FF0000"/>
+                          </a:solidFill>
+                        </a:rPr>
+                        <a:t>Forcing</a:t>
+                      </a:r>
+                    </a:p>
+                  </a:txBody>
+                  <a:tcPr/>
+                </a:tc>
+                <a:extLst>
+                  <a:ext uri="{0D108BD9-81ED-4DB2-BD59-A6C34878D82A}">
+                    <a16:rowId xmlns:a16="http://schemas.microsoft.com/office/drawing/2014/main" val="2657366004"/>
+                  </a:ext>
+                </a:extLst>
+              </a:tr>
+              <a:tr h="370840">
+                <a:tc>
+                  <a:txBody>
+                    <a:bodyPr/>
+                    <a:lstStyle/>
+                    <a:p>
+                      <a:r>
+                        <a:rPr lang="en-US" dirty="0"/>
+                        <a:t>8+ card?</a:t>
+                      </a:r>
+                    </a:p>
+                  </a:txBody>
+                  <a:tcPr/>
+                </a:tc>
+                <a:tc>
+                  <a:txBody>
+                    <a:bodyPr/>
+                    <a:lstStyle/>
+                    <a:p>
+                      <a:pPr marL="0" marR="0" lvl="0" indent="0" algn="l" defTabSz="914400" rtl="0" eaLnBrk="1" fontAlgn="auto" latinLnBrk="0" hangingPunct="1">
+                        <a:lnSpc>
+                          <a:spcPct val="100000"/>
+                        </a:lnSpc>
+                        <a:spcBef>
+                          <a:spcPts val="0"/>
+                        </a:spcBef>
+                        <a:spcAft>
+                          <a:spcPts val="0"/>
+                        </a:spcAft>
+                        <a:buClrTx/>
+                        <a:buSzTx/>
+                        <a:buFontTx/>
+                        <a:buNone/>
+                        <a:tabLst/>
+                        <a:defRPr/>
+                      </a:pPr>
+                      <a:r>
+                        <a:rPr lang="en-US" dirty="0"/>
+                        <a:t>“Splinter”: 15+TP, bid singleton/void, </a:t>
+                      </a:r>
+                      <a:r>
+                        <a:rPr lang="en-US" dirty="0">
+                          <a:solidFill>
+                            <a:srgbClr val="FF0000"/>
+                          </a:solidFill>
+                        </a:rPr>
+                        <a:t>Forcing</a:t>
+                      </a:r>
+                      <a:endParaRPr lang="en-US" dirty="0"/>
+                    </a:p>
+                    <a:p>
+                      <a:r>
+                        <a:rPr lang="en-US" dirty="0"/>
+                        <a:t>“To play”</a:t>
+                      </a:r>
+                    </a:p>
+                  </a:txBody>
+                  <a:tcPr/>
+                </a:tc>
+                <a:extLst>
+                  <a:ext uri="{0D108BD9-81ED-4DB2-BD59-A6C34878D82A}">
+                    <a16:rowId xmlns:a16="http://schemas.microsoft.com/office/drawing/2014/main" val="3555607617"/>
+                  </a:ext>
+                </a:extLst>
+              </a:tr>
+              <a:tr h="370840">
+                <a:tc>
+                  <a:txBody>
+                    <a:bodyPr/>
+                    <a:lstStyle/>
+                    <a:p>
+                      <a:r>
+                        <a:rPr lang="en-US" dirty="0"/>
+                        <a:t>I have a strong hand</a:t>
+                      </a:r>
+                    </a:p>
+                  </a:txBody>
+                  <a:tcPr/>
+                </a:tc>
+                <a:tc>
+                  <a:txBody>
+                    <a:bodyPr/>
+                    <a:lstStyle/>
+                    <a:p>
+                      <a:r>
+                        <a:rPr lang="en-US" dirty="0"/>
+                        <a:t>”Strong Jump Shift”: 17+ HCP, 5+ cards</a:t>
+                      </a:r>
+                    </a:p>
+                  </a:txBody>
+                  <a:tcPr/>
+                </a:tc>
+                <a:extLst>
+                  <a:ext uri="{0D108BD9-81ED-4DB2-BD59-A6C34878D82A}">
+                    <a16:rowId xmlns:a16="http://schemas.microsoft.com/office/drawing/2014/main" val="3514838393"/>
+                  </a:ext>
+                </a:extLst>
+              </a:tr>
+              <a:tr h="370840">
+                <a:tc>
+                  <a:txBody>
+                    <a:bodyPr/>
+                    <a:lstStyle/>
+                    <a:p>
+                      <a:r>
+                        <a:rPr lang="en-US" dirty="0"/>
+                        <a:t>None of the above</a:t>
+                      </a:r>
+                    </a:p>
+                  </a:txBody>
+                  <a:tcPr/>
+                </a:tc>
+                <a:tc>
+                  <a:txBody>
+                    <a:bodyPr/>
+                    <a:lstStyle/>
+                    <a:p>
+                      <a:pPr marL="0" marR="0" lvl="0" indent="0" algn="l" defTabSz="914400" rtl="0" eaLnBrk="1" fontAlgn="auto" latinLnBrk="0" hangingPunct="1">
+                        <a:lnSpc>
+                          <a:spcPct val="100000"/>
+                        </a:lnSpc>
+                        <a:spcBef>
+                          <a:spcPts val="0"/>
+                        </a:spcBef>
+                        <a:spcAft>
+                          <a:spcPts val="0"/>
+                        </a:spcAft>
+                        <a:buClrTx/>
+                        <a:buSzTx/>
+                        <a:buFontTx/>
+                        <a:buNone/>
+                        <a:tabLst/>
+                        <a:defRPr/>
+                      </a:pPr>
+                      <a:r>
+                        <a:rPr lang="en-US" dirty="0"/>
+                        <a:t>(Ambiguously) bid a new suit (</a:t>
+                      </a:r>
+                      <a:r>
+                        <a:rPr lang="en-US" dirty="0">
+                          <a:solidFill>
+                            <a:srgbClr val="FF0000"/>
+                          </a:solidFill>
+                        </a:rPr>
+                        <a:t>semi-forcing</a:t>
+                      </a:r>
+                      <a:r>
+                        <a:rPr lang="en-US" dirty="0"/>
+                        <a:t>)</a:t>
+                      </a:r>
+                      <a:br>
+                        <a:rPr lang="en-US" dirty="0"/>
+                      </a:br>
+                      <a:r>
+                        <a:rPr lang="en-US" dirty="0"/>
+                        <a:t>1m-1x: 4+ cards</a:t>
+                      </a:r>
+                      <a:br>
+                        <a:rPr lang="en-US" dirty="0"/>
+                      </a:br>
+                      <a:r>
+                        <a:rPr lang="en-US" dirty="0"/>
+                        <a:t>1S-2H: 5+ H, otherwise 4+</a:t>
+                      </a:r>
+                    </a:p>
+                  </a:txBody>
+                  <a:tcPr/>
+                </a:tc>
+                <a:extLst>
+                  <a:ext uri="{0D108BD9-81ED-4DB2-BD59-A6C34878D82A}">
+                    <a16:rowId xmlns:a16="http://schemas.microsoft.com/office/drawing/2014/main" val="2087617652"/>
+                  </a:ext>
+                </a:extLst>
+              </a:tr>
+            </a:tbl>
+          </a:graphicData>
+        </a:graphic>
+      </p:graphicFrame>
     </p:spTree>
     <p:extLst>
       <p:ext uri="{BB962C8B-B14F-4D97-AF65-F5344CB8AC3E}">
-        <p14:creationId xmlns:p14="http://schemas.microsoft.com/office/powerpoint/2010/main" val="2600973845"/>
+        <p14:creationId xmlns:p14="http://schemas.microsoft.com/office/powerpoint/2010/main" val="2339092590"/>
       </p:ext>
     </p:extLst>
   </p:cSld>
@@ -10767,7 +11123,7 @@
           <p:cNvPr id="2" name="Title 1">
             <a:extLst>
               <a:ext uri="{FF2B5EF4-FFF2-40B4-BE49-F238E27FC236}">
-                <a16:creationId xmlns:a16="http://schemas.microsoft.com/office/drawing/2014/main" id="{4171DFAE-6A96-7B1F-9203-15E759AF677D}"/>
+                <a16:creationId xmlns:a16="http://schemas.microsoft.com/office/drawing/2014/main" id="{9A59E561-88BB-D12B-7A24-3791D76D4BCF}"/>
               </a:ext>
             </a:extLst>
           </p:cNvPr>
@@ -10785,7 +11141,15 @@
           <a:p>
             <a:r>
               <a:rPr lang="en-US" dirty="0"/>
-              <a:t>Gerber</a:t>
+              <a:t>Opener’s 2</a:t>
+            </a:r>
+            <a:r>
+              <a:rPr lang="en-US" baseline="30000" dirty="0"/>
+              <a:t>nd</a:t>
+            </a:r>
+            <a:r>
+              <a:rPr lang="en-US" dirty="0"/>
+              <a:t> Bid</a:t>
             </a:r>
           </a:p>
         </p:txBody>
@@ -10795,7 +11159,7 @@
           <p:cNvPr id="3" name="Content Placeholder 2">
             <a:extLst>
               <a:ext uri="{FF2B5EF4-FFF2-40B4-BE49-F238E27FC236}">
-                <a16:creationId xmlns:a16="http://schemas.microsoft.com/office/drawing/2014/main" id="{A768414E-5FB9-EEDF-6F09-3382CFFF0FB8}"/>
+                <a16:creationId xmlns:a16="http://schemas.microsoft.com/office/drawing/2014/main" id="{9EFB17F0-BB1E-AF92-5465-7EC13171CE9D}"/>
               </a:ext>
             </a:extLst>
           </p:cNvPr>
@@ -10813,46 +11177,84 @@
           <a:p>
             <a:r>
               <a:rPr lang="en-US" dirty="0"/>
-              <a:t>Ace ask for NT contracts</a:t>
+              <a:t>Have we agreed on the trump suit (or to play NT)?</a:t>
             </a:r>
           </a:p>
           <a:p>
             <a:pPr lvl="1"/>
             <a:r>
               <a:rPr lang="en-US" dirty="0"/>
-              <a:t>Jump to 4C</a:t>
+              <a:t>Decide which level to play</a:t>
             </a:r>
           </a:p>
           <a:p>
             <a:pPr lvl="2"/>
             <a:r>
               <a:rPr lang="en-US" dirty="0"/>
-              <a:t>4D: 0 or 4</a:t>
-            </a:r>
-          </a:p>
-          <a:p>
-            <a:pPr lvl="2"/>
-            <a:r>
-              <a:rPr lang="en-US" dirty="0"/>
-              <a:t>4H: 1 Ace, 4S: 2 Aces, 4NT: 3 Aces</a:t>
+              <a:t>Invite, game try, slam try, or pass</a:t>
+            </a:r>
+          </a:p>
+          <a:p>
+            <a:r>
+              <a:rPr lang="en-US" dirty="0"/>
+              <a:t>Got 17+ HCP</a:t>
             </a:r>
           </a:p>
           <a:p>
             <a:pPr lvl="1"/>
             <a:r>
               <a:rPr lang="en-US" dirty="0"/>
-              <a:t>5C for King ask</a:t>
-            </a:r>
-          </a:p>
-          <a:p>
-            <a:endParaRPr lang="en-US" dirty="0"/>
+              <a:t>Reverse (5-5), jump rebid (6+), Jump new suit (5+)</a:t>
+            </a:r>
+          </a:p>
+          <a:p>
+            <a:pPr lvl="1"/>
+            <a:r>
+              <a:rPr lang="en-US" dirty="0"/>
+              <a:t>2NT</a:t>
+            </a:r>
+          </a:p>
+          <a:p>
+            <a:r>
+              <a:rPr lang="en-US" dirty="0"/>
+              <a:t>Explore other options</a:t>
+            </a:r>
+          </a:p>
+          <a:p>
+            <a:pPr lvl="1"/>
+            <a:r>
+              <a:rPr lang="en-US" dirty="0"/>
+              <a:t>Consider pass</a:t>
+            </a:r>
+          </a:p>
+          <a:p>
+            <a:pPr lvl="1"/>
+            <a:r>
+              <a:rPr lang="en-US" dirty="0"/>
+              <a:t>Support partner major first</a:t>
+            </a:r>
+          </a:p>
+          <a:p>
+            <a:pPr lvl="1"/>
+            <a:r>
+              <a:rPr lang="en-US" dirty="0"/>
+              <a:t>Bid 2</a:t>
+            </a:r>
+            <a:r>
+              <a:rPr lang="en-US" baseline="30000" dirty="0"/>
+              <a:t>nd</a:t>
+            </a:r>
+            <a:r>
+              <a:rPr lang="en-US" dirty="0"/>
+              <a:t> suit, seeking NT contract</a:t>
+            </a:r>
           </a:p>
         </p:txBody>
       </p:sp>
     </p:spTree>
     <p:extLst>
       <p:ext uri="{BB962C8B-B14F-4D97-AF65-F5344CB8AC3E}">
-        <p14:creationId xmlns:p14="http://schemas.microsoft.com/office/powerpoint/2010/main" val="916103920"/>
+        <p14:creationId xmlns:p14="http://schemas.microsoft.com/office/powerpoint/2010/main" val="2503318711"/>
       </p:ext>
     </p:extLst>
   </p:cSld>
@@ -10884,6 +11286,564 @@
           <p:cNvPr id="2" name="Title 1">
             <a:extLst>
               <a:ext uri="{FF2B5EF4-FFF2-40B4-BE49-F238E27FC236}">
+                <a16:creationId xmlns:a16="http://schemas.microsoft.com/office/drawing/2014/main" id="{CBCC08F3-356C-F940-8C39-C58EB0330365}"/>
+              </a:ext>
+            </a:extLst>
+          </p:cNvPr>
+          <p:cNvSpPr>
+            <a:spLocks noGrp="1"/>
+          </p:cNvSpPr>
+          <p:nvPr>
+            <p:ph type="title"/>
+          </p:nvPr>
+        </p:nvSpPr>
+        <p:spPr/>
+        <p:txBody>
+          <a:bodyPr/>
+          <a:lstStyle/>
+          <a:p>
+            <a:r>
+              <a:rPr lang="en-US" dirty="0"/>
+              <a:t>Respond to Strong 2C Opening</a:t>
+            </a:r>
+          </a:p>
+        </p:txBody>
+      </p:sp>
+      <p:graphicFrame>
+        <p:nvGraphicFramePr>
+          <p:cNvPr id="6" name="Content Placeholder 5">
+            <a:extLst>
+              <a:ext uri="{FF2B5EF4-FFF2-40B4-BE49-F238E27FC236}">
+                <a16:creationId xmlns:a16="http://schemas.microsoft.com/office/drawing/2014/main" id="{915F196D-D8C6-3F23-179B-F1E3541E712E}"/>
+              </a:ext>
+            </a:extLst>
+          </p:cNvPr>
+          <p:cNvGraphicFramePr>
+            <a:graphicFrameLocks noGrp="1"/>
+          </p:cNvGraphicFramePr>
+          <p:nvPr>
+            <p:ph idx="1"/>
+            <p:extLst>
+              <p:ext uri="{D42A27DB-BD31-4B8C-83A1-F6EECF244321}">
+                <p14:modId xmlns:p14="http://schemas.microsoft.com/office/powerpoint/2010/main" val="3464305032"/>
+              </p:ext>
+            </p:extLst>
+          </p:nvPr>
+        </p:nvGraphicFramePr>
+        <p:xfrm>
+          <a:off x="838200" y="1825625"/>
+          <a:ext cx="8332304" cy="1112520"/>
+        </p:xfrm>
+        <a:graphic>
+          <a:graphicData uri="http://schemas.openxmlformats.org/drawingml/2006/table">
+            <a:tbl>
+              <a:tblPr bandRow="1">
+                <a:tableStyleId>{5C22544A-7EE6-4342-B048-85BDC9FD1C3A}</a:tableStyleId>
+              </a:tblPr>
+              <a:tblGrid>
+                <a:gridCol w="1509475">
+                  <a:extLst>
+                    <a:ext uri="{9D8B030D-6E8A-4147-A177-3AD203B41FA5}">
+                      <a16:colId xmlns:a16="http://schemas.microsoft.com/office/drawing/2014/main" val="1190941023"/>
+                    </a:ext>
+                  </a:extLst>
+                </a:gridCol>
+                <a:gridCol w="6822829">
+                  <a:extLst>
+                    <a:ext uri="{9D8B030D-6E8A-4147-A177-3AD203B41FA5}">
+                      <a16:colId xmlns:a16="http://schemas.microsoft.com/office/drawing/2014/main" val="2621371549"/>
+                    </a:ext>
+                  </a:extLst>
+                </a:gridCol>
+              </a:tblGrid>
+              <a:tr h="370840">
+                <a:tc>
+                  <a:txBody>
+                    <a:bodyPr/>
+                    <a:lstStyle/>
+                    <a:p>
+                      <a:r>
+                        <a:rPr lang="en-US" dirty="0"/>
+                        <a:t>2H</a:t>
+                      </a:r>
+                    </a:p>
+                  </a:txBody>
+                  <a:tcPr/>
+                </a:tc>
+                <a:tc>
+                  <a:txBody>
+                    <a:bodyPr/>
+                    <a:lstStyle/>
+                    <a:p>
+                      <a:r>
+                        <a:rPr lang="en-US" dirty="0"/>
+                        <a:t>”Double Negative”, 0~3 HCP</a:t>
+                      </a:r>
+                    </a:p>
+                  </a:txBody>
+                  <a:tcPr/>
+                </a:tc>
+                <a:extLst>
+                  <a:ext uri="{0D108BD9-81ED-4DB2-BD59-A6C34878D82A}">
+                    <a16:rowId xmlns:a16="http://schemas.microsoft.com/office/drawing/2014/main" val="2204528904"/>
+                  </a:ext>
+                </a:extLst>
+              </a:tr>
+              <a:tr h="370840">
+                <a:tc>
+                  <a:txBody>
+                    <a:bodyPr/>
+                    <a:lstStyle/>
+                    <a:p>
+                      <a:r>
+                        <a:rPr lang="en-US" dirty="0"/>
+                        <a:t>2D</a:t>
+                      </a:r>
+                    </a:p>
+                  </a:txBody>
+                  <a:tcPr/>
+                </a:tc>
+                <a:tc>
+                  <a:txBody>
+                    <a:bodyPr/>
+                    <a:lstStyle/>
+                    <a:p>
+                      <a:r>
+                        <a:rPr lang="en-US" dirty="0"/>
+                        <a:t>”Waiting”</a:t>
+                      </a:r>
+                    </a:p>
+                  </a:txBody>
+                  <a:tcPr/>
+                </a:tc>
+                <a:extLst>
+                  <a:ext uri="{0D108BD9-81ED-4DB2-BD59-A6C34878D82A}">
+                    <a16:rowId xmlns:a16="http://schemas.microsoft.com/office/drawing/2014/main" val="1956546915"/>
+                  </a:ext>
+                </a:extLst>
+              </a:tr>
+              <a:tr h="370840">
+                <a:tc>
+                  <a:txBody>
+                    <a:bodyPr/>
+                    <a:lstStyle/>
+                    <a:p>
+                      <a:r>
+                        <a:rPr lang="en-US" dirty="0"/>
+                        <a:t>Anything else</a:t>
+                      </a:r>
+                    </a:p>
+                  </a:txBody>
+                  <a:tcPr/>
+                </a:tc>
+                <a:tc>
+                  <a:txBody>
+                    <a:bodyPr/>
+                    <a:lstStyle/>
+                    <a:p>
+                      <a:r>
+                        <a:rPr lang="en-US" dirty="0"/>
+                        <a:t>8+ HCP, Natural, </a:t>
+                      </a:r>
+                      <a:r>
+                        <a:rPr lang="en-US" dirty="0">
+                          <a:solidFill>
+                            <a:srgbClr val="FF0000"/>
+                          </a:solidFill>
+                        </a:rPr>
+                        <a:t>Game Forcing</a:t>
+                      </a:r>
+                    </a:p>
+                  </a:txBody>
+                  <a:tcPr/>
+                </a:tc>
+                <a:extLst>
+                  <a:ext uri="{0D108BD9-81ED-4DB2-BD59-A6C34878D82A}">
+                    <a16:rowId xmlns:a16="http://schemas.microsoft.com/office/drawing/2014/main" val="797506729"/>
+                  </a:ext>
+                </a:extLst>
+              </a:tr>
+            </a:tbl>
+          </a:graphicData>
+        </a:graphic>
+      </p:graphicFrame>
+      <p:sp>
+        <p:nvSpPr>
+          <p:cNvPr id="7" name="TextBox 6">
+            <a:extLst>
+              <a:ext uri="{FF2B5EF4-FFF2-40B4-BE49-F238E27FC236}">
+                <a16:creationId xmlns:a16="http://schemas.microsoft.com/office/drawing/2014/main" id="{9BE309AF-6A08-0FC8-D600-135B5175F570}"/>
+              </a:ext>
+            </a:extLst>
+          </p:cNvPr>
+          <p:cNvSpPr txBox="1"/>
+          <p:nvPr/>
+        </p:nvSpPr>
+        <p:spPr>
+          <a:xfrm>
+            <a:off x="1235765" y="3105834"/>
+            <a:ext cx="7735957" cy="646331"/>
+          </a:xfrm>
+          <a:prstGeom prst="rect">
+            <a:avLst/>
+          </a:prstGeom>
+          <a:noFill/>
+        </p:spPr>
+        <p:txBody>
+          <a:bodyPr wrap="square" rtlCol="0">
+            <a:spAutoFit/>
+          </a:bodyPr>
+          <a:lstStyle/>
+          <a:p>
+            <a:r>
+              <a:rPr lang="en-US" b="1" dirty="0"/>
+              <a:t>Double negative alternative (BBO Robot):</a:t>
+            </a:r>
+            <a:br>
+              <a:rPr lang="en-US" b="1" dirty="0"/>
+            </a:br>
+            <a:r>
+              <a:rPr lang="en-US" dirty="0"/>
+              <a:t>2C-2D-&lt;whatever&gt;-&lt;cheapest next suit&gt;</a:t>
+            </a:r>
+          </a:p>
+        </p:txBody>
+      </p:sp>
+    </p:spTree>
+    <p:extLst>
+      <p:ext uri="{BB962C8B-B14F-4D97-AF65-F5344CB8AC3E}">
+        <p14:creationId xmlns:p14="http://schemas.microsoft.com/office/powerpoint/2010/main" val="259519615"/>
+      </p:ext>
+    </p:extLst>
+  </p:cSld>
+  <p:clrMapOvr>
+    <a:masterClrMapping/>
+  </p:clrMapOvr>
+</p:sld>
+</file>
+
+<file path=ppt/slides/slide33.xml><?xml version="1.0" encoding="utf-8"?>
+<p:sld xmlns:a="http://schemas.openxmlformats.org/drawingml/2006/main" xmlns:r="http://schemas.openxmlformats.org/officeDocument/2006/relationships" xmlns:p="http://schemas.openxmlformats.org/presentationml/2006/main">
+  <p:cSld>
+    <p:spTree>
+      <p:nvGrpSpPr>
+        <p:cNvPr id="1" name=""/>
+        <p:cNvGrpSpPr/>
+        <p:nvPr/>
+      </p:nvGrpSpPr>
+      <p:grpSpPr>
+        <a:xfrm>
+          <a:off x="0" y="0"/>
+          <a:ext cx="0" cy="0"/>
+          <a:chOff x="0" y="0"/>
+          <a:chExt cx="0" cy="0"/>
+        </a:xfrm>
+      </p:grpSpPr>
+      <p:sp>
+        <p:nvSpPr>
+          <p:cNvPr id="2" name="Title 1">
+            <a:extLst>
+              <a:ext uri="{FF2B5EF4-FFF2-40B4-BE49-F238E27FC236}">
+                <a16:creationId xmlns:a16="http://schemas.microsoft.com/office/drawing/2014/main" id="{2A8DB69B-936C-7FFE-71C6-5583D39DB93F}"/>
+              </a:ext>
+            </a:extLst>
+          </p:cNvPr>
+          <p:cNvSpPr>
+            <a:spLocks noGrp="1"/>
+          </p:cNvSpPr>
+          <p:nvPr>
+            <p:ph type="title"/>
+          </p:nvPr>
+        </p:nvSpPr>
+        <p:spPr/>
+        <p:txBody>
+          <a:bodyPr/>
+          <a:lstStyle/>
+          <a:p>
+            <a:r>
+              <a:rPr lang="en-US" dirty="0"/>
+              <a:t>Suit Contract Slam Exploration</a:t>
+            </a:r>
+          </a:p>
+        </p:txBody>
+      </p:sp>
+      <p:sp>
+        <p:nvSpPr>
+          <p:cNvPr id="3" name="Content Placeholder 2">
+            <a:extLst>
+              <a:ext uri="{FF2B5EF4-FFF2-40B4-BE49-F238E27FC236}">
+                <a16:creationId xmlns:a16="http://schemas.microsoft.com/office/drawing/2014/main" id="{54014FFC-52D8-7430-8331-94A4B0A82A5F}"/>
+              </a:ext>
+            </a:extLst>
+          </p:cNvPr>
+          <p:cNvSpPr>
+            <a:spLocks noGrp="1"/>
+          </p:cNvSpPr>
+          <p:nvPr>
+            <p:ph idx="1"/>
+          </p:nvPr>
+        </p:nvSpPr>
+        <p:spPr>
+          <a:xfrm>
+            <a:off x="838200" y="1812373"/>
+            <a:ext cx="10515600" cy="4351338"/>
+          </a:xfrm>
+        </p:spPr>
+        <p:txBody>
+          <a:bodyPr>
+            <a:normAutofit fontScale="92500" lnSpcReduction="20000"/>
+          </a:bodyPr>
+          <a:lstStyle/>
+          <a:p>
+            <a:r>
+              <a:rPr lang="en-US" dirty="0"/>
+              <a:t>Straight Blackwood</a:t>
+            </a:r>
+          </a:p>
+          <a:p>
+            <a:pPr lvl="1"/>
+            <a:r>
+              <a:rPr lang="en-US" dirty="0"/>
+              <a:t>Jump to 4NT after (implicit) trump agreement</a:t>
+            </a:r>
+          </a:p>
+          <a:p>
+            <a:pPr lvl="2"/>
+            <a:r>
+              <a:rPr lang="en-US" dirty="0"/>
+              <a:t>0 or 4 Aces: 5C</a:t>
+            </a:r>
+          </a:p>
+          <a:p>
+            <a:pPr lvl="2"/>
+            <a:r>
+              <a:rPr lang="en-US" dirty="0"/>
+              <a:t>1 Ace: 5D, 2 Aces: 5H, 3 Aces: 5S</a:t>
+            </a:r>
+          </a:p>
+          <a:p>
+            <a:pPr lvl="1"/>
+            <a:r>
+              <a:rPr lang="en-US" dirty="0"/>
+              <a:t>5NT for King ask</a:t>
+            </a:r>
+          </a:p>
+          <a:p>
+            <a:r>
+              <a:rPr lang="en-US" dirty="0"/>
+              <a:t>Roman Key Card Blackwood (RKCB)</a:t>
+            </a:r>
+          </a:p>
+          <a:p>
+            <a:pPr lvl="1"/>
+            <a:r>
+              <a:rPr lang="en-US" dirty="0"/>
+              <a:t>Jump to 4NT after (implicit) trump agreement</a:t>
+            </a:r>
+          </a:p>
+          <a:p>
+            <a:pPr lvl="1"/>
+            <a:r>
+              <a:rPr lang="en-US" dirty="0"/>
+              <a:t>Key Card = Aces or Trump King</a:t>
+            </a:r>
+          </a:p>
+          <a:p>
+            <a:pPr lvl="1"/>
+            <a:r>
+              <a:rPr lang="en-US" dirty="0"/>
+              <a:t>1430 variation (popular)</a:t>
+            </a:r>
+          </a:p>
+          <a:p>
+            <a:pPr lvl="2"/>
+            <a:r>
+              <a:rPr lang="en-US" dirty="0"/>
+              <a:t>5C: 1 or 4 key cards, 5D: 0 or 3</a:t>
+            </a:r>
+          </a:p>
+          <a:p>
+            <a:pPr lvl="2"/>
+            <a:r>
+              <a:rPr lang="en-US" dirty="0"/>
+              <a:t>5H: 2 without Trump Q, 5S: 2 With trump Queen</a:t>
+            </a:r>
+          </a:p>
+          <a:p>
+            <a:pPr lvl="1"/>
+            <a:r>
+              <a:rPr lang="en-US" dirty="0"/>
+              <a:t>0314 variation (more compatible with straight BW)</a:t>
+            </a:r>
+          </a:p>
+          <a:p>
+            <a:pPr lvl="2"/>
+            <a:r>
+              <a:rPr lang="en-US" dirty="0"/>
+              <a:t>5C: 1 or 4 key cards, 5D: 0 or 3</a:t>
+            </a:r>
+          </a:p>
+          <a:p>
+            <a:pPr lvl="1"/>
+            <a:r>
+              <a:rPr lang="en-US" dirty="0"/>
+              <a:t>5NT for “other” Kings (reply as straight BW)</a:t>
+            </a:r>
+          </a:p>
+        </p:txBody>
+      </p:sp>
+    </p:spTree>
+    <p:extLst>
+      <p:ext uri="{BB962C8B-B14F-4D97-AF65-F5344CB8AC3E}">
+        <p14:creationId xmlns:p14="http://schemas.microsoft.com/office/powerpoint/2010/main" val="2600973845"/>
+      </p:ext>
+    </p:extLst>
+  </p:cSld>
+  <p:clrMapOvr>
+    <a:masterClrMapping/>
+  </p:clrMapOvr>
+</p:sld>
+</file>
+
+<file path=ppt/slides/slide34.xml><?xml version="1.0" encoding="utf-8"?>
+<p:sld xmlns:a="http://schemas.openxmlformats.org/drawingml/2006/main" xmlns:r="http://schemas.openxmlformats.org/officeDocument/2006/relationships" xmlns:p="http://schemas.openxmlformats.org/presentationml/2006/main">
+  <p:cSld>
+    <p:spTree>
+      <p:nvGrpSpPr>
+        <p:cNvPr id="1" name=""/>
+        <p:cNvGrpSpPr/>
+        <p:nvPr/>
+      </p:nvGrpSpPr>
+      <p:grpSpPr>
+        <a:xfrm>
+          <a:off x="0" y="0"/>
+          <a:ext cx="0" cy="0"/>
+          <a:chOff x="0" y="0"/>
+          <a:chExt cx="0" cy="0"/>
+        </a:xfrm>
+      </p:grpSpPr>
+      <p:sp>
+        <p:nvSpPr>
+          <p:cNvPr id="2" name="Title 1">
+            <a:extLst>
+              <a:ext uri="{FF2B5EF4-FFF2-40B4-BE49-F238E27FC236}">
+                <a16:creationId xmlns:a16="http://schemas.microsoft.com/office/drawing/2014/main" id="{4171DFAE-6A96-7B1F-9203-15E759AF677D}"/>
+              </a:ext>
+            </a:extLst>
+          </p:cNvPr>
+          <p:cNvSpPr>
+            <a:spLocks noGrp="1"/>
+          </p:cNvSpPr>
+          <p:nvPr>
+            <p:ph type="title"/>
+          </p:nvPr>
+        </p:nvSpPr>
+        <p:spPr/>
+        <p:txBody>
+          <a:bodyPr/>
+          <a:lstStyle/>
+          <a:p>
+            <a:r>
+              <a:rPr lang="en-US" dirty="0"/>
+              <a:t>Gerber</a:t>
+            </a:r>
+          </a:p>
+        </p:txBody>
+      </p:sp>
+      <p:sp>
+        <p:nvSpPr>
+          <p:cNvPr id="3" name="Content Placeholder 2">
+            <a:extLst>
+              <a:ext uri="{FF2B5EF4-FFF2-40B4-BE49-F238E27FC236}">
+                <a16:creationId xmlns:a16="http://schemas.microsoft.com/office/drawing/2014/main" id="{A768414E-5FB9-EEDF-6F09-3382CFFF0FB8}"/>
+              </a:ext>
+            </a:extLst>
+          </p:cNvPr>
+          <p:cNvSpPr>
+            <a:spLocks noGrp="1"/>
+          </p:cNvSpPr>
+          <p:nvPr>
+            <p:ph idx="1"/>
+          </p:nvPr>
+        </p:nvSpPr>
+        <p:spPr/>
+        <p:txBody>
+          <a:bodyPr/>
+          <a:lstStyle/>
+          <a:p>
+            <a:r>
+              <a:rPr lang="en-US" dirty="0"/>
+              <a:t>Ace ask for NT contracts</a:t>
+            </a:r>
+          </a:p>
+          <a:p>
+            <a:pPr lvl="1"/>
+            <a:r>
+              <a:rPr lang="en-US" dirty="0"/>
+              <a:t>Jump to 4C</a:t>
+            </a:r>
+          </a:p>
+          <a:p>
+            <a:pPr lvl="2"/>
+            <a:r>
+              <a:rPr lang="en-US" dirty="0"/>
+              <a:t>4D: 0 or 4</a:t>
+            </a:r>
+          </a:p>
+          <a:p>
+            <a:pPr lvl="2"/>
+            <a:r>
+              <a:rPr lang="en-US" dirty="0"/>
+              <a:t>4H: 1 Ace, 4S: 2 Aces, 4NT: 3 Aces</a:t>
+            </a:r>
+          </a:p>
+          <a:p>
+            <a:pPr lvl="1"/>
+            <a:r>
+              <a:rPr lang="en-US" dirty="0"/>
+              <a:t>5C for King ask</a:t>
+            </a:r>
+          </a:p>
+          <a:p>
+            <a:endParaRPr lang="en-US" dirty="0"/>
+          </a:p>
+        </p:txBody>
+      </p:sp>
+    </p:spTree>
+    <p:extLst>
+      <p:ext uri="{BB962C8B-B14F-4D97-AF65-F5344CB8AC3E}">
+        <p14:creationId xmlns:p14="http://schemas.microsoft.com/office/powerpoint/2010/main" val="916103920"/>
+      </p:ext>
+    </p:extLst>
+  </p:cSld>
+  <p:clrMapOvr>
+    <a:masterClrMapping/>
+  </p:clrMapOvr>
+</p:sld>
+</file>
+
+<file path=ppt/slides/slide35.xml><?xml version="1.0" encoding="utf-8"?>
+<p:sld xmlns:a="http://schemas.openxmlformats.org/drawingml/2006/main" xmlns:r="http://schemas.openxmlformats.org/officeDocument/2006/relationships" xmlns:p="http://schemas.openxmlformats.org/presentationml/2006/main">
+  <p:cSld>
+    <p:spTree>
+      <p:nvGrpSpPr>
+        <p:cNvPr id="1" name=""/>
+        <p:cNvGrpSpPr/>
+        <p:nvPr/>
+      </p:nvGrpSpPr>
+      <p:grpSpPr>
+        <a:xfrm>
+          <a:off x="0" y="0"/>
+          <a:ext cx="0" cy="0"/>
+          <a:chOff x="0" y="0"/>
+          <a:chExt cx="0" cy="0"/>
+        </a:xfrm>
+      </p:grpSpPr>
+      <p:sp>
+        <p:nvSpPr>
+          <p:cNvPr id="2" name="Title 1">
+            <a:extLst>
+              <a:ext uri="{FF2B5EF4-FFF2-40B4-BE49-F238E27FC236}">
                 <a16:creationId xmlns:a16="http://schemas.microsoft.com/office/drawing/2014/main" id="{067BD735-6E6B-A5D8-05F5-DB4A486F6F92}"/>
               </a:ext>
             </a:extLst>
@@ -11052,7 +12012,7 @@
 </p:sld>
 </file>
 
-<file path=ppt/slides/slide33.xml><?xml version="1.0" encoding="utf-8"?>
+<file path=ppt/slides/slide36.xml><?xml version="1.0" encoding="utf-8"?>
 <p:sld xmlns:a="http://schemas.openxmlformats.org/drawingml/2006/main" xmlns:r="http://schemas.openxmlformats.org/officeDocument/2006/relationships" xmlns:p="http://schemas.openxmlformats.org/presentationml/2006/main">
   <p:cSld>
     <p:spTree>
@@ -11394,7 +12354,7 @@
 </p:sld>
 </file>
 
-<file path=ppt/slides/slide34.xml><?xml version="1.0" encoding="utf-8"?>
+<file path=ppt/slides/slide37.xml><?xml version="1.0" encoding="utf-8"?>
 <p:sld xmlns:a="http://schemas.openxmlformats.org/drawingml/2006/main" xmlns:r="http://schemas.openxmlformats.org/officeDocument/2006/relationships" xmlns:p="http://schemas.openxmlformats.org/presentationml/2006/main">
   <p:cSld>
     <p:spTree>
@@ -11784,7 +12744,7 @@
 </p:sld>
 </file>
 
-<file path=ppt/slides/slide35.xml><?xml version="1.0" encoding="utf-8"?>
+<file path=ppt/slides/slide38.xml><?xml version="1.0" encoding="utf-8"?>
 <p:sld xmlns:a="http://schemas.openxmlformats.org/drawingml/2006/main" xmlns:r="http://schemas.openxmlformats.org/officeDocument/2006/relationships" xmlns:p="http://schemas.openxmlformats.org/presentationml/2006/main">
   <p:cSld>
     <p:spTree>

--- a/lectures.pptx
+++ b/lectures.pptx
@@ -4909,13 +4909,13 @@
         </p:nvSpPr>
         <p:spPr>
           <a:xfrm>
-            <a:off x="1152939" y="1918390"/>
-            <a:ext cx="6308035" cy="1951245"/>
+            <a:off x="1166191" y="1918390"/>
+            <a:ext cx="5883966" cy="2931906"/>
           </a:xfrm>
         </p:spPr>
         <p:txBody>
           <a:bodyPr>
-            <a:normAutofit fontScale="70000" lnSpcReduction="20000"/>
+            <a:normAutofit fontScale="85000" lnSpcReduction="10000"/>
           </a:bodyPr>
           <a:lstStyle/>
           <a:p>
@@ -4932,7 +4932,7 @@
               <a:rPr lang="en-US" dirty="0">
                 <a:hlinkClick r:id="rId3"/>
               </a:rPr>
-              <a:t>syw.cuper@gmail.com</a:t>
+              <a:t>https://nomadicminds.org/js/bridge101/</a:t>
             </a:r>
             <a:endParaRPr lang="en-US" dirty="0"/>
           </a:p>
@@ -4941,6 +4941,15 @@
               <a:rPr lang="en-US" dirty="0">
                 <a:hlinkClick r:id="rId4"/>
               </a:rPr>
+              <a:t>syw.cuper@gmail.com</a:t>
+            </a:r>
+            <a:endParaRPr lang="en-US" dirty="0"/>
+          </a:p>
+          <a:p>
+            <a:r>
+              <a:rPr lang="en-US" dirty="0">
+                <a:hlinkClick r:id="rId5"/>
+              </a:rPr>
               <a:t>https://www.bridgebase.com/v3/app/lv</a:t>
             </a:r>
             <a:endParaRPr lang="en-US" dirty="0"/>
@@ -4962,7 +4971,7 @@
             <a:pPr lvl="1"/>
             <a:r>
               <a:rPr lang="en-US" dirty="0"/>
-              <a:t>Send me an email</a:t>
+              <a:t>Or email me</a:t>
             </a:r>
           </a:p>
         </p:txBody>
@@ -4982,14 +4991,14 @@
           <p:nvPr/>
         </p:nvPicPr>
         <p:blipFill>
-          <a:blip r:embed="rId5"/>
+          <a:blip r:embed="rId6"/>
           <a:stretch>
             <a:fillRect/>
           </a:stretch>
         </p:blipFill>
         <p:spPr>
           <a:xfrm>
-            <a:off x="6811617" y="3678514"/>
+            <a:off x="7050157" y="1802296"/>
             <a:ext cx="3048000" cy="3048000"/>
           </a:xfrm>
           <a:prstGeom prst="rect">
